--- a/Project 1 Presentation.pptx
+++ b/Project 1 Presentation.pptx
@@ -1,40 +1,40 @@
 
 <file path=ppt/presentation.xml><?xml version="1.0" encoding="utf-8"?>
-<p:presentation xmlns:a="http://schemas.openxmlformats.org/drawingml/2006/main" xmlns:r="http://schemas.openxmlformats.org/officeDocument/2006/relationships" xmlns:mc="http://schemas.openxmlformats.org/markup-compatibility/2006" xmlns:mv="urn:schemas-microsoft-com:mac:vml" xmlns:p="http://schemas.openxmlformats.org/presentationml/2006/main" xmlns:c="http://schemas.openxmlformats.org/drawingml/2006/chart" xmlns:dgm="http://schemas.openxmlformats.org/drawingml/2006/diagram" xmlns:o="urn:schemas-microsoft-com:office:office" xmlns:v="urn:schemas-microsoft-com:vml" xmlns:pvml="urn:schemas-microsoft-com:office:powerpoint" xmlns:com="http://schemas.openxmlformats.org/drawingml/2006/compatibility" xmlns:p14="http://schemas.microsoft.com/office/powerpoint/2010/main" xmlns:p15="http://schemas.microsoft.com/office/powerpoint/2012/main" autoCompressPictures="0" embedTrueTypeFonts="1" strictFirstAndLastChars="0" saveSubsetFonts="1">
+<p:presentation xmlns:a="http://schemas.openxmlformats.org/drawingml/2006/main" xmlns:r="http://schemas.openxmlformats.org/officeDocument/2006/relationships" xmlns:p="http://schemas.openxmlformats.org/presentationml/2006/main" strictFirstAndLastChars="0" embedTrueTypeFonts="1" saveSubsetFonts="1" autoCompressPictures="0">
   <p:sldMasterIdLst>
-    <p:sldMasterId id="2147483659" r:id="rId4"/>
+    <p:sldMasterId id="2147483659" r:id="rId1"/>
   </p:sldMasterIdLst>
   <p:notesMasterIdLst>
-    <p:notesMasterId r:id="rId5"/>
+    <p:notesMasterId r:id="rId8"/>
   </p:notesMasterIdLst>
   <p:sldIdLst>
-    <p:sldId id="256" r:id="rId6"/>
-    <p:sldId id="257" r:id="rId7"/>
-    <p:sldId id="258" r:id="rId8"/>
-    <p:sldId id="259" r:id="rId9"/>
-    <p:sldId id="260" r:id="rId10"/>
-    <p:sldId id="261" r:id="rId11"/>
+    <p:sldId id="256" r:id="rId2"/>
+    <p:sldId id="257" r:id="rId3"/>
+    <p:sldId id="258" r:id="rId4"/>
+    <p:sldId id="259" r:id="rId5"/>
+    <p:sldId id="260" r:id="rId6"/>
+    <p:sldId id="261" r:id="rId7"/>
   </p:sldIdLst>
-  <p:sldSz cy="5143500" cx="9144000"/>
+  <p:sldSz cx="9144000" cy="5143500" type="screen16x9"/>
   <p:notesSz cx="6858000" cy="9144000"/>
   <p:embeddedFontLst>
     <p:embeddedFont>
-      <p:font typeface="Playfair Display"/>
-      <p:regular r:id="rId12"/>
-      <p:bold r:id="rId13"/>
-      <p:italic r:id="rId14"/>
-      <p:boldItalic r:id="rId15"/>
+      <p:font typeface="Lato" panose="020F0502020204030203" pitchFamily="34" charset="77"/>
+      <p:regular r:id="rId9"/>
+      <p:bold r:id="rId10"/>
+      <p:italic r:id="rId11"/>
+      <p:boldItalic r:id="rId12"/>
     </p:embeddedFont>
     <p:embeddedFont>
-      <p:font typeface="Lato"/>
-      <p:regular r:id="rId16"/>
-      <p:bold r:id="rId17"/>
-      <p:italic r:id="rId18"/>
-      <p:boldItalic r:id="rId19"/>
+      <p:font typeface="Playfair Display" pitchFamily="2" charset="77"/>
+      <p:regular r:id="rId13"/>
+      <p:bold r:id="rId14"/>
+      <p:italic r:id="rId15"/>
+      <p:boldItalic r:id="rId16"/>
     </p:embeddedFont>
   </p:embeddedFontLst>
   <p:defaultTextStyle>
-    <a:defPPr lvl="0" marR="0" rtl="0" algn="l">
+    <a:defPPr marR="0" lvl="0" algn="l" rtl="0">
       <a:lnSpc>
         <a:spcPct val="100000"/>
       </a:lnSpc>
@@ -45,7 +45,7 @@
         <a:spcPts val="0"/>
       </a:spcAft>
     </a:defPPr>
-    <a:lvl1pPr lvl="0" marR="0" rtl="0" algn="l">
+    <a:lvl1pPr marR="0" lvl="0" algn="l" rtl="0">
       <a:lnSpc>
         <a:spcPct val="100000"/>
       </a:lnSpc>
@@ -59,7 +59,7 @@
         <a:srgbClr val="000000"/>
       </a:buClr>
       <a:buFont typeface="Arial"/>
-      <a:defRPr b="0" i="0" sz="1400" u="none" cap="none" strike="noStrike">
+      <a:defRPr sz="1400" b="0" i="0" u="none" strike="noStrike" cap="none">
         <a:solidFill>
           <a:srgbClr val="000000"/>
         </a:solidFill>
@@ -69,7 +69,7 @@
         <a:sym typeface="Arial"/>
       </a:defRPr>
     </a:lvl1pPr>
-    <a:lvl2pPr lvl="1" marR="0" rtl="0" algn="l">
+    <a:lvl2pPr marR="0" lvl="1" algn="l" rtl="0">
       <a:lnSpc>
         <a:spcPct val="100000"/>
       </a:lnSpc>
@@ -83,7 +83,7 @@
         <a:srgbClr val="000000"/>
       </a:buClr>
       <a:buFont typeface="Arial"/>
-      <a:defRPr b="0" i="0" sz="1400" u="none" cap="none" strike="noStrike">
+      <a:defRPr sz="1400" b="0" i="0" u="none" strike="noStrike" cap="none">
         <a:solidFill>
           <a:srgbClr val="000000"/>
         </a:solidFill>
@@ -93,7 +93,7 @@
         <a:sym typeface="Arial"/>
       </a:defRPr>
     </a:lvl2pPr>
-    <a:lvl3pPr lvl="2" marR="0" rtl="0" algn="l">
+    <a:lvl3pPr marR="0" lvl="2" algn="l" rtl="0">
       <a:lnSpc>
         <a:spcPct val="100000"/>
       </a:lnSpc>
@@ -107,7 +107,7 @@
         <a:srgbClr val="000000"/>
       </a:buClr>
       <a:buFont typeface="Arial"/>
-      <a:defRPr b="0" i="0" sz="1400" u="none" cap="none" strike="noStrike">
+      <a:defRPr sz="1400" b="0" i="0" u="none" strike="noStrike" cap="none">
         <a:solidFill>
           <a:srgbClr val="000000"/>
         </a:solidFill>
@@ -117,7 +117,7 @@
         <a:sym typeface="Arial"/>
       </a:defRPr>
     </a:lvl3pPr>
-    <a:lvl4pPr lvl="3" marR="0" rtl="0" algn="l">
+    <a:lvl4pPr marR="0" lvl="3" algn="l" rtl="0">
       <a:lnSpc>
         <a:spcPct val="100000"/>
       </a:lnSpc>
@@ -131,7 +131,7 @@
         <a:srgbClr val="000000"/>
       </a:buClr>
       <a:buFont typeface="Arial"/>
-      <a:defRPr b="0" i="0" sz="1400" u="none" cap="none" strike="noStrike">
+      <a:defRPr sz="1400" b="0" i="0" u="none" strike="noStrike" cap="none">
         <a:solidFill>
           <a:srgbClr val="000000"/>
         </a:solidFill>
@@ -141,7 +141,7 @@
         <a:sym typeface="Arial"/>
       </a:defRPr>
     </a:lvl4pPr>
-    <a:lvl5pPr lvl="4" marR="0" rtl="0" algn="l">
+    <a:lvl5pPr marR="0" lvl="4" algn="l" rtl="0">
       <a:lnSpc>
         <a:spcPct val="100000"/>
       </a:lnSpc>
@@ -155,7 +155,7 @@
         <a:srgbClr val="000000"/>
       </a:buClr>
       <a:buFont typeface="Arial"/>
-      <a:defRPr b="0" i="0" sz="1400" u="none" cap="none" strike="noStrike">
+      <a:defRPr sz="1400" b="0" i="0" u="none" strike="noStrike" cap="none">
         <a:solidFill>
           <a:srgbClr val="000000"/>
         </a:solidFill>
@@ -165,7 +165,7 @@
         <a:sym typeface="Arial"/>
       </a:defRPr>
     </a:lvl5pPr>
-    <a:lvl6pPr lvl="5" marR="0" rtl="0" algn="l">
+    <a:lvl6pPr marR="0" lvl="5" algn="l" rtl="0">
       <a:lnSpc>
         <a:spcPct val="100000"/>
       </a:lnSpc>
@@ -179,7 +179,7 @@
         <a:srgbClr val="000000"/>
       </a:buClr>
       <a:buFont typeface="Arial"/>
-      <a:defRPr b="0" i="0" sz="1400" u="none" cap="none" strike="noStrike">
+      <a:defRPr sz="1400" b="0" i="0" u="none" strike="noStrike" cap="none">
         <a:solidFill>
           <a:srgbClr val="000000"/>
         </a:solidFill>
@@ -189,7 +189,7 @@
         <a:sym typeface="Arial"/>
       </a:defRPr>
     </a:lvl6pPr>
-    <a:lvl7pPr lvl="6" marR="0" rtl="0" algn="l">
+    <a:lvl7pPr marR="0" lvl="6" algn="l" rtl="0">
       <a:lnSpc>
         <a:spcPct val="100000"/>
       </a:lnSpc>
@@ -203,7 +203,7 @@
         <a:srgbClr val="000000"/>
       </a:buClr>
       <a:buFont typeface="Arial"/>
-      <a:defRPr b="0" i="0" sz="1400" u="none" cap="none" strike="noStrike">
+      <a:defRPr sz="1400" b="0" i="0" u="none" strike="noStrike" cap="none">
         <a:solidFill>
           <a:srgbClr val="000000"/>
         </a:solidFill>
@@ -213,7 +213,7 @@
         <a:sym typeface="Arial"/>
       </a:defRPr>
     </a:lvl7pPr>
-    <a:lvl8pPr lvl="7" marR="0" rtl="0" algn="l">
+    <a:lvl8pPr marR="0" lvl="7" algn="l" rtl="0">
       <a:lnSpc>
         <a:spcPct val="100000"/>
       </a:lnSpc>
@@ -227,7 +227,7 @@
         <a:srgbClr val="000000"/>
       </a:buClr>
       <a:buFont typeface="Arial"/>
-      <a:defRPr b="0" i="0" sz="1400" u="none" cap="none" strike="noStrike">
+      <a:defRPr sz="1400" b="0" i="0" u="none" strike="noStrike" cap="none">
         <a:solidFill>
           <a:srgbClr val="000000"/>
         </a:solidFill>
@@ -237,7 +237,7 @@
         <a:sym typeface="Arial"/>
       </a:defRPr>
     </a:lvl8pPr>
-    <a:lvl9pPr lvl="8" marR="0" rtl="0" algn="l">
+    <a:lvl9pPr marR="0" lvl="8" algn="l" rtl="0">
       <a:lnSpc>
         <a:spcPct val="100000"/>
       </a:lnSpc>
@@ -251,7 +251,7 @@
         <a:srgbClr val="000000"/>
       </a:buClr>
       <a:buFont typeface="Arial"/>
-      <a:defRPr b="0" i="0" sz="1400" u="none" cap="none" strike="noStrike">
+      <a:defRPr sz="1400" b="0" i="0" u="none" strike="noStrike" cap="none">
         <a:solidFill>
           <a:srgbClr val="000000"/>
         </a:solidFill>
@@ -264,7 +264,7 @@
   </p:defaultTextStyle>
   <p:extLst>
     <p:ext uri="{EFAFB233-063F-42B5-8137-9DF3F51BA10A}">
-      <p15:sldGuideLst>
+      <p15:sldGuideLst xmlns:p15="http://schemas.microsoft.com/office/powerpoint/2012/main">
         <p15:guide id="1" orient="horz" pos="1620">
           <p15:clr>
             <a:srgbClr val="A4A3A4"/>
@@ -282,11 +282,16 @@
 </file>
 
 <file path=ppt/notesMasters/notesMaster1.xml><?xml version="1.0" encoding="utf-8"?>
-<p:notesMaster xmlns:a="http://schemas.openxmlformats.org/drawingml/2006/main" xmlns:r="http://schemas.openxmlformats.org/officeDocument/2006/relationships" xmlns:mc="http://schemas.openxmlformats.org/markup-compatibility/2006" xmlns:mv="urn:schemas-microsoft-com:mac:vml" xmlns:p="http://schemas.openxmlformats.org/presentationml/2006/main" xmlns:c="http://schemas.openxmlformats.org/drawingml/2006/chart" xmlns:dgm="http://schemas.openxmlformats.org/drawingml/2006/diagram" xmlns:o="urn:schemas-microsoft-com:office:office" xmlns:v="urn:schemas-microsoft-com:vml" xmlns:pvml="urn:schemas-microsoft-com:office:powerpoint" xmlns:com="http://schemas.openxmlformats.org/drawingml/2006/compatibility" xmlns:p14="http://schemas.microsoft.com/office/powerpoint/2010/main" xmlns:p15="http://schemas.microsoft.com/office/powerpoint/2012/main">
+<p:notesMaster xmlns:a="http://schemas.openxmlformats.org/drawingml/2006/main" xmlns:r="http://schemas.openxmlformats.org/officeDocument/2006/relationships" xmlns:p="http://schemas.openxmlformats.org/presentationml/2006/main">
   <p:cSld>
+    <p:bg>
+      <p:bgRef idx="1001">
+        <a:schemeClr val="bg1"/>
+      </p:bgRef>
+    </p:bg>
     <p:spTree>
       <p:nvGrpSpPr>
-        <p:cNvPr id="2" name="Shape 2"/>
+        <p:cNvPr id="1" name="Shape 2"/>
         <p:cNvGrpSpPr/>
         <p:nvPr/>
       </p:nvGrpSpPr>
@@ -301,9 +306,11 @@
       <p:sp>
         <p:nvSpPr>
           <p:cNvPr id="3" name="Shape 3"/>
-          <p:cNvSpPr/>
+          <p:cNvSpPr>
+            <a:spLocks noGrp="1" noRot="1" noChangeAspect="1"/>
+          </p:cNvSpPr>
           <p:nvPr>
-            <p:ph idx="2" type="sldImg"/>
+            <p:ph type="sldImg" idx="2"/>
           </p:nvPr>
         </p:nvSpPr>
         <p:spPr>
@@ -312,8 +319,13 @@
             <a:ext cx="6096075" cy="3429000"/>
           </a:xfrm>
           <a:custGeom>
+            <a:avLst/>
+            <a:gdLst/>
+            <a:ahLst/>
+            <a:cxnLst/>
+            <a:rect l="0" t="0" r="0" b="0"/>
             <a:pathLst>
-              <a:path extrusionOk="0" h="120000" w="120000">
+              <a:path w="120000" h="120000" extrusionOk="0">
                 <a:moveTo>
                   <a:pt x="0" y="0"/>
                 </a:moveTo>
@@ -331,23 +343,25 @@
             </a:pathLst>
           </a:custGeom>
           <a:noFill/>
-          <a:ln cap="flat" cmpd="sng" w="9525">
+          <a:ln w="9525" cap="flat" cmpd="sng">
             <a:solidFill>
               <a:srgbClr val="000000"/>
             </a:solidFill>
             <a:prstDash val="solid"/>
             <a:round/>
-            <a:headEnd len="sm" w="sm" type="none"/>
-            <a:tailEnd len="sm" w="sm" type="none"/>
+            <a:headEnd type="none" w="sm" len="sm"/>
+            <a:tailEnd type="none" w="sm" len="sm"/>
           </a:ln>
         </p:spPr>
       </p:sp>
       <p:sp>
         <p:nvSpPr>
           <p:cNvPr id="4" name="Shape 4"/>
-          <p:cNvSpPr txBox="1"/>
+          <p:cNvSpPr txBox="1">
+            <a:spLocks noGrp="1"/>
+          </p:cNvSpPr>
           <p:nvPr>
-            <p:ph idx="1" type="body"/>
+            <p:ph type="body" idx="1"/>
           </p:nvPr>
         </p:nvSpPr>
         <p:spPr>
@@ -364,9 +378,9 @@
           </a:ln>
         </p:spPr>
         <p:txBody>
-          <a:bodyPr anchorCtr="0" anchor="t" bIns="91425" lIns="91425" spcFirstLastPara="1" rIns="91425" wrap="square" tIns="91425"/>
+          <a:bodyPr spcFirstLastPara="1" wrap="square" lIns="91425" tIns="91425" rIns="91425" bIns="91425" anchor="t" anchorCtr="0"/>
           <a:lstStyle>
-            <a:lvl1pPr indent="-298450" lvl="0" marL="457200">
+            <a:lvl1pPr marL="457200" lvl="0" indent="-298450">
               <a:spcBef>
                 <a:spcPts val="0"/>
               </a:spcBef>
@@ -377,7 +391,7 @@
               <a:buChar char="●"/>
               <a:defRPr sz="1100"/>
             </a:lvl1pPr>
-            <a:lvl2pPr indent="-298450" lvl="1" marL="914400">
+            <a:lvl2pPr marL="914400" lvl="1" indent="-298450">
               <a:spcBef>
                 <a:spcPts val="0"/>
               </a:spcBef>
@@ -388,7 +402,7 @@
               <a:buChar char="○"/>
               <a:defRPr sz="1100"/>
             </a:lvl2pPr>
-            <a:lvl3pPr indent="-298450" lvl="2" marL="1371600">
+            <a:lvl3pPr marL="1371600" lvl="2" indent="-298450">
               <a:spcBef>
                 <a:spcPts val="0"/>
               </a:spcBef>
@@ -399,7 +413,7 @@
               <a:buChar char="■"/>
               <a:defRPr sz="1100"/>
             </a:lvl3pPr>
-            <a:lvl4pPr indent="-298450" lvl="3" marL="1828800">
+            <a:lvl4pPr marL="1828800" lvl="3" indent="-298450">
               <a:spcBef>
                 <a:spcPts val="0"/>
               </a:spcBef>
@@ -410,7 +424,7 @@
               <a:buChar char="●"/>
               <a:defRPr sz="1100"/>
             </a:lvl4pPr>
-            <a:lvl5pPr indent="-298450" lvl="4" marL="2286000">
+            <a:lvl5pPr marL="2286000" lvl="4" indent="-298450">
               <a:spcBef>
                 <a:spcPts val="0"/>
               </a:spcBef>
@@ -421,7 +435,7 @@
               <a:buChar char="○"/>
               <a:defRPr sz="1100"/>
             </a:lvl5pPr>
-            <a:lvl6pPr indent="-298450" lvl="5" marL="2743200">
+            <a:lvl6pPr marL="2743200" lvl="5" indent="-298450">
               <a:spcBef>
                 <a:spcPts val="0"/>
               </a:spcBef>
@@ -432,7 +446,7 @@
               <a:buChar char="■"/>
               <a:defRPr sz="1100"/>
             </a:lvl6pPr>
-            <a:lvl7pPr indent="-298450" lvl="6" marL="3200400">
+            <a:lvl7pPr marL="3200400" lvl="6" indent="-298450">
               <a:spcBef>
                 <a:spcPts val="0"/>
               </a:spcBef>
@@ -443,7 +457,7 @@
               <a:buChar char="●"/>
               <a:defRPr sz="1100"/>
             </a:lvl7pPr>
-            <a:lvl8pPr indent="-298450" lvl="7" marL="3657600">
+            <a:lvl8pPr marL="3657600" lvl="7" indent="-298450">
               <a:spcBef>
                 <a:spcPts val="0"/>
               </a:spcBef>
@@ -454,7 +468,7 @@
               <a:buChar char="○"/>
               <a:defRPr sz="1100"/>
             </a:lvl8pPr>
-            <a:lvl9pPr indent="-298450" lvl="8" marL="4114800">
+            <a:lvl9pPr marL="4114800" lvl="8" indent="-298450">
               <a:spcBef>
                 <a:spcPts val="0"/>
               </a:spcBef>
@@ -466,14 +480,16 @@
               <a:defRPr sz="1100"/>
             </a:lvl9pPr>
           </a:lstStyle>
-          <a:p/>
+          <a:p>
+            <a:endParaRPr/>
+          </a:p>
         </p:txBody>
       </p:sp>
     </p:spTree>
   </p:cSld>
-  <p:clrMap accent1="accent1" accent2="accent2" accent3="accent3" accent4="accent4" accent5="accent5" accent6="accent6" bg1="lt1" bg2="dk2" tx1="dk1" tx2="lt2" folHlink="folHlink" hlink="hlink"/>
+  <p:clrMap bg1="lt1" tx1="dk1" bg2="dk2" tx2="lt2" accent1="accent1" accent2="accent2" accent3="accent3" accent4="accent4" accent5="accent5" accent6="accent6" hlink="hlink" folHlink="folHlink"/>
   <p:notesStyle>
-    <a:defPPr lvl="0" marR="0" rtl="0" algn="l">
+    <a:defPPr marR="0" lvl="0" algn="l" rtl="0">
       <a:lnSpc>
         <a:spcPct val="100000"/>
       </a:lnSpc>
@@ -484,7 +500,7 @@
         <a:spcPts val="0"/>
       </a:spcAft>
     </a:defPPr>
-    <a:lvl1pPr lvl="0" marR="0" rtl="0" algn="l">
+    <a:lvl1pPr marR="0" lvl="0" algn="l" rtl="0">
       <a:lnSpc>
         <a:spcPct val="100000"/>
       </a:lnSpc>
@@ -498,7 +514,7 @@
         <a:srgbClr val="000000"/>
       </a:buClr>
       <a:buFont typeface="Arial"/>
-      <a:defRPr b="0" i="0" sz="1400" u="none" cap="none" strike="noStrike">
+      <a:defRPr sz="1400" b="0" i="0" u="none" strike="noStrike" cap="none">
         <a:solidFill>
           <a:srgbClr val="000000"/>
         </a:solidFill>
@@ -508,7 +524,7 @@
         <a:sym typeface="Arial"/>
       </a:defRPr>
     </a:lvl1pPr>
-    <a:lvl2pPr lvl="1" marR="0" rtl="0" algn="l">
+    <a:lvl2pPr marR="0" lvl="1" algn="l" rtl="0">
       <a:lnSpc>
         <a:spcPct val="100000"/>
       </a:lnSpc>
@@ -522,7 +538,7 @@
         <a:srgbClr val="000000"/>
       </a:buClr>
       <a:buFont typeface="Arial"/>
-      <a:defRPr b="0" i="0" sz="1400" u="none" cap="none" strike="noStrike">
+      <a:defRPr sz="1400" b="0" i="0" u="none" strike="noStrike" cap="none">
         <a:solidFill>
           <a:srgbClr val="000000"/>
         </a:solidFill>
@@ -532,7 +548,7 @@
         <a:sym typeface="Arial"/>
       </a:defRPr>
     </a:lvl2pPr>
-    <a:lvl3pPr lvl="2" marR="0" rtl="0" algn="l">
+    <a:lvl3pPr marR="0" lvl="2" algn="l" rtl="0">
       <a:lnSpc>
         <a:spcPct val="100000"/>
       </a:lnSpc>
@@ -546,7 +562,7 @@
         <a:srgbClr val="000000"/>
       </a:buClr>
       <a:buFont typeface="Arial"/>
-      <a:defRPr b="0" i="0" sz="1400" u="none" cap="none" strike="noStrike">
+      <a:defRPr sz="1400" b="0" i="0" u="none" strike="noStrike" cap="none">
         <a:solidFill>
           <a:srgbClr val="000000"/>
         </a:solidFill>
@@ -556,7 +572,7 @@
         <a:sym typeface="Arial"/>
       </a:defRPr>
     </a:lvl3pPr>
-    <a:lvl4pPr lvl="3" marR="0" rtl="0" algn="l">
+    <a:lvl4pPr marR="0" lvl="3" algn="l" rtl="0">
       <a:lnSpc>
         <a:spcPct val="100000"/>
       </a:lnSpc>
@@ -570,7 +586,7 @@
         <a:srgbClr val="000000"/>
       </a:buClr>
       <a:buFont typeface="Arial"/>
-      <a:defRPr b="0" i="0" sz="1400" u="none" cap="none" strike="noStrike">
+      <a:defRPr sz="1400" b="0" i="0" u="none" strike="noStrike" cap="none">
         <a:solidFill>
           <a:srgbClr val="000000"/>
         </a:solidFill>
@@ -580,7 +596,7 @@
         <a:sym typeface="Arial"/>
       </a:defRPr>
     </a:lvl4pPr>
-    <a:lvl5pPr lvl="4" marR="0" rtl="0" algn="l">
+    <a:lvl5pPr marR="0" lvl="4" algn="l" rtl="0">
       <a:lnSpc>
         <a:spcPct val="100000"/>
       </a:lnSpc>
@@ -594,7 +610,7 @@
         <a:srgbClr val="000000"/>
       </a:buClr>
       <a:buFont typeface="Arial"/>
-      <a:defRPr b="0" i="0" sz="1400" u="none" cap="none" strike="noStrike">
+      <a:defRPr sz="1400" b="0" i="0" u="none" strike="noStrike" cap="none">
         <a:solidFill>
           <a:srgbClr val="000000"/>
         </a:solidFill>
@@ -604,7 +620,7 @@
         <a:sym typeface="Arial"/>
       </a:defRPr>
     </a:lvl5pPr>
-    <a:lvl6pPr lvl="5" marR="0" rtl="0" algn="l">
+    <a:lvl6pPr marR="0" lvl="5" algn="l" rtl="0">
       <a:lnSpc>
         <a:spcPct val="100000"/>
       </a:lnSpc>
@@ -618,7 +634,7 @@
         <a:srgbClr val="000000"/>
       </a:buClr>
       <a:buFont typeface="Arial"/>
-      <a:defRPr b="0" i="0" sz="1400" u="none" cap="none" strike="noStrike">
+      <a:defRPr sz="1400" b="0" i="0" u="none" strike="noStrike" cap="none">
         <a:solidFill>
           <a:srgbClr val="000000"/>
         </a:solidFill>
@@ -628,7 +644,7 @@
         <a:sym typeface="Arial"/>
       </a:defRPr>
     </a:lvl6pPr>
-    <a:lvl7pPr lvl="6" marR="0" rtl="0" algn="l">
+    <a:lvl7pPr marR="0" lvl="6" algn="l" rtl="0">
       <a:lnSpc>
         <a:spcPct val="100000"/>
       </a:lnSpc>
@@ -642,7 +658,7 @@
         <a:srgbClr val="000000"/>
       </a:buClr>
       <a:buFont typeface="Arial"/>
-      <a:defRPr b="0" i="0" sz="1400" u="none" cap="none" strike="noStrike">
+      <a:defRPr sz="1400" b="0" i="0" u="none" strike="noStrike" cap="none">
         <a:solidFill>
           <a:srgbClr val="000000"/>
         </a:solidFill>
@@ -652,7 +668,7 @@
         <a:sym typeface="Arial"/>
       </a:defRPr>
     </a:lvl7pPr>
-    <a:lvl8pPr lvl="7" marR="0" rtl="0" algn="l">
+    <a:lvl8pPr marR="0" lvl="7" algn="l" rtl="0">
       <a:lnSpc>
         <a:spcPct val="100000"/>
       </a:lnSpc>
@@ -666,7 +682,7 @@
         <a:srgbClr val="000000"/>
       </a:buClr>
       <a:buFont typeface="Arial"/>
-      <a:defRPr b="0" i="0" sz="1400" u="none" cap="none" strike="noStrike">
+      <a:defRPr sz="1400" b="0" i="0" u="none" strike="noStrike" cap="none">
         <a:solidFill>
           <a:srgbClr val="000000"/>
         </a:solidFill>
@@ -676,7 +692,7 @@
         <a:sym typeface="Arial"/>
       </a:defRPr>
     </a:lvl8pPr>
-    <a:lvl9pPr lvl="8" marR="0" rtl="0" algn="l">
+    <a:lvl9pPr marR="0" lvl="8" algn="l" rtl="0">
       <a:lnSpc>
         <a:spcPct val="100000"/>
       </a:lnSpc>
@@ -690,7 +706,7 @@
         <a:srgbClr val="000000"/>
       </a:buClr>
       <a:buFont typeface="Arial"/>
-      <a:defRPr b="0" i="0" sz="1400" u="none" cap="none" strike="noStrike">
+      <a:defRPr sz="1400" b="0" i="0" u="none" strike="noStrike" cap="none">
         <a:solidFill>
           <a:srgbClr val="000000"/>
         </a:solidFill>
@@ -705,11 +721,11 @@
 </file>
 
 <file path=ppt/notesSlides/notesSlide1.xml><?xml version="1.0" encoding="utf-8"?>
-<p:notes xmlns:a="http://schemas.openxmlformats.org/drawingml/2006/main" xmlns:r="http://schemas.openxmlformats.org/officeDocument/2006/relationships" xmlns:mc="http://schemas.openxmlformats.org/markup-compatibility/2006" xmlns:mv="urn:schemas-microsoft-com:mac:vml" xmlns:p="http://schemas.openxmlformats.org/presentationml/2006/main" xmlns:c="http://schemas.openxmlformats.org/drawingml/2006/chart" xmlns:dgm="http://schemas.openxmlformats.org/drawingml/2006/diagram" xmlns:o="urn:schemas-microsoft-com:office:office" xmlns:v="urn:schemas-microsoft-com:vml" xmlns:pvml="urn:schemas-microsoft-com:office:powerpoint" xmlns:com="http://schemas.openxmlformats.org/drawingml/2006/compatibility" xmlns:p14="http://schemas.microsoft.com/office/powerpoint/2010/main" xmlns:p15="http://schemas.microsoft.com/office/powerpoint/2012/main" showMasterPhAnim="0" showMasterSp="0">
+<p:notes xmlns:a="http://schemas.openxmlformats.org/drawingml/2006/main" xmlns:r="http://schemas.openxmlformats.org/officeDocument/2006/relationships" xmlns:p="http://schemas.openxmlformats.org/presentationml/2006/main" showMasterSp="0" showMasterPhAnim="0">
   <p:cSld>
     <p:spTree>
       <p:nvGrpSpPr>
-        <p:cNvPr id="64" name="Shape 64"/>
+        <p:cNvPr id="1" name="Shape 64"/>
         <p:cNvGrpSpPr/>
         <p:nvPr/>
       </p:nvGrpSpPr>
@@ -724,19 +740,26 @@
       <p:sp>
         <p:nvSpPr>
           <p:cNvPr id="65" name="Shape 65"/>
-          <p:cNvSpPr/>
+          <p:cNvSpPr>
+            <a:spLocks noGrp="1" noRot="1" noChangeAspect="1"/>
+          </p:cNvSpPr>
           <p:nvPr>
-            <p:ph idx="2" type="sldImg"/>
+            <p:ph type="sldImg" idx="2"/>
           </p:nvPr>
         </p:nvSpPr>
         <p:spPr>
           <a:xfrm>
-            <a:off x="381300" y="685800"/>
-            <a:ext cx="6096075" cy="3429000"/>
+            <a:off x="381000" y="685800"/>
+            <a:ext cx="6096000" cy="3429000"/>
           </a:xfrm>
           <a:custGeom>
+            <a:avLst/>
+            <a:gdLst/>
+            <a:ahLst/>
+            <a:cxnLst/>
+            <a:rect l="0" t="0" r="0" b="0"/>
             <a:pathLst>
-              <a:path extrusionOk="0" h="120000" w="120000">
+              <a:path w="120000" h="120000" extrusionOk="0">
                 <a:moveTo>
                   <a:pt x="0" y="0"/>
                 </a:moveTo>
@@ -758,9 +781,11 @@
       <p:sp>
         <p:nvSpPr>
           <p:cNvPr id="66" name="Shape 66"/>
-          <p:cNvSpPr txBox="1"/>
+          <p:cNvSpPr txBox="1">
+            <a:spLocks noGrp="1"/>
+          </p:cNvSpPr>
           <p:nvPr>
-            <p:ph idx="1" type="body"/>
+            <p:ph type="body" idx="1"/>
           </p:nvPr>
         </p:nvSpPr>
         <p:spPr>
@@ -773,12 +798,12 @@
           </a:prstGeom>
         </p:spPr>
         <p:txBody>
-          <a:bodyPr anchorCtr="0" anchor="t" bIns="91425" lIns="91425" spcFirstLastPara="1" rIns="91425" wrap="square" tIns="91425">
+          <a:bodyPr spcFirstLastPara="1" wrap="square" lIns="91425" tIns="91425" rIns="91425" bIns="91425" anchor="t" anchorCtr="0">
             <a:noAutofit/>
           </a:bodyPr>
           <a:lstStyle/>
           <a:p>
-            <a:pPr indent="0" lvl="0" marL="0">
+            <a:pPr marL="0" lvl="0" indent="0">
               <a:spcBef>
                 <a:spcPts val="0"/>
               </a:spcBef>
@@ -787,9 +812,6 @@
               </a:spcAft>
               <a:buNone/>
             </a:pPr>
-            <a:r>
-              <a:t/>
-            </a:r>
             <a:endParaRPr/>
           </a:p>
         </p:txBody>
@@ -803,11 +825,11 @@
 </file>
 
 <file path=ppt/notesSlides/notesSlide2.xml><?xml version="1.0" encoding="utf-8"?>
-<p:notes xmlns:a="http://schemas.openxmlformats.org/drawingml/2006/main" xmlns:r="http://schemas.openxmlformats.org/officeDocument/2006/relationships" xmlns:mc="http://schemas.openxmlformats.org/markup-compatibility/2006" xmlns:mv="urn:schemas-microsoft-com:mac:vml" xmlns:p="http://schemas.openxmlformats.org/presentationml/2006/main" xmlns:c="http://schemas.openxmlformats.org/drawingml/2006/chart" xmlns:dgm="http://schemas.openxmlformats.org/drawingml/2006/diagram" xmlns:o="urn:schemas-microsoft-com:office:office" xmlns:v="urn:schemas-microsoft-com:vml" xmlns:pvml="urn:schemas-microsoft-com:office:powerpoint" xmlns:com="http://schemas.openxmlformats.org/drawingml/2006/compatibility" xmlns:p14="http://schemas.microsoft.com/office/powerpoint/2010/main" xmlns:p15="http://schemas.microsoft.com/office/powerpoint/2012/main" showMasterPhAnim="0" showMasterSp="0">
+<p:notes xmlns:a="http://schemas.openxmlformats.org/drawingml/2006/main" xmlns:r="http://schemas.openxmlformats.org/officeDocument/2006/relationships" xmlns:p="http://schemas.openxmlformats.org/presentationml/2006/main" showMasterSp="0" showMasterPhAnim="0">
   <p:cSld>
     <p:spTree>
       <p:nvGrpSpPr>
-        <p:cNvPr id="70" name="Shape 70"/>
+        <p:cNvPr id="1" name="Shape 70"/>
         <p:cNvGrpSpPr/>
         <p:nvPr/>
       </p:nvGrpSpPr>
@@ -822,9 +844,11 @@
       <p:sp>
         <p:nvSpPr>
           <p:cNvPr id="71" name="Shape 71"/>
-          <p:cNvSpPr/>
+          <p:cNvSpPr>
+            <a:spLocks noGrp="1" noRot="1" noChangeAspect="1"/>
+          </p:cNvSpPr>
           <p:nvPr>
-            <p:ph idx="2" type="sldImg"/>
+            <p:ph type="sldImg" idx="2"/>
           </p:nvPr>
         </p:nvSpPr>
         <p:spPr>
@@ -833,8 +857,13 @@
             <a:ext cx="6096000" cy="3429000"/>
           </a:xfrm>
           <a:custGeom>
+            <a:avLst/>
+            <a:gdLst/>
+            <a:ahLst/>
+            <a:cxnLst/>
+            <a:rect l="0" t="0" r="0" b="0"/>
             <a:pathLst>
-              <a:path extrusionOk="0" h="120000" w="120000">
+              <a:path w="120000" h="120000" extrusionOk="0">
                 <a:moveTo>
                   <a:pt x="0" y="0"/>
                 </a:moveTo>
@@ -856,9 +885,11 @@
       <p:sp>
         <p:nvSpPr>
           <p:cNvPr id="72" name="Shape 72"/>
-          <p:cNvSpPr txBox="1"/>
+          <p:cNvSpPr txBox="1">
+            <a:spLocks noGrp="1"/>
+          </p:cNvSpPr>
           <p:nvPr>
-            <p:ph idx="1" type="body"/>
+            <p:ph type="body" idx="1"/>
           </p:nvPr>
         </p:nvSpPr>
         <p:spPr>
@@ -871,12 +902,12 @@
           </a:prstGeom>
         </p:spPr>
         <p:txBody>
-          <a:bodyPr anchorCtr="0" anchor="t" bIns="91425" lIns="91425" spcFirstLastPara="1" rIns="91425" wrap="square" tIns="91425">
+          <a:bodyPr spcFirstLastPara="1" wrap="square" lIns="91425" tIns="91425" rIns="91425" bIns="91425" anchor="t" anchorCtr="0">
             <a:noAutofit/>
           </a:bodyPr>
           <a:lstStyle/>
           <a:p>
-            <a:pPr indent="0" lvl="0" marL="0">
+            <a:pPr marL="0" lvl="0" indent="0">
               <a:spcBef>
                 <a:spcPts val="0"/>
               </a:spcBef>
@@ -885,9 +916,6 @@
               </a:spcAft>
               <a:buNone/>
             </a:pPr>
-            <a:r>
-              <a:t/>
-            </a:r>
             <a:endParaRPr/>
           </a:p>
         </p:txBody>
@@ -901,11 +929,11 @@
 </file>
 
 <file path=ppt/notesSlides/notesSlide3.xml><?xml version="1.0" encoding="utf-8"?>
-<p:notes xmlns:a="http://schemas.openxmlformats.org/drawingml/2006/main" xmlns:r="http://schemas.openxmlformats.org/officeDocument/2006/relationships" xmlns:mc="http://schemas.openxmlformats.org/markup-compatibility/2006" xmlns:mv="urn:schemas-microsoft-com:mac:vml" xmlns:p="http://schemas.openxmlformats.org/presentationml/2006/main" xmlns:c="http://schemas.openxmlformats.org/drawingml/2006/chart" xmlns:dgm="http://schemas.openxmlformats.org/drawingml/2006/diagram" xmlns:o="urn:schemas-microsoft-com:office:office" xmlns:v="urn:schemas-microsoft-com:vml" xmlns:pvml="urn:schemas-microsoft-com:office:powerpoint" xmlns:com="http://schemas.openxmlformats.org/drawingml/2006/compatibility" xmlns:p14="http://schemas.microsoft.com/office/powerpoint/2010/main" xmlns:p15="http://schemas.microsoft.com/office/powerpoint/2012/main" showMasterPhAnim="0" showMasterSp="0">
+<p:notes xmlns:a="http://schemas.openxmlformats.org/drawingml/2006/main" xmlns:r="http://schemas.openxmlformats.org/officeDocument/2006/relationships" xmlns:p="http://schemas.openxmlformats.org/presentationml/2006/main" showMasterSp="0" showMasterPhAnim="0">
   <p:cSld>
     <p:spTree>
       <p:nvGrpSpPr>
-        <p:cNvPr id="76" name="Shape 76"/>
+        <p:cNvPr id="1" name="Shape 76"/>
         <p:cNvGrpSpPr/>
         <p:nvPr/>
       </p:nvGrpSpPr>
@@ -920,9 +948,11 @@
       <p:sp>
         <p:nvSpPr>
           <p:cNvPr id="77" name="Shape 77"/>
-          <p:cNvSpPr/>
+          <p:cNvSpPr>
+            <a:spLocks noGrp="1" noRot="1" noChangeAspect="1"/>
+          </p:cNvSpPr>
           <p:nvPr>
-            <p:ph idx="2" type="sldImg"/>
+            <p:ph type="sldImg" idx="2"/>
           </p:nvPr>
         </p:nvSpPr>
         <p:spPr>
@@ -931,8 +961,13 @@
             <a:ext cx="6096000" cy="3429000"/>
           </a:xfrm>
           <a:custGeom>
+            <a:avLst/>
+            <a:gdLst/>
+            <a:ahLst/>
+            <a:cxnLst/>
+            <a:rect l="0" t="0" r="0" b="0"/>
             <a:pathLst>
-              <a:path extrusionOk="0" h="120000" w="120000">
+              <a:path w="120000" h="120000" extrusionOk="0">
                 <a:moveTo>
                   <a:pt x="0" y="0"/>
                 </a:moveTo>
@@ -954,9 +989,11 @@
       <p:sp>
         <p:nvSpPr>
           <p:cNvPr id="78" name="Shape 78"/>
-          <p:cNvSpPr txBox="1"/>
+          <p:cNvSpPr txBox="1">
+            <a:spLocks noGrp="1"/>
+          </p:cNvSpPr>
           <p:nvPr>
-            <p:ph idx="1" type="body"/>
+            <p:ph type="body" idx="1"/>
           </p:nvPr>
         </p:nvSpPr>
         <p:spPr>
@@ -969,12 +1006,12 @@
           </a:prstGeom>
         </p:spPr>
         <p:txBody>
-          <a:bodyPr anchorCtr="0" anchor="t" bIns="91425" lIns="91425" spcFirstLastPara="1" rIns="91425" wrap="square" tIns="91425">
+          <a:bodyPr spcFirstLastPara="1" wrap="square" lIns="91425" tIns="91425" rIns="91425" bIns="91425" anchor="t" anchorCtr="0">
             <a:noAutofit/>
           </a:bodyPr>
           <a:lstStyle/>
           <a:p>
-            <a:pPr indent="0" lvl="0" marL="0">
+            <a:pPr marL="0" lvl="0" indent="0">
               <a:spcBef>
                 <a:spcPts val="0"/>
               </a:spcBef>
@@ -983,9 +1020,6 @@
               </a:spcAft>
               <a:buNone/>
             </a:pPr>
-            <a:r>
-              <a:t/>
-            </a:r>
             <a:endParaRPr/>
           </a:p>
         </p:txBody>
@@ -999,11 +1033,11 @@
 </file>
 
 <file path=ppt/notesSlides/notesSlide4.xml><?xml version="1.0" encoding="utf-8"?>
-<p:notes xmlns:a="http://schemas.openxmlformats.org/drawingml/2006/main" xmlns:r="http://schemas.openxmlformats.org/officeDocument/2006/relationships" xmlns:mc="http://schemas.openxmlformats.org/markup-compatibility/2006" xmlns:mv="urn:schemas-microsoft-com:mac:vml" xmlns:p="http://schemas.openxmlformats.org/presentationml/2006/main" xmlns:c="http://schemas.openxmlformats.org/drawingml/2006/chart" xmlns:dgm="http://schemas.openxmlformats.org/drawingml/2006/diagram" xmlns:o="urn:schemas-microsoft-com:office:office" xmlns:v="urn:schemas-microsoft-com:vml" xmlns:pvml="urn:schemas-microsoft-com:office:powerpoint" xmlns:com="http://schemas.openxmlformats.org/drawingml/2006/compatibility" xmlns:p14="http://schemas.microsoft.com/office/powerpoint/2010/main" xmlns:p15="http://schemas.microsoft.com/office/powerpoint/2012/main" showMasterPhAnim="0" showMasterSp="0">
+<p:notes xmlns:a="http://schemas.openxmlformats.org/drawingml/2006/main" xmlns:r="http://schemas.openxmlformats.org/officeDocument/2006/relationships" xmlns:p="http://schemas.openxmlformats.org/presentationml/2006/main" showMasterSp="0" showMasterPhAnim="0">
   <p:cSld>
     <p:spTree>
       <p:nvGrpSpPr>
-        <p:cNvPr id="82" name="Shape 82"/>
+        <p:cNvPr id="1" name="Shape 82"/>
         <p:cNvGrpSpPr/>
         <p:nvPr/>
       </p:nvGrpSpPr>
@@ -1018,19 +1052,26 @@
       <p:sp>
         <p:nvSpPr>
           <p:cNvPr id="83" name="Shape 83"/>
-          <p:cNvSpPr/>
+          <p:cNvSpPr>
+            <a:spLocks noGrp="1" noRot="1" noChangeAspect="1"/>
+          </p:cNvSpPr>
           <p:nvPr>
-            <p:ph idx="2" type="sldImg"/>
+            <p:ph type="sldImg" idx="2"/>
           </p:nvPr>
         </p:nvSpPr>
         <p:spPr>
           <a:xfrm>
-            <a:off x="381300" y="685800"/>
+            <a:off x="381000" y="685800"/>
             <a:ext cx="6096000" cy="3429000"/>
           </a:xfrm>
           <a:custGeom>
+            <a:avLst/>
+            <a:gdLst/>
+            <a:ahLst/>
+            <a:cxnLst/>
+            <a:rect l="0" t="0" r="0" b="0"/>
             <a:pathLst>
-              <a:path extrusionOk="0" h="120000" w="120000">
+              <a:path w="120000" h="120000" extrusionOk="0">
                 <a:moveTo>
                   <a:pt x="0" y="0"/>
                 </a:moveTo>
@@ -1052,9 +1093,11 @@
       <p:sp>
         <p:nvSpPr>
           <p:cNvPr id="84" name="Shape 84"/>
-          <p:cNvSpPr txBox="1"/>
+          <p:cNvSpPr txBox="1">
+            <a:spLocks noGrp="1"/>
+          </p:cNvSpPr>
           <p:nvPr>
-            <p:ph idx="1" type="body"/>
+            <p:ph type="body" idx="1"/>
           </p:nvPr>
         </p:nvSpPr>
         <p:spPr>
@@ -1067,12 +1110,12 @@
           </a:prstGeom>
         </p:spPr>
         <p:txBody>
-          <a:bodyPr anchorCtr="0" anchor="t" bIns="91425" lIns="91425" spcFirstLastPara="1" rIns="91425" wrap="square" tIns="91425">
+          <a:bodyPr spcFirstLastPara="1" wrap="square" lIns="91425" tIns="91425" rIns="91425" bIns="91425" anchor="t" anchorCtr="0">
             <a:noAutofit/>
           </a:bodyPr>
           <a:lstStyle/>
           <a:p>
-            <a:pPr indent="0" lvl="0" marL="0">
+            <a:pPr marL="0" lvl="0" indent="0">
               <a:spcBef>
                 <a:spcPts val="0"/>
               </a:spcBef>
@@ -1081,9 +1124,6 @@
               </a:spcAft>
               <a:buNone/>
             </a:pPr>
-            <a:r>
-              <a:t/>
-            </a:r>
             <a:endParaRPr/>
           </a:p>
         </p:txBody>
@@ -1097,11 +1137,11 @@
 </file>
 
 <file path=ppt/notesSlides/notesSlide5.xml><?xml version="1.0" encoding="utf-8"?>
-<p:notes xmlns:a="http://schemas.openxmlformats.org/drawingml/2006/main" xmlns:r="http://schemas.openxmlformats.org/officeDocument/2006/relationships" xmlns:mc="http://schemas.openxmlformats.org/markup-compatibility/2006" xmlns:mv="urn:schemas-microsoft-com:mac:vml" xmlns:p="http://schemas.openxmlformats.org/presentationml/2006/main" xmlns:c="http://schemas.openxmlformats.org/drawingml/2006/chart" xmlns:dgm="http://schemas.openxmlformats.org/drawingml/2006/diagram" xmlns:o="urn:schemas-microsoft-com:office:office" xmlns:v="urn:schemas-microsoft-com:vml" xmlns:pvml="urn:schemas-microsoft-com:office:powerpoint" xmlns:com="http://schemas.openxmlformats.org/drawingml/2006/compatibility" xmlns:p14="http://schemas.microsoft.com/office/powerpoint/2010/main" xmlns:p15="http://schemas.microsoft.com/office/powerpoint/2012/main" showMasterPhAnim="0" showMasterSp="0">
+<p:notes xmlns:a="http://schemas.openxmlformats.org/drawingml/2006/main" xmlns:r="http://schemas.openxmlformats.org/officeDocument/2006/relationships" xmlns:p="http://schemas.openxmlformats.org/presentationml/2006/main" showMasterSp="0" showMasterPhAnim="0">
   <p:cSld>
     <p:spTree>
       <p:nvGrpSpPr>
-        <p:cNvPr id="88" name="Shape 88"/>
+        <p:cNvPr id="1" name="Shape 88"/>
         <p:cNvGrpSpPr/>
         <p:nvPr/>
       </p:nvGrpSpPr>
@@ -1116,19 +1156,26 @@
       <p:sp>
         <p:nvSpPr>
           <p:cNvPr id="89" name="Shape 89"/>
-          <p:cNvSpPr/>
+          <p:cNvSpPr>
+            <a:spLocks noGrp="1" noRot="1" noChangeAspect="1"/>
+          </p:cNvSpPr>
           <p:nvPr>
-            <p:ph idx="2" type="sldImg"/>
+            <p:ph type="sldImg" idx="2"/>
           </p:nvPr>
         </p:nvSpPr>
         <p:spPr>
           <a:xfrm>
-            <a:off x="381300" y="685800"/>
+            <a:off x="381000" y="685800"/>
             <a:ext cx="6096000" cy="3429000"/>
           </a:xfrm>
           <a:custGeom>
+            <a:avLst/>
+            <a:gdLst/>
+            <a:ahLst/>
+            <a:cxnLst/>
+            <a:rect l="0" t="0" r="0" b="0"/>
             <a:pathLst>
-              <a:path extrusionOk="0" h="120000" w="120000">
+              <a:path w="120000" h="120000" extrusionOk="0">
                 <a:moveTo>
                   <a:pt x="0" y="0"/>
                 </a:moveTo>
@@ -1150,9 +1197,11 @@
       <p:sp>
         <p:nvSpPr>
           <p:cNvPr id="90" name="Shape 90"/>
-          <p:cNvSpPr txBox="1"/>
+          <p:cNvSpPr txBox="1">
+            <a:spLocks noGrp="1"/>
+          </p:cNvSpPr>
           <p:nvPr>
-            <p:ph idx="1" type="body"/>
+            <p:ph type="body" idx="1"/>
           </p:nvPr>
         </p:nvSpPr>
         <p:spPr>
@@ -1165,12 +1214,12 @@
           </a:prstGeom>
         </p:spPr>
         <p:txBody>
-          <a:bodyPr anchorCtr="0" anchor="t" bIns="91425" lIns="91425" spcFirstLastPara="1" rIns="91425" wrap="square" tIns="91425">
+          <a:bodyPr spcFirstLastPara="1" wrap="square" lIns="91425" tIns="91425" rIns="91425" bIns="91425" anchor="t" anchorCtr="0">
             <a:noAutofit/>
           </a:bodyPr>
           <a:lstStyle/>
           <a:p>
-            <a:pPr indent="0" lvl="0" marL="0">
+            <a:pPr marL="0" lvl="0" indent="0">
               <a:spcBef>
                 <a:spcPts val="0"/>
               </a:spcBef>
@@ -1179,9 +1228,6 @@
               </a:spcAft>
               <a:buNone/>
             </a:pPr>
-            <a:r>
-              <a:t/>
-            </a:r>
             <a:endParaRPr/>
           </a:p>
         </p:txBody>
@@ -1195,11 +1241,11 @@
 </file>
 
 <file path=ppt/notesSlides/notesSlide6.xml><?xml version="1.0" encoding="utf-8"?>
-<p:notes xmlns:a="http://schemas.openxmlformats.org/drawingml/2006/main" xmlns:r="http://schemas.openxmlformats.org/officeDocument/2006/relationships" xmlns:mc="http://schemas.openxmlformats.org/markup-compatibility/2006" xmlns:mv="urn:schemas-microsoft-com:mac:vml" xmlns:p="http://schemas.openxmlformats.org/presentationml/2006/main" xmlns:c="http://schemas.openxmlformats.org/drawingml/2006/chart" xmlns:dgm="http://schemas.openxmlformats.org/drawingml/2006/diagram" xmlns:o="urn:schemas-microsoft-com:office:office" xmlns:v="urn:schemas-microsoft-com:vml" xmlns:pvml="urn:schemas-microsoft-com:office:powerpoint" xmlns:com="http://schemas.openxmlformats.org/drawingml/2006/compatibility" xmlns:p14="http://schemas.microsoft.com/office/powerpoint/2010/main" xmlns:p15="http://schemas.microsoft.com/office/powerpoint/2012/main" showMasterPhAnim="0" showMasterSp="0">
+<p:notes xmlns:a="http://schemas.openxmlformats.org/drawingml/2006/main" xmlns:r="http://schemas.openxmlformats.org/officeDocument/2006/relationships" xmlns:p="http://schemas.openxmlformats.org/presentationml/2006/main" showMasterSp="0" showMasterPhAnim="0">
   <p:cSld>
     <p:spTree>
       <p:nvGrpSpPr>
-        <p:cNvPr id="94" name="Shape 94"/>
+        <p:cNvPr id="1" name="Shape 94"/>
         <p:cNvGrpSpPr/>
         <p:nvPr/>
       </p:nvGrpSpPr>
@@ -1214,19 +1260,26 @@
       <p:sp>
         <p:nvSpPr>
           <p:cNvPr id="95" name="Shape 95"/>
-          <p:cNvSpPr/>
+          <p:cNvSpPr>
+            <a:spLocks noGrp="1" noRot="1" noChangeAspect="1"/>
+          </p:cNvSpPr>
           <p:nvPr>
-            <p:ph idx="2" type="sldImg"/>
+            <p:ph type="sldImg" idx="2"/>
           </p:nvPr>
         </p:nvSpPr>
         <p:spPr>
           <a:xfrm>
-            <a:off x="381300" y="685800"/>
+            <a:off x="381000" y="685800"/>
             <a:ext cx="6096000" cy="3429000"/>
           </a:xfrm>
           <a:custGeom>
+            <a:avLst/>
+            <a:gdLst/>
+            <a:ahLst/>
+            <a:cxnLst/>
+            <a:rect l="0" t="0" r="0" b="0"/>
             <a:pathLst>
-              <a:path extrusionOk="0" h="120000" w="120000">
+              <a:path w="120000" h="120000" extrusionOk="0">
                 <a:moveTo>
                   <a:pt x="0" y="0"/>
                 </a:moveTo>
@@ -1248,9 +1301,11 @@
       <p:sp>
         <p:nvSpPr>
           <p:cNvPr id="96" name="Shape 96"/>
-          <p:cNvSpPr txBox="1"/>
+          <p:cNvSpPr txBox="1">
+            <a:spLocks noGrp="1"/>
+          </p:cNvSpPr>
           <p:nvPr>
-            <p:ph idx="1" type="body"/>
+            <p:ph type="body" idx="1"/>
           </p:nvPr>
         </p:nvSpPr>
         <p:spPr>
@@ -1263,12 +1318,12 @@
           </a:prstGeom>
         </p:spPr>
         <p:txBody>
-          <a:bodyPr anchorCtr="0" anchor="t" bIns="91425" lIns="91425" spcFirstLastPara="1" rIns="91425" wrap="square" tIns="91425">
+          <a:bodyPr spcFirstLastPara="1" wrap="square" lIns="91425" tIns="91425" rIns="91425" bIns="91425" anchor="t" anchorCtr="0">
             <a:noAutofit/>
           </a:bodyPr>
           <a:lstStyle/>
           <a:p>
-            <a:pPr indent="0" lvl="0" marL="0">
+            <a:pPr marL="0" lvl="0" indent="0">
               <a:spcBef>
                 <a:spcPts val="0"/>
               </a:spcBef>
@@ -1277,9 +1332,6 @@
               </a:spcAft>
               <a:buNone/>
             </a:pPr>
-            <a:r>
-              <a:t/>
-            </a:r>
             <a:endParaRPr/>
           </a:p>
         </p:txBody>
@@ -1293,11 +1345,11 @@
 </file>
 
 <file path=ppt/slideLayouts/slideLayout1.xml><?xml version="1.0" encoding="utf-8"?>
-<p:sldLayout xmlns:a="http://schemas.openxmlformats.org/drawingml/2006/main" xmlns:r="http://schemas.openxmlformats.org/officeDocument/2006/relationships" xmlns:mc="http://schemas.openxmlformats.org/markup-compatibility/2006" xmlns:mv="urn:schemas-microsoft-com:mac:vml" xmlns:p="http://schemas.openxmlformats.org/presentationml/2006/main" xmlns:c="http://schemas.openxmlformats.org/drawingml/2006/chart" xmlns:dgm="http://schemas.openxmlformats.org/drawingml/2006/diagram" xmlns:o="urn:schemas-microsoft-com:office:office" xmlns:v="urn:schemas-microsoft-com:vml" xmlns:pvml="urn:schemas-microsoft-com:office:powerpoint" xmlns:com="http://schemas.openxmlformats.org/drawingml/2006/compatibility" xmlns:p14="http://schemas.microsoft.com/office/powerpoint/2010/main" xmlns:p15="http://schemas.microsoft.com/office/powerpoint/2012/main" matchingName="Title slide" type="title">
+<p:sldLayout xmlns:a="http://schemas.openxmlformats.org/drawingml/2006/main" xmlns:r="http://schemas.openxmlformats.org/officeDocument/2006/relationships" xmlns:p="http://schemas.openxmlformats.org/presentationml/2006/main" matchingName="Title slide" type="title">
   <p:cSld name="TITLE">
     <p:spTree>
       <p:nvGrpSpPr>
-        <p:cNvPr id="9" name="Shape 9"/>
+        <p:cNvPr id="1" name="Shape 9"/>
         <p:cNvGrpSpPr/>
         <p:nvPr/>
       </p:nvGrpSpPr>
@@ -1331,12 +1383,12 @@
           </a:ln>
         </p:spPr>
         <p:txBody>
-          <a:bodyPr anchorCtr="0" anchor="ctr" bIns="91425" lIns="91425" spcFirstLastPara="1" rIns="91425" wrap="square" tIns="91425">
+          <a:bodyPr spcFirstLastPara="1" wrap="square" lIns="91425" tIns="91425" rIns="91425" bIns="91425" anchor="ctr" anchorCtr="0">
             <a:noAutofit/>
           </a:bodyPr>
           <a:lstStyle/>
           <a:p>
-            <a:pPr indent="0" lvl="0" marL="0">
+            <a:pPr marL="0" lvl="0" indent="0">
               <a:spcBef>
                 <a:spcPts val="0"/>
               </a:spcBef>
@@ -1345,9 +1397,6 @@
               </a:spcAft>
               <a:buNone/>
             </a:pPr>
-            <a:r>
-              <a:t/>
-            </a:r>
             <a:endParaRPr/>
           </a:p>
         </p:txBody>
@@ -1374,12 +1423,12 @@
           </a:ln>
         </p:spPr>
         <p:txBody>
-          <a:bodyPr anchorCtr="0" anchor="ctr" bIns="91425" lIns="91425" spcFirstLastPara="1" rIns="91425" wrap="square" tIns="91425">
+          <a:bodyPr spcFirstLastPara="1" wrap="square" lIns="91425" tIns="91425" rIns="91425" bIns="91425" anchor="ctr" anchorCtr="0">
             <a:noAutofit/>
           </a:bodyPr>
           <a:lstStyle/>
           <a:p>
-            <a:pPr indent="0" lvl="0" marL="0">
+            <a:pPr marL="0" lvl="0" indent="0">
               <a:spcBef>
                 <a:spcPts val="0"/>
               </a:spcBef>
@@ -1388,9 +1437,6 @@
               </a:spcAft>
               <a:buNone/>
             </a:pPr>
-            <a:r>
-              <a:t/>
-            </a:r>
             <a:endParaRPr/>
           </a:p>
         </p:txBody>
@@ -1410,21 +1456,23 @@
             <a:avLst/>
           </a:prstGeom>
           <a:noFill/>
-          <a:ln cap="flat" cmpd="sng" w="28575">
+          <a:ln w="28575" cap="flat" cmpd="sng">
             <a:solidFill>
               <a:schemeClr val="dk1"/>
             </a:solidFill>
             <a:prstDash val="solid"/>
             <a:round/>
-            <a:headEnd len="sm" w="sm" type="none"/>
-            <a:tailEnd len="sm" w="sm" type="none"/>
+            <a:headEnd type="none" w="sm" len="sm"/>
+            <a:tailEnd type="none" w="sm" len="sm"/>
           </a:ln>
         </p:spPr>
       </p:cxnSp>
       <p:sp>
         <p:nvSpPr>
           <p:cNvPr id="13" name="Shape 13"/>
-          <p:cNvSpPr txBox="1"/>
+          <p:cNvSpPr txBox="1">
+            <a:spLocks noGrp="1"/>
+          </p:cNvSpPr>
           <p:nvPr>
             <p:ph type="ctrTitle"/>
           </p:nvPr>
@@ -1439,7 +1487,7 @@
           </a:prstGeom>
         </p:spPr>
         <p:txBody>
-          <a:bodyPr anchorCtr="0" anchor="b" bIns="91425" lIns="91425" spcFirstLastPara="1" rIns="91425" wrap="square" tIns="91425"/>
+          <a:bodyPr spcFirstLastPara="1" wrap="square" lIns="91425" tIns="91425" rIns="91425" bIns="91425" anchor="b" anchorCtr="0"/>
           <a:lstStyle>
             <a:lvl1pPr lvl="0">
               <a:spcBef>
@@ -1541,15 +1589,19 @@
               <a:defRPr sz="4800"/>
             </a:lvl9pPr>
           </a:lstStyle>
-          <a:p/>
+          <a:p>
+            <a:endParaRPr/>
+          </a:p>
         </p:txBody>
       </p:sp>
       <p:sp>
         <p:nvSpPr>
           <p:cNvPr id="14" name="Shape 14"/>
-          <p:cNvSpPr txBox="1"/>
+          <p:cNvSpPr txBox="1">
+            <a:spLocks noGrp="1"/>
+          </p:cNvSpPr>
           <p:nvPr>
-            <p:ph idx="1" type="subTitle"/>
+            <p:ph type="subTitle" idx="1"/>
           </p:nvPr>
         </p:nvSpPr>
         <p:spPr>
@@ -1562,7 +1614,7 @@
           </a:prstGeom>
         </p:spPr>
         <p:txBody>
-          <a:bodyPr anchorCtr="0" anchor="b" bIns="91425" lIns="91425" spcFirstLastPara="1" rIns="91425" wrap="square" tIns="91425"/>
+          <a:bodyPr spcFirstLastPara="1" wrap="square" lIns="91425" tIns="91425" rIns="91425" bIns="91425" anchor="b" anchorCtr="0"/>
           <a:lstStyle>
             <a:lvl1pPr lvl="0">
               <a:lnSpc>
@@ -1754,15 +1806,19 @@
               </a:defRPr>
             </a:lvl9pPr>
           </a:lstStyle>
-          <a:p/>
+          <a:p>
+            <a:endParaRPr/>
+          </a:p>
         </p:txBody>
       </p:sp>
       <p:sp>
         <p:nvSpPr>
           <p:cNvPr id="15" name="Shape 15"/>
-          <p:cNvSpPr txBox="1"/>
+          <p:cNvSpPr txBox="1">
+            <a:spLocks noGrp="1"/>
+          </p:cNvSpPr>
           <p:nvPr>
-            <p:ph idx="12" type="sldNum"/>
+            <p:ph type="sldNum" idx="12"/>
           </p:nvPr>
         </p:nvSpPr>
         <p:spPr>
@@ -1775,7 +1831,7 @@
           </a:prstGeom>
         </p:spPr>
         <p:txBody>
-          <a:bodyPr anchorCtr="0" anchor="ctr" bIns="91425" lIns="91425" spcFirstLastPara="1" rIns="91425" wrap="square" tIns="91425">
+          <a:bodyPr spcFirstLastPara="1" wrap="square" lIns="91425" tIns="91425" rIns="91425" bIns="91425" anchor="ctr" anchorCtr="0">
             <a:noAutofit/>
           </a:bodyPr>
           <a:lstStyle>
@@ -1817,7 +1873,7 @@
             </a:lvl9pPr>
           </a:lstStyle>
           <a:p>
-            <a:pPr indent="0" lvl="0" marL="0">
+            <a:pPr marL="0" lvl="0" indent="0">
               <a:spcBef>
                 <a:spcPts val="0"/>
               </a:spcBef>
@@ -1843,11 +1899,11 @@
 </file>
 
 <file path=ppt/slideLayouts/slideLayout10.xml><?xml version="1.0" encoding="utf-8"?>
-<p:sldLayout xmlns:a="http://schemas.openxmlformats.org/drawingml/2006/main" xmlns:r="http://schemas.openxmlformats.org/officeDocument/2006/relationships" xmlns:mc="http://schemas.openxmlformats.org/markup-compatibility/2006" xmlns:mv="urn:schemas-microsoft-com:mac:vml" xmlns:p="http://schemas.openxmlformats.org/presentationml/2006/main" xmlns:c="http://schemas.openxmlformats.org/drawingml/2006/chart" xmlns:dgm="http://schemas.openxmlformats.org/drawingml/2006/diagram" xmlns:o="urn:schemas-microsoft-com:office:office" xmlns:v="urn:schemas-microsoft-com:vml" xmlns:pvml="urn:schemas-microsoft-com:office:powerpoint" xmlns:com="http://schemas.openxmlformats.org/drawingml/2006/compatibility" xmlns:p14="http://schemas.microsoft.com/office/powerpoint/2010/main" xmlns:p15="http://schemas.microsoft.com/office/powerpoint/2012/main" matchingName="Big number">
+<p:sldLayout xmlns:a="http://schemas.openxmlformats.org/drawingml/2006/main" xmlns:r="http://schemas.openxmlformats.org/officeDocument/2006/relationships" xmlns:p="http://schemas.openxmlformats.org/presentationml/2006/main" matchingName="Big number">
   <p:cSld name="BIG_NUMBER">
     <p:spTree>
       <p:nvGrpSpPr>
-        <p:cNvPr id="56" name="Shape 56"/>
+        <p:cNvPr id="1" name="Shape 56"/>
         <p:cNvGrpSpPr/>
         <p:nvPr/>
       </p:nvGrpSpPr>
@@ -1881,12 +1937,12 @@
           </a:ln>
         </p:spPr>
         <p:txBody>
-          <a:bodyPr anchorCtr="0" anchor="ctr" bIns="91425" lIns="91425" spcFirstLastPara="1" rIns="91425" wrap="square" tIns="91425">
+          <a:bodyPr spcFirstLastPara="1" wrap="square" lIns="91425" tIns="91425" rIns="91425" bIns="91425" anchor="ctr" anchorCtr="0">
             <a:noAutofit/>
           </a:bodyPr>
           <a:lstStyle/>
           <a:p>
-            <a:pPr indent="0" lvl="0" marL="0">
+            <a:pPr marL="0" lvl="0" indent="0">
               <a:spcBef>
                 <a:spcPts val="0"/>
               </a:spcBef>
@@ -1895,9 +1951,6 @@
               </a:spcAft>
               <a:buNone/>
             </a:pPr>
-            <a:r>
-              <a:t/>
-            </a:r>
             <a:endParaRPr/>
           </a:p>
         </p:txBody>
@@ -1924,12 +1977,12 @@
           </a:ln>
         </p:spPr>
         <p:txBody>
-          <a:bodyPr anchorCtr="0" anchor="ctr" bIns="91425" lIns="91425" spcFirstLastPara="1" rIns="91425" wrap="square" tIns="91425">
+          <a:bodyPr spcFirstLastPara="1" wrap="square" lIns="91425" tIns="91425" rIns="91425" bIns="91425" anchor="ctr" anchorCtr="0">
             <a:noAutofit/>
           </a:bodyPr>
           <a:lstStyle/>
           <a:p>
-            <a:pPr indent="0" lvl="0" marL="0">
+            <a:pPr marL="0" lvl="0" indent="0">
               <a:spcBef>
                 <a:spcPts val="0"/>
               </a:spcBef>
@@ -1938,9 +1991,6 @@
               </a:spcAft>
               <a:buNone/>
             </a:pPr>
-            <a:r>
-              <a:t/>
-            </a:r>
             <a:endParaRPr/>
           </a:p>
         </p:txBody>
@@ -1948,9 +1998,11 @@
       <p:sp>
         <p:nvSpPr>
           <p:cNvPr id="59" name="Shape 59"/>
-          <p:cNvSpPr txBox="1"/>
+          <p:cNvSpPr txBox="1">
+            <a:spLocks noGrp="1"/>
+          </p:cNvSpPr>
           <p:nvPr>
-            <p:ph hasCustomPrompt="1" type="title"/>
+            <p:ph type="title" hasCustomPrompt="1"/>
           </p:nvPr>
         </p:nvSpPr>
         <p:spPr>
@@ -1963,7 +2015,7 @@
           </a:prstGeom>
         </p:spPr>
         <p:txBody>
-          <a:bodyPr anchorCtr="0" anchor="ctr" bIns="91425" lIns="91425" spcFirstLastPara="1" rIns="91425" wrap="square" tIns="91425"/>
+          <a:bodyPr spcFirstLastPara="1" wrap="square" lIns="91425" tIns="91425" rIns="91425" bIns="91425" anchor="ctr" anchorCtr="0"/>
           <a:lstStyle>
             <a:lvl1pPr lvl="0" algn="ctr">
               <a:spcBef>
@@ -2138,9 +2190,11 @@
       <p:sp>
         <p:nvSpPr>
           <p:cNvPr id="60" name="Shape 60"/>
-          <p:cNvSpPr txBox="1"/>
+          <p:cNvSpPr txBox="1">
+            <a:spLocks noGrp="1"/>
+          </p:cNvSpPr>
           <p:nvPr>
-            <p:ph idx="1" type="body"/>
+            <p:ph type="body" idx="1"/>
           </p:nvPr>
         </p:nvSpPr>
         <p:spPr>
@@ -2153,9 +2207,9 @@
           </a:prstGeom>
         </p:spPr>
         <p:txBody>
-          <a:bodyPr anchorCtr="0" anchor="t" bIns="91425" lIns="91425" spcFirstLastPara="1" rIns="91425" wrap="square" tIns="91425"/>
+          <a:bodyPr spcFirstLastPara="1" wrap="square" lIns="91425" tIns="91425" rIns="91425" bIns="91425" anchor="t" anchorCtr="0"/>
           <a:lstStyle>
-            <a:lvl1pPr indent="-342900" lvl="0" marL="457200" algn="ctr">
+            <a:lvl1pPr marL="457200" lvl="0" indent="-342900" algn="ctr">
               <a:spcBef>
                 <a:spcPts val="0"/>
               </a:spcBef>
@@ -2166,7 +2220,7 @@
               <a:buChar char="●"/>
               <a:defRPr/>
             </a:lvl1pPr>
-            <a:lvl2pPr indent="-317500" lvl="1" marL="914400" algn="ctr">
+            <a:lvl2pPr marL="914400" lvl="1" indent="-317500" algn="ctr">
               <a:spcBef>
                 <a:spcPts val="1600"/>
               </a:spcBef>
@@ -2177,7 +2231,7 @@
               <a:buChar char="○"/>
               <a:defRPr/>
             </a:lvl2pPr>
-            <a:lvl3pPr indent="-317500" lvl="2" marL="1371600" algn="ctr">
+            <a:lvl3pPr marL="1371600" lvl="2" indent="-317500" algn="ctr">
               <a:spcBef>
                 <a:spcPts val="1600"/>
               </a:spcBef>
@@ -2188,7 +2242,7 @@
               <a:buChar char="■"/>
               <a:defRPr/>
             </a:lvl3pPr>
-            <a:lvl4pPr indent="-317500" lvl="3" marL="1828800" algn="ctr">
+            <a:lvl4pPr marL="1828800" lvl="3" indent="-317500" algn="ctr">
               <a:spcBef>
                 <a:spcPts val="1600"/>
               </a:spcBef>
@@ -2199,7 +2253,7 @@
               <a:buChar char="●"/>
               <a:defRPr/>
             </a:lvl4pPr>
-            <a:lvl5pPr indent="-317500" lvl="4" marL="2286000" algn="ctr">
+            <a:lvl5pPr marL="2286000" lvl="4" indent="-317500" algn="ctr">
               <a:spcBef>
                 <a:spcPts val="1600"/>
               </a:spcBef>
@@ -2210,7 +2264,7 @@
               <a:buChar char="○"/>
               <a:defRPr/>
             </a:lvl5pPr>
-            <a:lvl6pPr indent="-317500" lvl="5" marL="2743200" algn="ctr">
+            <a:lvl6pPr marL="2743200" lvl="5" indent="-317500" algn="ctr">
               <a:spcBef>
                 <a:spcPts val="1600"/>
               </a:spcBef>
@@ -2221,7 +2275,7 @@
               <a:buChar char="■"/>
               <a:defRPr/>
             </a:lvl6pPr>
-            <a:lvl7pPr indent="-317500" lvl="6" marL="3200400" algn="ctr">
+            <a:lvl7pPr marL="3200400" lvl="6" indent="-317500" algn="ctr">
               <a:spcBef>
                 <a:spcPts val="1600"/>
               </a:spcBef>
@@ -2232,7 +2286,7 @@
               <a:buChar char="●"/>
               <a:defRPr/>
             </a:lvl7pPr>
-            <a:lvl8pPr indent="-317500" lvl="7" marL="3657600" algn="ctr">
+            <a:lvl8pPr marL="3657600" lvl="7" indent="-317500" algn="ctr">
               <a:spcBef>
                 <a:spcPts val="1600"/>
               </a:spcBef>
@@ -2243,7 +2297,7 @@
               <a:buChar char="○"/>
               <a:defRPr/>
             </a:lvl8pPr>
-            <a:lvl9pPr indent="-317500" lvl="8" marL="4114800" algn="ctr">
+            <a:lvl9pPr marL="4114800" lvl="8" indent="-317500" algn="ctr">
               <a:spcBef>
                 <a:spcPts val="1600"/>
               </a:spcBef>
@@ -2255,15 +2309,19 @@
               <a:defRPr/>
             </a:lvl9pPr>
           </a:lstStyle>
-          <a:p/>
+          <a:p>
+            <a:endParaRPr/>
+          </a:p>
         </p:txBody>
       </p:sp>
       <p:sp>
         <p:nvSpPr>
           <p:cNvPr id="61" name="Shape 61"/>
-          <p:cNvSpPr txBox="1"/>
+          <p:cNvSpPr txBox="1">
+            <a:spLocks noGrp="1"/>
+          </p:cNvSpPr>
           <p:nvPr>
-            <p:ph idx="12" type="sldNum"/>
+            <p:ph type="sldNum" idx="12"/>
           </p:nvPr>
         </p:nvSpPr>
         <p:spPr>
@@ -2276,7 +2334,7 @@
           </a:prstGeom>
         </p:spPr>
         <p:txBody>
-          <a:bodyPr anchorCtr="0" anchor="ctr" bIns="91425" lIns="91425" spcFirstLastPara="1" rIns="91425" wrap="square" tIns="91425">
+          <a:bodyPr spcFirstLastPara="1" wrap="square" lIns="91425" tIns="91425" rIns="91425" bIns="91425" anchor="ctr" anchorCtr="0">
             <a:noAutofit/>
           </a:bodyPr>
           <a:lstStyle>
@@ -2318,7 +2376,7 @@
             </a:lvl9pPr>
           </a:lstStyle>
           <a:p>
-            <a:pPr indent="0" lvl="0" marL="0">
+            <a:pPr marL="0" lvl="0" indent="0">
               <a:spcBef>
                 <a:spcPts val="0"/>
               </a:spcBef>
@@ -2344,11 +2402,11 @@
 </file>
 
 <file path=ppt/slideLayouts/slideLayout11.xml><?xml version="1.0" encoding="utf-8"?>
-<p:sldLayout xmlns:a="http://schemas.openxmlformats.org/drawingml/2006/main" xmlns:r="http://schemas.openxmlformats.org/officeDocument/2006/relationships" xmlns:mc="http://schemas.openxmlformats.org/markup-compatibility/2006" xmlns:mv="urn:schemas-microsoft-com:mac:vml" xmlns:p="http://schemas.openxmlformats.org/presentationml/2006/main" xmlns:c="http://schemas.openxmlformats.org/drawingml/2006/chart" xmlns:dgm="http://schemas.openxmlformats.org/drawingml/2006/diagram" xmlns:o="urn:schemas-microsoft-com:office:office" xmlns:v="urn:schemas-microsoft-com:vml" xmlns:pvml="urn:schemas-microsoft-com:office:powerpoint" xmlns:com="http://schemas.openxmlformats.org/drawingml/2006/compatibility" xmlns:p14="http://schemas.microsoft.com/office/powerpoint/2010/main" xmlns:p15="http://schemas.microsoft.com/office/powerpoint/2012/main" matchingName="Blank" type="blank">
+<p:sldLayout xmlns:a="http://schemas.openxmlformats.org/drawingml/2006/main" xmlns:r="http://schemas.openxmlformats.org/officeDocument/2006/relationships" xmlns:p="http://schemas.openxmlformats.org/presentationml/2006/main" matchingName="Blank" type="blank">
   <p:cSld name="BLANK">
     <p:spTree>
       <p:nvGrpSpPr>
-        <p:cNvPr id="62" name="Shape 62"/>
+        <p:cNvPr id="1" name="Shape 62"/>
         <p:cNvGrpSpPr/>
         <p:nvPr/>
       </p:nvGrpSpPr>
@@ -2363,9 +2421,11 @@
       <p:sp>
         <p:nvSpPr>
           <p:cNvPr id="63" name="Shape 63"/>
-          <p:cNvSpPr txBox="1"/>
+          <p:cNvSpPr txBox="1">
+            <a:spLocks noGrp="1"/>
+          </p:cNvSpPr>
           <p:nvPr>
-            <p:ph idx="12" type="sldNum"/>
+            <p:ph type="sldNum" idx="12"/>
           </p:nvPr>
         </p:nvSpPr>
         <p:spPr>
@@ -2378,7 +2438,7 @@
           </a:prstGeom>
         </p:spPr>
         <p:txBody>
-          <a:bodyPr anchorCtr="0" anchor="ctr" bIns="91425" lIns="91425" spcFirstLastPara="1" rIns="91425" wrap="square" tIns="91425">
+          <a:bodyPr spcFirstLastPara="1" wrap="square" lIns="91425" tIns="91425" rIns="91425" bIns="91425" anchor="ctr" anchorCtr="0">
             <a:noAutofit/>
           </a:bodyPr>
           <a:lstStyle>
@@ -2420,7 +2480,7 @@
             </a:lvl9pPr>
           </a:lstStyle>
           <a:p>
-            <a:pPr indent="0" lvl="0" marL="0">
+            <a:pPr marL="0" lvl="0" indent="0">
               <a:spcBef>
                 <a:spcPts val="0"/>
               </a:spcBef>
@@ -2446,11 +2506,11 @@
 </file>
 
 <file path=ppt/slideLayouts/slideLayout2.xml><?xml version="1.0" encoding="utf-8"?>
-<p:sldLayout xmlns:a="http://schemas.openxmlformats.org/drawingml/2006/main" xmlns:r="http://schemas.openxmlformats.org/officeDocument/2006/relationships" xmlns:mc="http://schemas.openxmlformats.org/markup-compatibility/2006" xmlns:mv="urn:schemas-microsoft-com:mac:vml" xmlns:p="http://schemas.openxmlformats.org/presentationml/2006/main" xmlns:c="http://schemas.openxmlformats.org/drawingml/2006/chart" xmlns:dgm="http://schemas.openxmlformats.org/drawingml/2006/diagram" xmlns:o="urn:schemas-microsoft-com:office:office" xmlns:v="urn:schemas-microsoft-com:vml" xmlns:pvml="urn:schemas-microsoft-com:office:powerpoint" xmlns:com="http://schemas.openxmlformats.org/drawingml/2006/compatibility" xmlns:p14="http://schemas.microsoft.com/office/powerpoint/2010/main" xmlns:p15="http://schemas.microsoft.com/office/powerpoint/2012/main" matchingName="Section header" type="secHead">
+<p:sldLayout xmlns:a="http://schemas.openxmlformats.org/drawingml/2006/main" xmlns:r="http://schemas.openxmlformats.org/officeDocument/2006/relationships" xmlns:p="http://schemas.openxmlformats.org/presentationml/2006/main" matchingName="Section header" type="secHead">
   <p:cSld name="SECTION_HEADER">
     <p:spTree>
       <p:nvGrpSpPr>
-        <p:cNvPr id="16" name="Shape 16"/>
+        <p:cNvPr id="1" name="Shape 16"/>
         <p:cNvGrpSpPr/>
         <p:nvPr/>
       </p:nvGrpSpPr>
@@ -2484,12 +2544,12 @@
           </a:ln>
         </p:spPr>
         <p:txBody>
-          <a:bodyPr anchorCtr="0" anchor="ctr" bIns="91425" lIns="91425" spcFirstLastPara="1" rIns="91425" wrap="square" tIns="91425">
+          <a:bodyPr spcFirstLastPara="1" wrap="square" lIns="91425" tIns="91425" rIns="91425" bIns="91425" anchor="ctr" anchorCtr="0">
             <a:noAutofit/>
           </a:bodyPr>
           <a:lstStyle/>
           <a:p>
-            <a:pPr indent="0" lvl="0" marL="0">
+            <a:pPr marL="0" lvl="0" indent="0">
               <a:spcBef>
                 <a:spcPts val="0"/>
               </a:spcBef>
@@ -2498,9 +2558,6 @@
               </a:spcAft>
               <a:buNone/>
             </a:pPr>
-            <a:r>
-              <a:t/>
-            </a:r>
             <a:endParaRPr/>
           </a:p>
         </p:txBody>
@@ -2527,12 +2584,12 @@
           </a:ln>
         </p:spPr>
         <p:txBody>
-          <a:bodyPr anchorCtr="0" anchor="ctr" bIns="91425" lIns="91425" spcFirstLastPara="1" rIns="91425" wrap="square" tIns="91425">
+          <a:bodyPr spcFirstLastPara="1" wrap="square" lIns="91425" tIns="91425" rIns="91425" bIns="91425" anchor="ctr" anchorCtr="0">
             <a:noAutofit/>
           </a:bodyPr>
           <a:lstStyle/>
           <a:p>
-            <a:pPr indent="0" lvl="0" marL="0">
+            <a:pPr marL="0" lvl="0" indent="0">
               <a:spcBef>
                 <a:spcPts val="0"/>
               </a:spcBef>
@@ -2541,9 +2598,6 @@
               </a:spcAft>
               <a:buNone/>
             </a:pPr>
-            <a:r>
-              <a:t/>
-            </a:r>
             <a:endParaRPr/>
           </a:p>
         </p:txBody>
@@ -2551,7 +2605,9 @@
       <p:sp>
         <p:nvSpPr>
           <p:cNvPr id="19" name="Shape 19"/>
-          <p:cNvSpPr txBox="1"/>
+          <p:cNvSpPr txBox="1">
+            <a:spLocks noGrp="1"/>
+          </p:cNvSpPr>
           <p:nvPr>
             <p:ph type="title"/>
           </p:nvPr>
@@ -2566,7 +2622,7 @@
           </a:prstGeom>
         </p:spPr>
         <p:txBody>
-          <a:bodyPr anchorCtr="0" anchor="ctr" bIns="91425" lIns="91425" spcFirstLastPara="1" rIns="91425" wrap="square" tIns="91425"/>
+          <a:bodyPr spcFirstLastPara="1" wrap="square" lIns="91425" tIns="91425" rIns="91425" bIns="91425" anchor="ctr" anchorCtr="0"/>
           <a:lstStyle>
             <a:lvl1pPr lvl="0" algn="ctr">
               <a:spcBef>
@@ -2668,15 +2724,19 @@
               <a:defRPr sz="3600"/>
             </a:lvl9pPr>
           </a:lstStyle>
-          <a:p/>
+          <a:p>
+            <a:endParaRPr/>
+          </a:p>
         </p:txBody>
       </p:sp>
       <p:sp>
         <p:nvSpPr>
           <p:cNvPr id="20" name="Shape 20"/>
-          <p:cNvSpPr txBox="1"/>
+          <p:cNvSpPr txBox="1">
+            <a:spLocks noGrp="1"/>
+          </p:cNvSpPr>
           <p:nvPr>
-            <p:ph idx="12" type="sldNum"/>
+            <p:ph type="sldNum" idx="12"/>
           </p:nvPr>
         </p:nvSpPr>
         <p:spPr>
@@ -2689,7 +2749,7 @@
           </a:prstGeom>
         </p:spPr>
         <p:txBody>
-          <a:bodyPr anchorCtr="0" anchor="ctr" bIns="91425" lIns="91425" spcFirstLastPara="1" rIns="91425" wrap="square" tIns="91425">
+          <a:bodyPr spcFirstLastPara="1" wrap="square" lIns="91425" tIns="91425" rIns="91425" bIns="91425" anchor="ctr" anchorCtr="0">
             <a:noAutofit/>
           </a:bodyPr>
           <a:lstStyle>
@@ -2731,7 +2791,7 @@
             </a:lvl9pPr>
           </a:lstStyle>
           <a:p>
-            <a:pPr indent="0" lvl="0" marL="0">
+            <a:pPr marL="0" lvl="0" indent="0">
               <a:spcBef>
                 <a:spcPts val="0"/>
               </a:spcBef>
@@ -2757,11 +2817,11 @@
 </file>
 
 <file path=ppt/slideLayouts/slideLayout3.xml><?xml version="1.0" encoding="utf-8"?>
-<p:sldLayout xmlns:a="http://schemas.openxmlformats.org/drawingml/2006/main" xmlns:r="http://schemas.openxmlformats.org/officeDocument/2006/relationships" xmlns:mc="http://schemas.openxmlformats.org/markup-compatibility/2006" xmlns:mv="urn:schemas-microsoft-com:mac:vml" xmlns:p="http://schemas.openxmlformats.org/presentationml/2006/main" xmlns:c="http://schemas.openxmlformats.org/drawingml/2006/chart" xmlns:dgm="http://schemas.openxmlformats.org/drawingml/2006/diagram" xmlns:o="urn:schemas-microsoft-com:office:office" xmlns:v="urn:schemas-microsoft-com:vml" xmlns:pvml="urn:schemas-microsoft-com:office:powerpoint" xmlns:com="http://schemas.openxmlformats.org/drawingml/2006/compatibility" xmlns:p14="http://schemas.microsoft.com/office/powerpoint/2010/main" xmlns:p15="http://schemas.microsoft.com/office/powerpoint/2012/main" matchingName="Title and body" type="tx">
+<p:sldLayout xmlns:a="http://schemas.openxmlformats.org/drawingml/2006/main" xmlns:r="http://schemas.openxmlformats.org/officeDocument/2006/relationships" xmlns:p="http://schemas.openxmlformats.org/presentationml/2006/main" matchingName="Title and body" type="tx">
   <p:cSld name="TITLE_AND_BODY">
     <p:spTree>
       <p:nvGrpSpPr>
-        <p:cNvPr id="21" name="Shape 21"/>
+        <p:cNvPr id="1" name="Shape 21"/>
         <p:cNvGrpSpPr/>
         <p:nvPr/>
       </p:nvGrpSpPr>
@@ -2795,12 +2855,12 @@
           </a:ln>
         </p:spPr>
         <p:txBody>
-          <a:bodyPr anchorCtr="0" anchor="ctr" bIns="91425" lIns="91425" spcFirstLastPara="1" rIns="91425" wrap="square" tIns="91425">
+          <a:bodyPr spcFirstLastPara="1" wrap="square" lIns="91425" tIns="91425" rIns="91425" bIns="91425" anchor="ctr" anchorCtr="0">
             <a:noAutofit/>
           </a:bodyPr>
           <a:lstStyle/>
           <a:p>
-            <a:pPr indent="0" lvl="0" marL="0">
+            <a:pPr marL="0" lvl="0" indent="0">
               <a:spcBef>
                 <a:spcPts val="0"/>
               </a:spcBef>
@@ -2809,9 +2869,6 @@
               </a:spcAft>
               <a:buNone/>
             </a:pPr>
-            <a:r>
-              <a:t/>
-            </a:r>
             <a:endParaRPr/>
           </a:p>
         </p:txBody>
@@ -2831,21 +2888,23 @@
             <a:avLst/>
           </a:prstGeom>
           <a:noFill/>
-          <a:ln cap="flat" cmpd="sng" w="28575">
+          <a:ln w="28575" cap="flat" cmpd="sng">
             <a:solidFill>
               <a:schemeClr val="dk1"/>
             </a:solidFill>
             <a:prstDash val="solid"/>
             <a:round/>
-            <a:headEnd len="sm" w="sm" type="none"/>
-            <a:tailEnd len="sm" w="sm" type="none"/>
+            <a:headEnd type="none" w="sm" len="sm"/>
+            <a:tailEnd type="none" w="sm" len="sm"/>
           </a:ln>
         </p:spPr>
       </p:cxnSp>
       <p:sp>
         <p:nvSpPr>
           <p:cNvPr id="24" name="Shape 24"/>
-          <p:cNvSpPr txBox="1"/>
+          <p:cNvSpPr txBox="1">
+            <a:spLocks noGrp="1"/>
+          </p:cNvSpPr>
           <p:nvPr>
             <p:ph type="title"/>
           </p:nvPr>
@@ -2860,7 +2919,7 @@
           </a:prstGeom>
         </p:spPr>
         <p:txBody>
-          <a:bodyPr anchorCtr="0" anchor="t" bIns="91425" lIns="91425" spcFirstLastPara="1" rIns="91425" wrap="square" tIns="91425"/>
+          <a:bodyPr spcFirstLastPara="1" wrap="square" lIns="91425" tIns="91425" rIns="91425" bIns="91425" anchor="t" anchorCtr="0"/>
           <a:lstStyle>
             <a:lvl1pPr lvl="0">
               <a:spcBef>
@@ -2962,15 +3021,19 @@
               <a:defRPr/>
             </a:lvl9pPr>
           </a:lstStyle>
-          <a:p/>
+          <a:p>
+            <a:endParaRPr/>
+          </a:p>
         </p:txBody>
       </p:sp>
       <p:sp>
         <p:nvSpPr>
           <p:cNvPr id="25" name="Shape 25"/>
-          <p:cNvSpPr txBox="1"/>
+          <p:cNvSpPr txBox="1">
+            <a:spLocks noGrp="1"/>
+          </p:cNvSpPr>
           <p:nvPr>
-            <p:ph idx="1" type="body"/>
+            <p:ph type="body" idx="1"/>
           </p:nvPr>
         </p:nvSpPr>
         <p:spPr>
@@ -2983,9 +3046,9 @@
           </a:prstGeom>
         </p:spPr>
         <p:txBody>
-          <a:bodyPr anchorCtr="0" anchor="t" bIns="91425" lIns="91425" spcFirstLastPara="1" rIns="91425" wrap="square" tIns="91425"/>
+          <a:bodyPr spcFirstLastPara="1" wrap="square" lIns="91425" tIns="91425" rIns="91425" bIns="91425" anchor="t" anchorCtr="0"/>
           <a:lstStyle>
-            <a:lvl1pPr indent="-342900" lvl="0" marL="457200">
+            <a:lvl1pPr marL="457200" lvl="0" indent="-342900">
               <a:spcBef>
                 <a:spcPts val="0"/>
               </a:spcBef>
@@ -2996,7 +3059,7 @@
               <a:buChar char="●"/>
               <a:defRPr/>
             </a:lvl1pPr>
-            <a:lvl2pPr indent="-317500" lvl="1" marL="914400">
+            <a:lvl2pPr marL="914400" lvl="1" indent="-317500">
               <a:spcBef>
                 <a:spcPts val="1600"/>
               </a:spcBef>
@@ -3007,7 +3070,7 @@
               <a:buChar char="○"/>
               <a:defRPr/>
             </a:lvl2pPr>
-            <a:lvl3pPr indent="-317500" lvl="2" marL="1371600">
+            <a:lvl3pPr marL="1371600" lvl="2" indent="-317500">
               <a:spcBef>
                 <a:spcPts val="1600"/>
               </a:spcBef>
@@ -3018,7 +3081,7 @@
               <a:buChar char="■"/>
               <a:defRPr/>
             </a:lvl3pPr>
-            <a:lvl4pPr indent="-317500" lvl="3" marL="1828800">
+            <a:lvl4pPr marL="1828800" lvl="3" indent="-317500">
               <a:spcBef>
                 <a:spcPts val="1600"/>
               </a:spcBef>
@@ -3029,7 +3092,7 @@
               <a:buChar char="●"/>
               <a:defRPr/>
             </a:lvl4pPr>
-            <a:lvl5pPr indent="-317500" lvl="4" marL="2286000">
+            <a:lvl5pPr marL="2286000" lvl="4" indent="-317500">
               <a:spcBef>
                 <a:spcPts val="1600"/>
               </a:spcBef>
@@ -3040,7 +3103,7 @@
               <a:buChar char="○"/>
               <a:defRPr/>
             </a:lvl5pPr>
-            <a:lvl6pPr indent="-317500" lvl="5" marL="2743200">
+            <a:lvl6pPr marL="2743200" lvl="5" indent="-317500">
               <a:spcBef>
                 <a:spcPts val="1600"/>
               </a:spcBef>
@@ -3051,7 +3114,7 @@
               <a:buChar char="■"/>
               <a:defRPr/>
             </a:lvl6pPr>
-            <a:lvl7pPr indent="-317500" lvl="6" marL="3200400">
+            <a:lvl7pPr marL="3200400" lvl="6" indent="-317500">
               <a:spcBef>
                 <a:spcPts val="1600"/>
               </a:spcBef>
@@ -3062,7 +3125,7 @@
               <a:buChar char="●"/>
               <a:defRPr/>
             </a:lvl7pPr>
-            <a:lvl8pPr indent="-317500" lvl="7" marL="3657600">
+            <a:lvl8pPr marL="3657600" lvl="7" indent="-317500">
               <a:spcBef>
                 <a:spcPts val="1600"/>
               </a:spcBef>
@@ -3073,7 +3136,7 @@
               <a:buChar char="○"/>
               <a:defRPr/>
             </a:lvl8pPr>
-            <a:lvl9pPr indent="-317500" lvl="8" marL="4114800">
+            <a:lvl9pPr marL="4114800" lvl="8" indent="-317500">
               <a:spcBef>
                 <a:spcPts val="1600"/>
               </a:spcBef>
@@ -3085,15 +3148,19 @@
               <a:defRPr/>
             </a:lvl9pPr>
           </a:lstStyle>
-          <a:p/>
+          <a:p>
+            <a:endParaRPr/>
+          </a:p>
         </p:txBody>
       </p:sp>
       <p:sp>
         <p:nvSpPr>
           <p:cNvPr id="26" name="Shape 26"/>
-          <p:cNvSpPr txBox="1"/>
+          <p:cNvSpPr txBox="1">
+            <a:spLocks noGrp="1"/>
+          </p:cNvSpPr>
           <p:nvPr>
-            <p:ph idx="12" type="sldNum"/>
+            <p:ph type="sldNum" idx="12"/>
           </p:nvPr>
         </p:nvSpPr>
         <p:spPr>
@@ -3106,7 +3173,7 @@
           </a:prstGeom>
         </p:spPr>
         <p:txBody>
-          <a:bodyPr anchorCtr="0" anchor="ctr" bIns="91425" lIns="91425" spcFirstLastPara="1" rIns="91425" wrap="square" tIns="91425">
+          <a:bodyPr spcFirstLastPara="1" wrap="square" lIns="91425" tIns="91425" rIns="91425" bIns="91425" anchor="ctr" anchorCtr="0">
             <a:noAutofit/>
           </a:bodyPr>
           <a:lstStyle>
@@ -3148,7 +3215,7 @@
             </a:lvl9pPr>
           </a:lstStyle>
           <a:p>
-            <a:pPr indent="0" lvl="0" marL="0">
+            <a:pPr marL="0" lvl="0" indent="0">
               <a:spcBef>
                 <a:spcPts val="0"/>
               </a:spcBef>
@@ -3174,11 +3241,11 @@
 </file>
 
 <file path=ppt/slideLayouts/slideLayout4.xml><?xml version="1.0" encoding="utf-8"?>
-<p:sldLayout xmlns:a="http://schemas.openxmlformats.org/drawingml/2006/main" xmlns:r="http://schemas.openxmlformats.org/officeDocument/2006/relationships" xmlns:mc="http://schemas.openxmlformats.org/markup-compatibility/2006" xmlns:mv="urn:schemas-microsoft-com:mac:vml" xmlns:p="http://schemas.openxmlformats.org/presentationml/2006/main" xmlns:c="http://schemas.openxmlformats.org/drawingml/2006/chart" xmlns:dgm="http://schemas.openxmlformats.org/drawingml/2006/diagram" xmlns:o="urn:schemas-microsoft-com:office:office" xmlns:v="urn:schemas-microsoft-com:vml" xmlns:pvml="urn:schemas-microsoft-com:office:powerpoint" xmlns:com="http://schemas.openxmlformats.org/drawingml/2006/compatibility" xmlns:p14="http://schemas.microsoft.com/office/powerpoint/2010/main" xmlns:p15="http://schemas.microsoft.com/office/powerpoint/2012/main" matchingName="Title and two columns" type="twoColTx">
+<p:sldLayout xmlns:a="http://schemas.openxmlformats.org/drawingml/2006/main" xmlns:r="http://schemas.openxmlformats.org/officeDocument/2006/relationships" xmlns:p="http://schemas.openxmlformats.org/presentationml/2006/main" matchingName="Title and two columns" type="twoColTx">
   <p:cSld name="TITLE_AND_TWO_COLUMNS">
     <p:spTree>
       <p:nvGrpSpPr>
-        <p:cNvPr id="27" name="Shape 27"/>
+        <p:cNvPr id="1" name="Shape 27"/>
         <p:cNvGrpSpPr/>
         <p:nvPr/>
       </p:nvGrpSpPr>
@@ -3205,21 +3272,23 @@
             <a:avLst/>
           </a:prstGeom>
           <a:noFill/>
-          <a:ln cap="flat" cmpd="sng" w="28575">
+          <a:ln w="28575" cap="flat" cmpd="sng">
             <a:solidFill>
               <a:schemeClr val="dk1"/>
             </a:solidFill>
             <a:prstDash val="solid"/>
             <a:round/>
-            <a:headEnd len="sm" w="sm" type="none"/>
-            <a:tailEnd len="sm" w="sm" type="none"/>
+            <a:headEnd type="none" w="sm" len="sm"/>
+            <a:tailEnd type="none" w="sm" len="sm"/>
           </a:ln>
         </p:spPr>
       </p:cxnSp>
       <p:sp>
         <p:nvSpPr>
           <p:cNvPr id="29" name="Shape 29"/>
-          <p:cNvSpPr txBox="1"/>
+          <p:cNvSpPr txBox="1">
+            <a:spLocks noGrp="1"/>
+          </p:cNvSpPr>
           <p:nvPr>
             <p:ph type="title"/>
           </p:nvPr>
@@ -3234,7 +3303,7 @@
           </a:prstGeom>
         </p:spPr>
         <p:txBody>
-          <a:bodyPr anchorCtr="0" anchor="t" bIns="91425" lIns="91425" spcFirstLastPara="1" rIns="91425" wrap="square" tIns="91425"/>
+          <a:bodyPr spcFirstLastPara="1" wrap="square" lIns="91425" tIns="91425" rIns="91425" bIns="91425" anchor="t" anchorCtr="0"/>
           <a:lstStyle>
             <a:lvl1pPr lvl="0">
               <a:spcBef>
@@ -3336,15 +3405,19 @@
               <a:defRPr/>
             </a:lvl9pPr>
           </a:lstStyle>
-          <a:p/>
+          <a:p>
+            <a:endParaRPr/>
+          </a:p>
         </p:txBody>
       </p:sp>
       <p:sp>
         <p:nvSpPr>
           <p:cNvPr id="30" name="Shape 30"/>
-          <p:cNvSpPr txBox="1"/>
+          <p:cNvSpPr txBox="1">
+            <a:spLocks noGrp="1"/>
+          </p:cNvSpPr>
           <p:nvPr>
-            <p:ph idx="1" type="body"/>
+            <p:ph type="body" idx="1"/>
           </p:nvPr>
         </p:nvSpPr>
         <p:spPr>
@@ -3357,9 +3430,9 @@
           </a:prstGeom>
         </p:spPr>
         <p:txBody>
-          <a:bodyPr anchorCtr="0" anchor="t" bIns="91425" lIns="91425" spcFirstLastPara="1" rIns="91425" wrap="square" tIns="91425"/>
+          <a:bodyPr spcFirstLastPara="1" wrap="square" lIns="91425" tIns="91425" rIns="91425" bIns="91425" anchor="t" anchorCtr="0"/>
           <a:lstStyle>
-            <a:lvl1pPr indent="-317500" lvl="0" marL="457200">
+            <a:lvl1pPr marL="457200" lvl="0" indent="-317500">
               <a:spcBef>
                 <a:spcPts val="0"/>
               </a:spcBef>
@@ -3370,7 +3443,7 @@
               <a:buChar char="●"/>
               <a:defRPr sz="1400"/>
             </a:lvl1pPr>
-            <a:lvl2pPr indent="-304800" lvl="1" marL="914400">
+            <a:lvl2pPr marL="914400" lvl="1" indent="-304800">
               <a:spcBef>
                 <a:spcPts val="1600"/>
               </a:spcBef>
@@ -3381,7 +3454,7 @@
               <a:buChar char="○"/>
               <a:defRPr sz="1200"/>
             </a:lvl2pPr>
-            <a:lvl3pPr indent="-304800" lvl="2" marL="1371600">
+            <a:lvl3pPr marL="1371600" lvl="2" indent="-304800">
               <a:spcBef>
                 <a:spcPts val="1600"/>
               </a:spcBef>
@@ -3392,7 +3465,7 @@
               <a:buChar char="■"/>
               <a:defRPr sz="1200"/>
             </a:lvl3pPr>
-            <a:lvl4pPr indent="-304800" lvl="3" marL="1828800">
+            <a:lvl4pPr marL="1828800" lvl="3" indent="-304800">
               <a:spcBef>
                 <a:spcPts val="1600"/>
               </a:spcBef>
@@ -3403,7 +3476,7 @@
               <a:buChar char="●"/>
               <a:defRPr sz="1200"/>
             </a:lvl4pPr>
-            <a:lvl5pPr indent="-304800" lvl="4" marL="2286000">
+            <a:lvl5pPr marL="2286000" lvl="4" indent="-304800">
               <a:spcBef>
                 <a:spcPts val="1600"/>
               </a:spcBef>
@@ -3414,7 +3487,7 @@
               <a:buChar char="○"/>
               <a:defRPr sz="1200"/>
             </a:lvl5pPr>
-            <a:lvl6pPr indent="-304800" lvl="5" marL="2743200">
+            <a:lvl6pPr marL="2743200" lvl="5" indent="-304800">
               <a:spcBef>
                 <a:spcPts val="1600"/>
               </a:spcBef>
@@ -3425,7 +3498,7 @@
               <a:buChar char="■"/>
               <a:defRPr sz="1200"/>
             </a:lvl6pPr>
-            <a:lvl7pPr indent="-304800" lvl="6" marL="3200400">
+            <a:lvl7pPr marL="3200400" lvl="6" indent="-304800">
               <a:spcBef>
                 <a:spcPts val="1600"/>
               </a:spcBef>
@@ -3436,7 +3509,7 @@
               <a:buChar char="●"/>
               <a:defRPr sz="1200"/>
             </a:lvl7pPr>
-            <a:lvl8pPr indent="-304800" lvl="7" marL="3657600">
+            <a:lvl8pPr marL="3657600" lvl="7" indent="-304800">
               <a:spcBef>
                 <a:spcPts val="1600"/>
               </a:spcBef>
@@ -3447,7 +3520,7 @@
               <a:buChar char="○"/>
               <a:defRPr sz="1200"/>
             </a:lvl8pPr>
-            <a:lvl9pPr indent="-304800" lvl="8" marL="4114800">
+            <a:lvl9pPr marL="4114800" lvl="8" indent="-304800">
               <a:spcBef>
                 <a:spcPts val="1600"/>
               </a:spcBef>
@@ -3459,15 +3532,19 @@
               <a:defRPr sz="1200"/>
             </a:lvl9pPr>
           </a:lstStyle>
-          <a:p/>
+          <a:p>
+            <a:endParaRPr/>
+          </a:p>
         </p:txBody>
       </p:sp>
       <p:sp>
         <p:nvSpPr>
           <p:cNvPr id="31" name="Shape 31"/>
-          <p:cNvSpPr txBox="1"/>
+          <p:cNvSpPr txBox="1">
+            <a:spLocks noGrp="1"/>
+          </p:cNvSpPr>
           <p:nvPr>
-            <p:ph idx="2" type="body"/>
+            <p:ph type="body" idx="2"/>
           </p:nvPr>
         </p:nvSpPr>
         <p:spPr>
@@ -3480,9 +3557,9 @@
           </a:prstGeom>
         </p:spPr>
         <p:txBody>
-          <a:bodyPr anchorCtr="0" anchor="t" bIns="91425" lIns="91425" spcFirstLastPara="1" rIns="91425" wrap="square" tIns="91425"/>
+          <a:bodyPr spcFirstLastPara="1" wrap="square" lIns="91425" tIns="91425" rIns="91425" bIns="91425" anchor="t" anchorCtr="0"/>
           <a:lstStyle>
-            <a:lvl1pPr indent="-317500" lvl="0" marL="457200">
+            <a:lvl1pPr marL="457200" lvl="0" indent="-317500">
               <a:spcBef>
                 <a:spcPts val="0"/>
               </a:spcBef>
@@ -3493,7 +3570,7 @@
               <a:buChar char="●"/>
               <a:defRPr sz="1400"/>
             </a:lvl1pPr>
-            <a:lvl2pPr indent="-304800" lvl="1" marL="914400">
+            <a:lvl2pPr marL="914400" lvl="1" indent="-304800">
               <a:spcBef>
                 <a:spcPts val="1600"/>
               </a:spcBef>
@@ -3504,7 +3581,7 @@
               <a:buChar char="○"/>
               <a:defRPr sz="1200"/>
             </a:lvl2pPr>
-            <a:lvl3pPr indent="-304800" lvl="2" marL="1371600">
+            <a:lvl3pPr marL="1371600" lvl="2" indent="-304800">
               <a:spcBef>
                 <a:spcPts val="1600"/>
               </a:spcBef>
@@ -3515,7 +3592,7 @@
               <a:buChar char="■"/>
               <a:defRPr sz="1200"/>
             </a:lvl3pPr>
-            <a:lvl4pPr indent="-304800" lvl="3" marL="1828800">
+            <a:lvl4pPr marL="1828800" lvl="3" indent="-304800">
               <a:spcBef>
                 <a:spcPts val="1600"/>
               </a:spcBef>
@@ -3526,7 +3603,7 @@
               <a:buChar char="●"/>
               <a:defRPr sz="1200"/>
             </a:lvl4pPr>
-            <a:lvl5pPr indent="-304800" lvl="4" marL="2286000">
+            <a:lvl5pPr marL="2286000" lvl="4" indent="-304800">
               <a:spcBef>
                 <a:spcPts val="1600"/>
               </a:spcBef>
@@ -3537,7 +3614,7 @@
               <a:buChar char="○"/>
               <a:defRPr sz="1200"/>
             </a:lvl5pPr>
-            <a:lvl6pPr indent="-304800" lvl="5" marL="2743200">
+            <a:lvl6pPr marL="2743200" lvl="5" indent="-304800">
               <a:spcBef>
                 <a:spcPts val="1600"/>
               </a:spcBef>
@@ -3548,7 +3625,7 @@
               <a:buChar char="■"/>
               <a:defRPr sz="1200"/>
             </a:lvl6pPr>
-            <a:lvl7pPr indent="-304800" lvl="6" marL="3200400">
+            <a:lvl7pPr marL="3200400" lvl="6" indent="-304800">
               <a:spcBef>
                 <a:spcPts val="1600"/>
               </a:spcBef>
@@ -3559,7 +3636,7 @@
               <a:buChar char="●"/>
               <a:defRPr sz="1200"/>
             </a:lvl7pPr>
-            <a:lvl8pPr indent="-304800" lvl="7" marL="3657600">
+            <a:lvl8pPr marL="3657600" lvl="7" indent="-304800">
               <a:spcBef>
                 <a:spcPts val="1600"/>
               </a:spcBef>
@@ -3570,7 +3647,7 @@
               <a:buChar char="○"/>
               <a:defRPr sz="1200"/>
             </a:lvl8pPr>
-            <a:lvl9pPr indent="-304800" lvl="8" marL="4114800">
+            <a:lvl9pPr marL="4114800" lvl="8" indent="-304800">
               <a:spcBef>
                 <a:spcPts val="1600"/>
               </a:spcBef>
@@ -3582,15 +3659,19 @@
               <a:defRPr sz="1200"/>
             </a:lvl9pPr>
           </a:lstStyle>
-          <a:p/>
+          <a:p>
+            <a:endParaRPr/>
+          </a:p>
         </p:txBody>
       </p:sp>
       <p:sp>
         <p:nvSpPr>
           <p:cNvPr id="32" name="Shape 32"/>
-          <p:cNvSpPr txBox="1"/>
+          <p:cNvSpPr txBox="1">
+            <a:spLocks noGrp="1"/>
+          </p:cNvSpPr>
           <p:nvPr>
-            <p:ph idx="12" type="sldNum"/>
+            <p:ph type="sldNum" idx="12"/>
           </p:nvPr>
         </p:nvSpPr>
         <p:spPr>
@@ -3603,7 +3684,7 @@
           </a:prstGeom>
         </p:spPr>
         <p:txBody>
-          <a:bodyPr anchorCtr="0" anchor="ctr" bIns="91425" lIns="91425" spcFirstLastPara="1" rIns="91425" wrap="square" tIns="91425">
+          <a:bodyPr spcFirstLastPara="1" wrap="square" lIns="91425" tIns="91425" rIns="91425" bIns="91425" anchor="ctr" anchorCtr="0">
             <a:noAutofit/>
           </a:bodyPr>
           <a:lstStyle>
@@ -3645,7 +3726,7 @@
             </a:lvl9pPr>
           </a:lstStyle>
           <a:p>
-            <a:pPr indent="0" lvl="0" marL="0">
+            <a:pPr marL="0" lvl="0" indent="0">
               <a:spcBef>
                 <a:spcPts val="0"/>
               </a:spcBef>
@@ -3671,11 +3752,11 @@
 </file>
 
 <file path=ppt/slideLayouts/slideLayout5.xml><?xml version="1.0" encoding="utf-8"?>
-<p:sldLayout xmlns:a="http://schemas.openxmlformats.org/drawingml/2006/main" xmlns:r="http://schemas.openxmlformats.org/officeDocument/2006/relationships" xmlns:mc="http://schemas.openxmlformats.org/markup-compatibility/2006" xmlns:mv="urn:schemas-microsoft-com:mac:vml" xmlns:p="http://schemas.openxmlformats.org/presentationml/2006/main" xmlns:c="http://schemas.openxmlformats.org/drawingml/2006/chart" xmlns:dgm="http://schemas.openxmlformats.org/drawingml/2006/diagram" xmlns:o="urn:schemas-microsoft-com:office:office" xmlns:v="urn:schemas-microsoft-com:vml" xmlns:pvml="urn:schemas-microsoft-com:office:powerpoint" xmlns:com="http://schemas.openxmlformats.org/drawingml/2006/compatibility" xmlns:p14="http://schemas.microsoft.com/office/powerpoint/2010/main" xmlns:p15="http://schemas.microsoft.com/office/powerpoint/2012/main" matchingName="Title only" type="titleOnly">
+<p:sldLayout xmlns:a="http://schemas.openxmlformats.org/drawingml/2006/main" xmlns:r="http://schemas.openxmlformats.org/officeDocument/2006/relationships" xmlns:p="http://schemas.openxmlformats.org/presentationml/2006/main" matchingName="Title only" type="titleOnly">
   <p:cSld name="TITLE_ONLY">
     <p:spTree>
       <p:nvGrpSpPr>
-        <p:cNvPr id="33" name="Shape 33"/>
+        <p:cNvPr id="1" name="Shape 33"/>
         <p:cNvGrpSpPr/>
         <p:nvPr/>
       </p:nvGrpSpPr>
@@ -3690,7 +3771,9 @@
       <p:sp>
         <p:nvSpPr>
           <p:cNvPr id="34" name="Shape 34"/>
-          <p:cNvSpPr txBox="1"/>
+          <p:cNvSpPr txBox="1">
+            <a:spLocks noGrp="1"/>
+          </p:cNvSpPr>
           <p:nvPr>
             <p:ph type="title"/>
           </p:nvPr>
@@ -3705,7 +3788,7 @@
           </a:prstGeom>
         </p:spPr>
         <p:txBody>
-          <a:bodyPr anchorCtr="0" anchor="t" bIns="91425" lIns="91425" spcFirstLastPara="1" rIns="91425" wrap="square" tIns="91425"/>
+          <a:bodyPr spcFirstLastPara="1" wrap="square" lIns="91425" tIns="91425" rIns="91425" bIns="91425" anchor="t" anchorCtr="0"/>
           <a:lstStyle>
             <a:lvl1pPr lvl="0">
               <a:spcBef>
@@ -3807,15 +3890,19 @@
               <a:defRPr/>
             </a:lvl9pPr>
           </a:lstStyle>
-          <a:p/>
+          <a:p>
+            <a:endParaRPr/>
+          </a:p>
         </p:txBody>
       </p:sp>
       <p:sp>
         <p:nvSpPr>
           <p:cNvPr id="35" name="Shape 35"/>
-          <p:cNvSpPr txBox="1"/>
+          <p:cNvSpPr txBox="1">
+            <a:spLocks noGrp="1"/>
+          </p:cNvSpPr>
           <p:nvPr>
-            <p:ph idx="12" type="sldNum"/>
+            <p:ph type="sldNum" idx="12"/>
           </p:nvPr>
         </p:nvSpPr>
         <p:spPr>
@@ -3828,7 +3915,7 @@
           </a:prstGeom>
         </p:spPr>
         <p:txBody>
-          <a:bodyPr anchorCtr="0" anchor="ctr" bIns="91425" lIns="91425" spcFirstLastPara="1" rIns="91425" wrap="square" tIns="91425">
+          <a:bodyPr spcFirstLastPara="1" wrap="square" lIns="91425" tIns="91425" rIns="91425" bIns="91425" anchor="ctr" anchorCtr="0">
             <a:noAutofit/>
           </a:bodyPr>
           <a:lstStyle>
@@ -3870,7 +3957,7 @@
             </a:lvl9pPr>
           </a:lstStyle>
           <a:p>
-            <a:pPr indent="0" lvl="0" marL="0">
+            <a:pPr marL="0" lvl="0" indent="0">
               <a:spcBef>
                 <a:spcPts val="0"/>
               </a:spcBef>
@@ -3896,11 +3983,11 @@
 </file>
 
 <file path=ppt/slideLayouts/slideLayout6.xml><?xml version="1.0" encoding="utf-8"?>
-<p:sldLayout xmlns:a="http://schemas.openxmlformats.org/drawingml/2006/main" xmlns:r="http://schemas.openxmlformats.org/officeDocument/2006/relationships" xmlns:mc="http://schemas.openxmlformats.org/markup-compatibility/2006" xmlns:mv="urn:schemas-microsoft-com:mac:vml" xmlns:p="http://schemas.openxmlformats.org/presentationml/2006/main" xmlns:c="http://schemas.openxmlformats.org/drawingml/2006/chart" xmlns:dgm="http://schemas.openxmlformats.org/drawingml/2006/diagram" xmlns:o="urn:schemas-microsoft-com:office:office" xmlns:v="urn:schemas-microsoft-com:vml" xmlns:pvml="urn:schemas-microsoft-com:office:powerpoint" xmlns:com="http://schemas.openxmlformats.org/drawingml/2006/compatibility" xmlns:p14="http://schemas.microsoft.com/office/powerpoint/2010/main" xmlns:p15="http://schemas.microsoft.com/office/powerpoint/2012/main" matchingName="One column text">
+<p:sldLayout xmlns:a="http://schemas.openxmlformats.org/drawingml/2006/main" xmlns:r="http://schemas.openxmlformats.org/officeDocument/2006/relationships" xmlns:p="http://schemas.openxmlformats.org/presentationml/2006/main" matchingName="One column text">
   <p:cSld name="ONE_COLUMN_TEXT">
     <p:spTree>
       <p:nvGrpSpPr>
-        <p:cNvPr id="36" name="Shape 36"/>
+        <p:cNvPr id="1" name="Shape 36"/>
         <p:cNvGrpSpPr/>
         <p:nvPr/>
       </p:nvGrpSpPr>
@@ -3927,21 +4014,23 @@
             <a:avLst/>
           </a:prstGeom>
           <a:noFill/>
-          <a:ln cap="flat" cmpd="sng" w="28575">
+          <a:ln w="28575" cap="flat" cmpd="sng">
             <a:solidFill>
               <a:schemeClr val="dk1"/>
             </a:solidFill>
             <a:prstDash val="solid"/>
             <a:round/>
-            <a:headEnd len="sm" w="sm" type="none"/>
-            <a:tailEnd len="sm" w="sm" type="none"/>
+            <a:headEnd type="none" w="sm" len="sm"/>
+            <a:tailEnd type="none" w="sm" len="sm"/>
           </a:ln>
         </p:spPr>
       </p:cxnSp>
       <p:sp>
         <p:nvSpPr>
           <p:cNvPr id="38" name="Shape 38"/>
-          <p:cNvSpPr txBox="1"/>
+          <p:cNvSpPr txBox="1">
+            <a:spLocks noGrp="1"/>
+          </p:cNvSpPr>
           <p:nvPr>
             <p:ph type="title"/>
           </p:nvPr>
@@ -3956,7 +4045,7 @@
           </a:prstGeom>
         </p:spPr>
         <p:txBody>
-          <a:bodyPr anchorCtr="0" anchor="b" bIns="91425" lIns="91425" spcFirstLastPara="1" rIns="91425" wrap="square" tIns="91425"/>
+          <a:bodyPr spcFirstLastPara="1" wrap="square" lIns="91425" tIns="91425" rIns="91425" bIns="91425" anchor="b" anchorCtr="0"/>
           <a:lstStyle>
             <a:lvl1pPr lvl="0">
               <a:spcBef>
@@ -4058,15 +4147,19 @@
               <a:defRPr sz="2400"/>
             </a:lvl9pPr>
           </a:lstStyle>
-          <a:p/>
+          <a:p>
+            <a:endParaRPr/>
+          </a:p>
         </p:txBody>
       </p:sp>
       <p:sp>
         <p:nvSpPr>
           <p:cNvPr id="39" name="Shape 39"/>
-          <p:cNvSpPr txBox="1"/>
+          <p:cNvSpPr txBox="1">
+            <a:spLocks noGrp="1"/>
+          </p:cNvSpPr>
           <p:nvPr>
-            <p:ph idx="1" type="body"/>
+            <p:ph type="body" idx="1"/>
           </p:nvPr>
         </p:nvSpPr>
         <p:spPr>
@@ -4079,9 +4172,9 @@
           </a:prstGeom>
         </p:spPr>
         <p:txBody>
-          <a:bodyPr anchorCtr="0" anchor="t" bIns="91425" lIns="91425" spcFirstLastPara="1" rIns="91425" wrap="square" tIns="91425"/>
+          <a:bodyPr spcFirstLastPara="1" wrap="square" lIns="91425" tIns="91425" rIns="91425" bIns="91425" anchor="t" anchorCtr="0"/>
           <a:lstStyle>
-            <a:lvl1pPr indent="-304800" lvl="0" marL="457200">
+            <a:lvl1pPr marL="457200" lvl="0" indent="-304800">
               <a:spcBef>
                 <a:spcPts val="0"/>
               </a:spcBef>
@@ -4092,7 +4185,7 @@
               <a:buChar char="●"/>
               <a:defRPr sz="1200"/>
             </a:lvl1pPr>
-            <a:lvl2pPr indent="-304800" lvl="1" marL="914400">
+            <a:lvl2pPr marL="914400" lvl="1" indent="-304800">
               <a:spcBef>
                 <a:spcPts val="1600"/>
               </a:spcBef>
@@ -4103,7 +4196,7 @@
               <a:buChar char="○"/>
               <a:defRPr sz="1200"/>
             </a:lvl2pPr>
-            <a:lvl3pPr indent="-304800" lvl="2" marL="1371600">
+            <a:lvl3pPr marL="1371600" lvl="2" indent="-304800">
               <a:spcBef>
                 <a:spcPts val="1600"/>
               </a:spcBef>
@@ -4114,7 +4207,7 @@
               <a:buChar char="■"/>
               <a:defRPr sz="1200"/>
             </a:lvl3pPr>
-            <a:lvl4pPr indent="-304800" lvl="3" marL="1828800">
+            <a:lvl4pPr marL="1828800" lvl="3" indent="-304800">
               <a:spcBef>
                 <a:spcPts val="1600"/>
               </a:spcBef>
@@ -4125,7 +4218,7 @@
               <a:buChar char="●"/>
               <a:defRPr sz="1200"/>
             </a:lvl4pPr>
-            <a:lvl5pPr indent="-304800" lvl="4" marL="2286000">
+            <a:lvl5pPr marL="2286000" lvl="4" indent="-304800">
               <a:spcBef>
                 <a:spcPts val="1600"/>
               </a:spcBef>
@@ -4136,7 +4229,7 @@
               <a:buChar char="○"/>
               <a:defRPr sz="1200"/>
             </a:lvl5pPr>
-            <a:lvl6pPr indent="-304800" lvl="5" marL="2743200">
+            <a:lvl6pPr marL="2743200" lvl="5" indent="-304800">
               <a:spcBef>
                 <a:spcPts val="1600"/>
               </a:spcBef>
@@ -4147,7 +4240,7 @@
               <a:buChar char="■"/>
               <a:defRPr sz="1200"/>
             </a:lvl6pPr>
-            <a:lvl7pPr indent="-304800" lvl="6" marL="3200400">
+            <a:lvl7pPr marL="3200400" lvl="6" indent="-304800">
               <a:spcBef>
                 <a:spcPts val="1600"/>
               </a:spcBef>
@@ -4158,7 +4251,7 @@
               <a:buChar char="●"/>
               <a:defRPr sz="1200"/>
             </a:lvl7pPr>
-            <a:lvl8pPr indent="-304800" lvl="7" marL="3657600">
+            <a:lvl8pPr marL="3657600" lvl="7" indent="-304800">
               <a:spcBef>
                 <a:spcPts val="1600"/>
               </a:spcBef>
@@ -4169,7 +4262,7 @@
               <a:buChar char="○"/>
               <a:defRPr sz="1200"/>
             </a:lvl8pPr>
-            <a:lvl9pPr indent="-304800" lvl="8" marL="4114800">
+            <a:lvl9pPr marL="4114800" lvl="8" indent="-304800">
               <a:spcBef>
                 <a:spcPts val="1600"/>
               </a:spcBef>
@@ -4181,15 +4274,19 @@
               <a:defRPr sz="1200"/>
             </a:lvl9pPr>
           </a:lstStyle>
-          <a:p/>
+          <a:p>
+            <a:endParaRPr/>
+          </a:p>
         </p:txBody>
       </p:sp>
       <p:sp>
         <p:nvSpPr>
           <p:cNvPr id="40" name="Shape 40"/>
-          <p:cNvSpPr txBox="1"/>
+          <p:cNvSpPr txBox="1">
+            <a:spLocks noGrp="1"/>
+          </p:cNvSpPr>
           <p:nvPr>
-            <p:ph idx="12" type="sldNum"/>
+            <p:ph type="sldNum" idx="12"/>
           </p:nvPr>
         </p:nvSpPr>
         <p:spPr>
@@ -4202,7 +4299,7 @@
           </a:prstGeom>
         </p:spPr>
         <p:txBody>
-          <a:bodyPr anchorCtr="0" anchor="ctr" bIns="91425" lIns="91425" spcFirstLastPara="1" rIns="91425" wrap="square" tIns="91425">
+          <a:bodyPr spcFirstLastPara="1" wrap="square" lIns="91425" tIns="91425" rIns="91425" bIns="91425" anchor="ctr" anchorCtr="0">
             <a:noAutofit/>
           </a:bodyPr>
           <a:lstStyle>
@@ -4244,7 +4341,7 @@
             </a:lvl9pPr>
           </a:lstStyle>
           <a:p>
-            <a:pPr indent="0" lvl="0" marL="0">
+            <a:pPr marL="0" lvl="0" indent="0">
               <a:spcBef>
                 <a:spcPts val="0"/>
               </a:spcBef>
@@ -4270,11 +4367,11 @@
 </file>
 
 <file path=ppt/slideLayouts/slideLayout7.xml><?xml version="1.0" encoding="utf-8"?>
-<p:sldLayout xmlns:a="http://schemas.openxmlformats.org/drawingml/2006/main" xmlns:r="http://schemas.openxmlformats.org/officeDocument/2006/relationships" xmlns:mc="http://schemas.openxmlformats.org/markup-compatibility/2006" xmlns:mv="urn:schemas-microsoft-com:mac:vml" xmlns:p="http://schemas.openxmlformats.org/presentationml/2006/main" xmlns:c="http://schemas.openxmlformats.org/drawingml/2006/chart" xmlns:dgm="http://schemas.openxmlformats.org/drawingml/2006/diagram" xmlns:o="urn:schemas-microsoft-com:office:office" xmlns:v="urn:schemas-microsoft-com:vml" xmlns:pvml="urn:schemas-microsoft-com:office:powerpoint" xmlns:com="http://schemas.openxmlformats.org/drawingml/2006/compatibility" xmlns:p14="http://schemas.microsoft.com/office/powerpoint/2010/main" xmlns:p15="http://schemas.microsoft.com/office/powerpoint/2012/main" matchingName="Main point">
+<p:sldLayout xmlns:a="http://schemas.openxmlformats.org/drawingml/2006/main" xmlns:r="http://schemas.openxmlformats.org/officeDocument/2006/relationships" xmlns:p="http://schemas.openxmlformats.org/presentationml/2006/main" matchingName="Main point">
   <p:cSld name="MAIN_POINT">
     <p:spTree>
       <p:nvGrpSpPr>
-        <p:cNvPr id="41" name="Shape 41"/>
+        <p:cNvPr id="1" name="Shape 41"/>
         <p:cNvGrpSpPr/>
         <p:nvPr/>
       </p:nvGrpSpPr>
@@ -4308,12 +4405,12 @@
           </a:ln>
         </p:spPr>
         <p:txBody>
-          <a:bodyPr anchorCtr="0" anchor="ctr" bIns="91425" lIns="91425" spcFirstLastPara="1" rIns="91425" wrap="square" tIns="91425">
+          <a:bodyPr spcFirstLastPara="1" wrap="square" lIns="91425" tIns="91425" rIns="91425" bIns="91425" anchor="ctr" anchorCtr="0">
             <a:noAutofit/>
           </a:bodyPr>
           <a:lstStyle/>
           <a:p>
-            <a:pPr indent="0" lvl="0" marL="0">
+            <a:pPr marL="0" lvl="0" indent="0">
               <a:spcBef>
                 <a:spcPts val="0"/>
               </a:spcBef>
@@ -4322,9 +4419,6 @@
               </a:spcAft>
               <a:buNone/>
             </a:pPr>
-            <a:r>
-              <a:t/>
-            </a:r>
             <a:endParaRPr/>
           </a:p>
         </p:txBody>
@@ -4351,12 +4445,12 @@
           </a:ln>
         </p:spPr>
         <p:txBody>
-          <a:bodyPr anchorCtr="0" anchor="ctr" bIns="91425" lIns="91425" spcFirstLastPara="1" rIns="91425" wrap="square" tIns="91425">
+          <a:bodyPr spcFirstLastPara="1" wrap="square" lIns="91425" tIns="91425" rIns="91425" bIns="91425" anchor="ctr" anchorCtr="0">
             <a:noAutofit/>
           </a:bodyPr>
           <a:lstStyle/>
           <a:p>
-            <a:pPr indent="0" lvl="0" marL="0">
+            <a:pPr marL="0" lvl="0" indent="0">
               <a:spcBef>
                 <a:spcPts val="0"/>
               </a:spcBef>
@@ -4365,9 +4459,6 @@
               </a:spcAft>
               <a:buNone/>
             </a:pPr>
-            <a:r>
-              <a:t/>
-            </a:r>
             <a:endParaRPr/>
           </a:p>
         </p:txBody>
@@ -4375,7 +4466,9 @@
       <p:sp>
         <p:nvSpPr>
           <p:cNvPr id="44" name="Shape 44"/>
-          <p:cNvSpPr txBox="1"/>
+          <p:cNvSpPr txBox="1">
+            <a:spLocks noGrp="1"/>
+          </p:cNvSpPr>
           <p:nvPr>
             <p:ph type="title"/>
           </p:nvPr>
@@ -4390,7 +4483,7 @@
           </a:prstGeom>
         </p:spPr>
         <p:txBody>
-          <a:bodyPr anchorCtr="0" anchor="ctr" bIns="91425" lIns="91425" spcFirstLastPara="1" rIns="91425" wrap="square" tIns="91425"/>
+          <a:bodyPr spcFirstLastPara="1" wrap="square" lIns="91425" tIns="91425" rIns="91425" bIns="91425" anchor="ctr" anchorCtr="0"/>
           <a:lstStyle>
             <a:lvl1pPr lvl="0">
               <a:spcBef>
@@ -4492,15 +4585,19 @@
               <a:defRPr sz="4200"/>
             </a:lvl9pPr>
           </a:lstStyle>
-          <a:p/>
+          <a:p>
+            <a:endParaRPr/>
+          </a:p>
         </p:txBody>
       </p:sp>
       <p:sp>
         <p:nvSpPr>
           <p:cNvPr id="45" name="Shape 45"/>
-          <p:cNvSpPr txBox="1"/>
+          <p:cNvSpPr txBox="1">
+            <a:spLocks noGrp="1"/>
+          </p:cNvSpPr>
           <p:nvPr>
-            <p:ph idx="12" type="sldNum"/>
+            <p:ph type="sldNum" idx="12"/>
           </p:nvPr>
         </p:nvSpPr>
         <p:spPr>
@@ -4513,7 +4610,7 @@
           </a:prstGeom>
         </p:spPr>
         <p:txBody>
-          <a:bodyPr anchorCtr="0" anchor="ctr" bIns="91425" lIns="91425" spcFirstLastPara="1" rIns="91425" wrap="square" tIns="91425">
+          <a:bodyPr spcFirstLastPara="1" wrap="square" lIns="91425" tIns="91425" rIns="91425" bIns="91425" anchor="ctr" anchorCtr="0">
             <a:noAutofit/>
           </a:bodyPr>
           <a:lstStyle>
@@ -4555,7 +4652,7 @@
             </a:lvl9pPr>
           </a:lstStyle>
           <a:p>
-            <a:pPr indent="0" lvl="0" marL="0">
+            <a:pPr marL="0" lvl="0" indent="0">
               <a:spcBef>
                 <a:spcPts val="0"/>
               </a:spcBef>
@@ -4581,11 +4678,11 @@
 </file>
 
 <file path=ppt/slideLayouts/slideLayout8.xml><?xml version="1.0" encoding="utf-8"?>
-<p:sldLayout xmlns:a="http://schemas.openxmlformats.org/drawingml/2006/main" xmlns:r="http://schemas.openxmlformats.org/officeDocument/2006/relationships" xmlns:mc="http://schemas.openxmlformats.org/markup-compatibility/2006" xmlns:mv="urn:schemas-microsoft-com:mac:vml" xmlns:p="http://schemas.openxmlformats.org/presentationml/2006/main" xmlns:c="http://schemas.openxmlformats.org/drawingml/2006/chart" xmlns:dgm="http://schemas.openxmlformats.org/drawingml/2006/diagram" xmlns:o="urn:schemas-microsoft-com:office:office" xmlns:v="urn:schemas-microsoft-com:vml" xmlns:pvml="urn:schemas-microsoft-com:office:powerpoint" xmlns:com="http://schemas.openxmlformats.org/drawingml/2006/compatibility" xmlns:p14="http://schemas.microsoft.com/office/powerpoint/2010/main" xmlns:p15="http://schemas.microsoft.com/office/powerpoint/2012/main" matchingName="Section title and description">
+<p:sldLayout xmlns:a="http://schemas.openxmlformats.org/drawingml/2006/main" xmlns:r="http://schemas.openxmlformats.org/officeDocument/2006/relationships" xmlns:p="http://schemas.openxmlformats.org/presentationml/2006/main" matchingName="Section title and description">
   <p:cSld name="SECTION_TITLE_AND_DESCRIPTION">
     <p:spTree>
       <p:nvGrpSpPr>
-        <p:cNvPr id="46" name="Shape 46"/>
+        <p:cNvPr id="1" name="Shape 46"/>
         <p:cNvGrpSpPr/>
         <p:nvPr/>
       </p:nvGrpSpPr>
@@ -4619,12 +4716,12 @@
           </a:ln>
         </p:spPr>
         <p:txBody>
-          <a:bodyPr anchorCtr="0" anchor="ctr" bIns="91425" lIns="91425" spcFirstLastPara="1" rIns="91425" wrap="square" tIns="91425">
+          <a:bodyPr spcFirstLastPara="1" wrap="square" lIns="91425" tIns="91425" rIns="91425" bIns="91425" anchor="ctr" anchorCtr="0">
             <a:noAutofit/>
           </a:bodyPr>
           <a:lstStyle/>
           <a:p>
-            <a:pPr indent="0" lvl="0" marL="0">
+            <a:pPr marL="0" lvl="0" indent="0">
               <a:spcBef>
                 <a:spcPts val="0"/>
               </a:spcBef>
@@ -4633,9 +4730,6 @@
               </a:spcAft>
               <a:buNone/>
             </a:pPr>
-            <a:r>
-              <a:t/>
-            </a:r>
             <a:endParaRPr/>
           </a:p>
         </p:txBody>
@@ -4655,21 +4749,23 @@
             <a:avLst/>
           </a:prstGeom>
           <a:noFill/>
-          <a:ln cap="flat" cmpd="sng" w="19050">
+          <a:ln w="19050" cap="flat" cmpd="sng">
             <a:solidFill>
               <a:schemeClr val="lt1"/>
             </a:solidFill>
             <a:prstDash val="solid"/>
             <a:round/>
-            <a:headEnd len="sm" w="sm" type="none"/>
-            <a:tailEnd len="sm" w="sm" type="none"/>
+            <a:headEnd type="none" w="sm" len="sm"/>
+            <a:tailEnd type="none" w="sm" len="sm"/>
           </a:ln>
         </p:spPr>
       </p:cxnSp>
       <p:sp>
         <p:nvSpPr>
           <p:cNvPr id="49" name="Shape 49"/>
-          <p:cNvSpPr txBox="1"/>
+          <p:cNvSpPr txBox="1">
+            <a:spLocks noGrp="1"/>
+          </p:cNvSpPr>
           <p:nvPr>
             <p:ph type="title"/>
           </p:nvPr>
@@ -4684,7 +4780,7 @@
           </a:prstGeom>
         </p:spPr>
         <p:txBody>
-          <a:bodyPr anchorCtr="0" anchor="b" bIns="91425" lIns="91425" spcFirstLastPara="1" rIns="91425" wrap="square" tIns="91425"/>
+          <a:bodyPr spcFirstLastPara="1" wrap="square" lIns="91425" tIns="91425" rIns="91425" bIns="91425" anchor="b" anchorCtr="0"/>
           <a:lstStyle>
             <a:lvl1pPr lvl="0" algn="ctr">
               <a:spcBef>
@@ -4786,15 +4882,19 @@
               <a:defRPr sz="4200"/>
             </a:lvl9pPr>
           </a:lstStyle>
-          <a:p/>
+          <a:p>
+            <a:endParaRPr/>
+          </a:p>
         </p:txBody>
       </p:sp>
       <p:sp>
         <p:nvSpPr>
           <p:cNvPr id="50" name="Shape 50"/>
-          <p:cNvSpPr txBox="1"/>
+          <p:cNvSpPr txBox="1">
+            <a:spLocks noGrp="1"/>
+          </p:cNvSpPr>
           <p:nvPr>
-            <p:ph idx="1" type="subTitle"/>
+            <p:ph type="subTitle" idx="1"/>
           </p:nvPr>
         </p:nvSpPr>
         <p:spPr>
@@ -4807,7 +4907,7 @@
           </a:prstGeom>
         </p:spPr>
         <p:txBody>
-          <a:bodyPr anchorCtr="0" anchor="t" bIns="91425" lIns="91425" spcFirstLastPara="1" rIns="91425" wrap="square" tIns="91425"/>
+          <a:bodyPr spcFirstLastPara="1" wrap="square" lIns="91425" tIns="91425" rIns="91425" bIns="91425" anchor="t" anchorCtr="0"/>
           <a:lstStyle>
             <a:lvl1pPr lvl="0" algn="ctr">
               <a:lnSpc>
@@ -4999,15 +5099,19 @@
               </a:defRPr>
             </a:lvl9pPr>
           </a:lstStyle>
-          <a:p/>
+          <a:p>
+            <a:endParaRPr/>
+          </a:p>
         </p:txBody>
       </p:sp>
       <p:sp>
         <p:nvSpPr>
           <p:cNvPr id="51" name="Shape 51"/>
-          <p:cNvSpPr txBox="1"/>
+          <p:cNvSpPr txBox="1">
+            <a:spLocks noGrp="1"/>
+          </p:cNvSpPr>
           <p:nvPr>
-            <p:ph idx="2" type="body"/>
+            <p:ph type="body" idx="2"/>
           </p:nvPr>
         </p:nvSpPr>
         <p:spPr>
@@ -5020,9 +5124,9 @@
           </a:prstGeom>
         </p:spPr>
         <p:txBody>
-          <a:bodyPr anchorCtr="0" anchor="ctr" bIns="91425" lIns="91425" spcFirstLastPara="1" rIns="91425" wrap="square" tIns="91425"/>
+          <a:bodyPr spcFirstLastPara="1" wrap="square" lIns="91425" tIns="91425" rIns="91425" bIns="91425" anchor="ctr" anchorCtr="0"/>
           <a:lstStyle>
-            <a:lvl1pPr indent="-342900" lvl="0" marL="457200">
+            <a:lvl1pPr marL="457200" lvl="0" indent="-342900">
               <a:spcBef>
                 <a:spcPts val="0"/>
               </a:spcBef>
@@ -5040,7 +5144,7 @@
                 </a:solidFill>
               </a:defRPr>
             </a:lvl1pPr>
-            <a:lvl2pPr indent="-317500" lvl="1" marL="914400">
+            <a:lvl2pPr marL="914400" lvl="1" indent="-317500">
               <a:spcBef>
                 <a:spcPts val="1600"/>
               </a:spcBef>
@@ -5058,7 +5162,7 @@
                 </a:solidFill>
               </a:defRPr>
             </a:lvl2pPr>
-            <a:lvl3pPr indent="-317500" lvl="2" marL="1371600">
+            <a:lvl3pPr marL="1371600" lvl="2" indent="-317500">
               <a:spcBef>
                 <a:spcPts val="1600"/>
               </a:spcBef>
@@ -5076,7 +5180,7 @@
                 </a:solidFill>
               </a:defRPr>
             </a:lvl3pPr>
-            <a:lvl4pPr indent="-317500" lvl="3" marL="1828800">
+            <a:lvl4pPr marL="1828800" lvl="3" indent="-317500">
               <a:spcBef>
                 <a:spcPts val="1600"/>
               </a:spcBef>
@@ -5094,7 +5198,7 @@
                 </a:solidFill>
               </a:defRPr>
             </a:lvl4pPr>
-            <a:lvl5pPr indent="-317500" lvl="4" marL="2286000">
+            <a:lvl5pPr marL="2286000" lvl="4" indent="-317500">
               <a:spcBef>
                 <a:spcPts val="1600"/>
               </a:spcBef>
@@ -5112,7 +5216,7 @@
                 </a:solidFill>
               </a:defRPr>
             </a:lvl5pPr>
-            <a:lvl6pPr indent="-317500" lvl="5" marL="2743200">
+            <a:lvl6pPr marL="2743200" lvl="5" indent="-317500">
               <a:spcBef>
                 <a:spcPts val="1600"/>
               </a:spcBef>
@@ -5130,7 +5234,7 @@
                 </a:solidFill>
               </a:defRPr>
             </a:lvl6pPr>
-            <a:lvl7pPr indent="-317500" lvl="6" marL="3200400">
+            <a:lvl7pPr marL="3200400" lvl="6" indent="-317500">
               <a:spcBef>
                 <a:spcPts val="1600"/>
               </a:spcBef>
@@ -5148,7 +5252,7 @@
                 </a:solidFill>
               </a:defRPr>
             </a:lvl7pPr>
-            <a:lvl8pPr indent="-317500" lvl="7" marL="3657600">
+            <a:lvl8pPr marL="3657600" lvl="7" indent="-317500">
               <a:spcBef>
                 <a:spcPts val="1600"/>
               </a:spcBef>
@@ -5166,7 +5270,7 @@
                 </a:solidFill>
               </a:defRPr>
             </a:lvl8pPr>
-            <a:lvl9pPr indent="-317500" lvl="8" marL="4114800">
+            <a:lvl9pPr marL="4114800" lvl="8" indent="-317500">
               <a:spcBef>
                 <a:spcPts val="1600"/>
               </a:spcBef>
@@ -5185,15 +5289,19 @@
               </a:defRPr>
             </a:lvl9pPr>
           </a:lstStyle>
-          <a:p/>
+          <a:p>
+            <a:endParaRPr/>
+          </a:p>
         </p:txBody>
       </p:sp>
       <p:sp>
         <p:nvSpPr>
           <p:cNvPr id="52" name="Shape 52"/>
-          <p:cNvSpPr txBox="1"/>
+          <p:cNvSpPr txBox="1">
+            <a:spLocks noGrp="1"/>
+          </p:cNvSpPr>
           <p:nvPr>
-            <p:ph idx="12" type="sldNum"/>
+            <p:ph type="sldNum" idx="12"/>
           </p:nvPr>
         </p:nvSpPr>
         <p:spPr>
@@ -5206,7 +5314,7 @@
           </a:prstGeom>
         </p:spPr>
         <p:txBody>
-          <a:bodyPr anchorCtr="0" anchor="ctr" bIns="91425" lIns="91425" spcFirstLastPara="1" rIns="91425" wrap="square" tIns="91425">
+          <a:bodyPr spcFirstLastPara="1" wrap="square" lIns="91425" tIns="91425" rIns="91425" bIns="91425" anchor="ctr" anchorCtr="0">
             <a:noAutofit/>
           </a:bodyPr>
           <a:lstStyle>
@@ -5284,7 +5392,7 @@
             </a:lvl9pPr>
           </a:lstStyle>
           <a:p>
-            <a:pPr indent="0" lvl="0" marL="0">
+            <a:pPr marL="0" lvl="0" indent="0">
               <a:spcBef>
                 <a:spcPts val="0"/>
               </a:spcBef>
@@ -5310,11 +5418,11 @@
 </file>
 
 <file path=ppt/slideLayouts/slideLayout9.xml><?xml version="1.0" encoding="utf-8"?>
-<p:sldLayout xmlns:a="http://schemas.openxmlformats.org/drawingml/2006/main" xmlns:r="http://schemas.openxmlformats.org/officeDocument/2006/relationships" xmlns:mc="http://schemas.openxmlformats.org/markup-compatibility/2006" xmlns:mv="urn:schemas-microsoft-com:mac:vml" xmlns:p="http://schemas.openxmlformats.org/presentationml/2006/main" xmlns:c="http://schemas.openxmlformats.org/drawingml/2006/chart" xmlns:dgm="http://schemas.openxmlformats.org/drawingml/2006/diagram" xmlns:o="urn:schemas-microsoft-com:office:office" xmlns:v="urn:schemas-microsoft-com:vml" xmlns:pvml="urn:schemas-microsoft-com:office:powerpoint" xmlns:com="http://schemas.openxmlformats.org/drawingml/2006/compatibility" xmlns:p14="http://schemas.microsoft.com/office/powerpoint/2010/main" xmlns:p15="http://schemas.microsoft.com/office/powerpoint/2012/main" matchingName="Caption">
+<p:sldLayout xmlns:a="http://schemas.openxmlformats.org/drawingml/2006/main" xmlns:r="http://schemas.openxmlformats.org/officeDocument/2006/relationships" xmlns:p="http://schemas.openxmlformats.org/presentationml/2006/main" matchingName="Caption">
   <p:cSld name="CAPTION_ONLY">
     <p:spTree>
       <p:nvGrpSpPr>
-        <p:cNvPr id="53" name="Shape 53"/>
+        <p:cNvPr id="1" name="Shape 53"/>
         <p:cNvGrpSpPr/>
         <p:nvPr/>
       </p:nvGrpSpPr>
@@ -5329,9 +5437,11 @@
       <p:sp>
         <p:nvSpPr>
           <p:cNvPr id="54" name="Shape 54"/>
-          <p:cNvSpPr txBox="1"/>
+          <p:cNvSpPr txBox="1">
+            <a:spLocks noGrp="1"/>
+          </p:cNvSpPr>
           <p:nvPr>
-            <p:ph idx="1" type="body"/>
+            <p:ph type="body" idx="1"/>
           </p:nvPr>
         </p:nvSpPr>
         <p:spPr>
@@ -5344,9 +5454,9 @@
           </a:prstGeom>
         </p:spPr>
         <p:txBody>
-          <a:bodyPr anchorCtr="0" anchor="ctr" bIns="91425" lIns="91425" spcFirstLastPara="1" rIns="91425" wrap="square" tIns="91425"/>
+          <a:bodyPr spcFirstLastPara="1" wrap="square" lIns="91425" tIns="91425" rIns="91425" bIns="91425" anchor="ctr" anchorCtr="0"/>
           <a:lstStyle>
-            <a:lvl1pPr indent="-228600" lvl="0" marL="457200">
+            <a:lvl1pPr marL="457200" lvl="0" indent="-228600">
               <a:lnSpc>
                 <a:spcPct val="100000"/>
               </a:lnSpc>
@@ -5361,15 +5471,19 @@
               <a:defRPr/>
             </a:lvl1pPr>
           </a:lstStyle>
-          <a:p/>
+          <a:p>
+            <a:endParaRPr/>
+          </a:p>
         </p:txBody>
       </p:sp>
       <p:sp>
         <p:nvSpPr>
           <p:cNvPr id="55" name="Shape 55"/>
-          <p:cNvSpPr txBox="1"/>
+          <p:cNvSpPr txBox="1">
+            <a:spLocks noGrp="1"/>
+          </p:cNvSpPr>
           <p:nvPr>
-            <p:ph idx="12" type="sldNum"/>
+            <p:ph type="sldNum" idx="12"/>
           </p:nvPr>
         </p:nvSpPr>
         <p:spPr>
@@ -5382,7 +5496,7 @@
           </a:prstGeom>
         </p:spPr>
         <p:txBody>
-          <a:bodyPr anchorCtr="0" anchor="ctr" bIns="91425" lIns="91425" spcFirstLastPara="1" rIns="91425" wrap="square" tIns="91425">
+          <a:bodyPr spcFirstLastPara="1" wrap="square" lIns="91425" tIns="91425" rIns="91425" bIns="91425" anchor="ctr" anchorCtr="0">
             <a:noAutofit/>
           </a:bodyPr>
           <a:lstStyle>
@@ -5424,7 +5538,7 @@
             </a:lvl9pPr>
           </a:lstStyle>
           <a:p>
-            <a:pPr indent="0" lvl="0" marL="0">
+            <a:pPr marL="0" lvl="0" indent="0">
               <a:spcBef>
                 <a:spcPts val="0"/>
               </a:spcBef>
@@ -5450,18 +5564,19 @@
 </file>
 
 <file path=ppt/slideMasters/slideMaster1.xml><?xml version="1.0" encoding="utf-8"?>
-<p:sldMaster xmlns:a="http://schemas.openxmlformats.org/drawingml/2006/main" xmlns:r="http://schemas.openxmlformats.org/officeDocument/2006/relationships" xmlns:mc="http://schemas.openxmlformats.org/markup-compatibility/2006" xmlns:mv="urn:schemas-microsoft-com:mac:vml" xmlns:p="http://schemas.openxmlformats.org/presentationml/2006/main" xmlns:c="http://schemas.openxmlformats.org/drawingml/2006/chart" xmlns:dgm="http://schemas.openxmlformats.org/drawingml/2006/diagram" xmlns:o="urn:schemas-microsoft-com:office:office" xmlns:v="urn:schemas-microsoft-com:vml" xmlns:pvml="urn:schemas-microsoft-com:office:powerpoint" xmlns:com="http://schemas.openxmlformats.org/drawingml/2006/compatibility" xmlns:p14="http://schemas.microsoft.com/office/powerpoint/2010/main" xmlns:p15="http://schemas.microsoft.com/office/powerpoint/2012/main">
+<p:sldMaster xmlns:a="http://schemas.openxmlformats.org/drawingml/2006/main" xmlns:r="http://schemas.openxmlformats.org/officeDocument/2006/relationships" xmlns:p="http://schemas.openxmlformats.org/presentationml/2006/main">
   <p:cSld name="blue-gold">
     <p:bg>
       <p:bgPr>
         <a:solidFill>
           <a:schemeClr val="lt1"/>
         </a:solidFill>
+        <a:effectLst/>
       </p:bgPr>
     </p:bg>
     <p:spTree>
       <p:nvGrpSpPr>
-        <p:cNvPr id="5" name="Shape 5"/>
+        <p:cNvPr id="1" name="Shape 5"/>
         <p:cNvGrpSpPr/>
         <p:nvPr/>
       </p:nvGrpSpPr>
@@ -5476,7 +5591,9 @@
       <p:sp>
         <p:nvSpPr>
           <p:cNvPr id="6" name="Shape 6"/>
-          <p:cNvSpPr txBox="1"/>
+          <p:cNvSpPr txBox="1">
+            <a:spLocks noGrp="1"/>
+          </p:cNvSpPr>
           <p:nvPr>
             <p:ph type="title"/>
           </p:nvPr>
@@ -5495,7 +5612,7 @@
           </a:ln>
         </p:spPr>
         <p:txBody>
-          <a:bodyPr anchorCtr="0" anchor="t" bIns="91425" lIns="91425" spcFirstLastPara="1" rIns="91425" wrap="square" tIns="91425"/>
+          <a:bodyPr spcFirstLastPara="1" wrap="square" lIns="91425" tIns="91425" rIns="91425" bIns="91425" anchor="t" anchorCtr="0"/>
           <a:lstStyle>
             <a:lvl1pPr lvl="0">
               <a:spcBef>
@@ -5510,7 +5627,7 @@
               <a:buSzPts val="3200"/>
               <a:buFont typeface="Playfair Display"/>
               <a:buNone/>
-              <a:defRPr b="1" sz="3200">
+              <a:defRPr sz="3200" b="1">
                 <a:solidFill>
                   <a:schemeClr val="dk1"/>
                 </a:solidFill>
@@ -5533,7 +5650,7 @@
               <a:buSzPts val="3200"/>
               <a:buFont typeface="Playfair Display"/>
               <a:buNone/>
-              <a:defRPr b="1" sz="3200">
+              <a:defRPr sz="3200" b="1">
                 <a:solidFill>
                   <a:schemeClr val="dk1"/>
                 </a:solidFill>
@@ -5556,7 +5673,7 @@
               <a:buSzPts val="3200"/>
               <a:buFont typeface="Playfair Display"/>
               <a:buNone/>
-              <a:defRPr b="1" sz="3200">
+              <a:defRPr sz="3200" b="1">
                 <a:solidFill>
                   <a:schemeClr val="dk1"/>
                 </a:solidFill>
@@ -5579,7 +5696,7 @@
               <a:buSzPts val="3200"/>
               <a:buFont typeface="Playfair Display"/>
               <a:buNone/>
-              <a:defRPr b="1" sz="3200">
+              <a:defRPr sz="3200" b="1">
                 <a:solidFill>
                   <a:schemeClr val="dk1"/>
                 </a:solidFill>
@@ -5602,7 +5719,7 @@
               <a:buSzPts val="3200"/>
               <a:buFont typeface="Playfair Display"/>
               <a:buNone/>
-              <a:defRPr b="1" sz="3200">
+              <a:defRPr sz="3200" b="1">
                 <a:solidFill>
                   <a:schemeClr val="dk1"/>
                 </a:solidFill>
@@ -5625,7 +5742,7 @@
               <a:buSzPts val="3200"/>
               <a:buFont typeface="Playfair Display"/>
               <a:buNone/>
-              <a:defRPr b="1" sz="3200">
+              <a:defRPr sz="3200" b="1">
                 <a:solidFill>
                   <a:schemeClr val="dk1"/>
                 </a:solidFill>
@@ -5648,7 +5765,7 @@
               <a:buSzPts val="3200"/>
               <a:buFont typeface="Playfair Display"/>
               <a:buNone/>
-              <a:defRPr b="1" sz="3200">
+              <a:defRPr sz="3200" b="1">
                 <a:solidFill>
                   <a:schemeClr val="dk1"/>
                 </a:solidFill>
@@ -5671,7 +5788,7 @@
               <a:buSzPts val="3200"/>
               <a:buFont typeface="Playfair Display"/>
               <a:buNone/>
-              <a:defRPr b="1" sz="3200">
+              <a:defRPr sz="3200" b="1">
                 <a:solidFill>
                   <a:schemeClr val="dk1"/>
                 </a:solidFill>
@@ -5694,7 +5811,7 @@
               <a:buSzPts val="3200"/>
               <a:buFont typeface="Playfair Display"/>
               <a:buNone/>
-              <a:defRPr b="1" sz="3200">
+              <a:defRPr sz="3200" b="1">
                 <a:solidFill>
                   <a:schemeClr val="dk1"/>
                 </a:solidFill>
@@ -5705,15 +5822,19 @@
               </a:defRPr>
             </a:lvl9pPr>
           </a:lstStyle>
-          <a:p/>
+          <a:p>
+            <a:endParaRPr/>
+          </a:p>
         </p:txBody>
       </p:sp>
       <p:sp>
         <p:nvSpPr>
           <p:cNvPr id="7" name="Shape 7"/>
-          <p:cNvSpPr txBox="1"/>
+          <p:cNvSpPr txBox="1">
+            <a:spLocks noGrp="1"/>
+          </p:cNvSpPr>
           <p:nvPr>
-            <p:ph idx="1" type="body"/>
+            <p:ph type="body" idx="1"/>
           </p:nvPr>
         </p:nvSpPr>
         <p:spPr>
@@ -5730,9 +5851,9 @@
           </a:ln>
         </p:spPr>
         <p:txBody>
-          <a:bodyPr anchorCtr="0" anchor="t" bIns="91425" lIns="91425" spcFirstLastPara="1" rIns="91425" wrap="square" tIns="91425"/>
+          <a:bodyPr spcFirstLastPara="1" wrap="square" lIns="91425" tIns="91425" rIns="91425" bIns="91425" anchor="t" anchorCtr="0"/>
           <a:lstStyle>
-            <a:lvl1pPr indent="-342900" lvl="0" marL="457200">
+            <a:lvl1pPr marL="457200" lvl="0" indent="-342900">
               <a:lnSpc>
                 <a:spcPct val="115000"/>
               </a:lnSpc>
@@ -5758,7 +5879,7 @@
                 <a:sym typeface="Lato"/>
               </a:defRPr>
             </a:lvl1pPr>
-            <a:lvl2pPr indent="-317500" lvl="1" marL="914400">
+            <a:lvl2pPr marL="914400" lvl="1" indent="-317500">
               <a:lnSpc>
                 <a:spcPct val="115000"/>
               </a:lnSpc>
@@ -5784,7 +5905,7 @@
                 <a:sym typeface="Lato"/>
               </a:defRPr>
             </a:lvl2pPr>
-            <a:lvl3pPr indent="-317500" lvl="2" marL="1371600">
+            <a:lvl3pPr marL="1371600" lvl="2" indent="-317500">
               <a:lnSpc>
                 <a:spcPct val="115000"/>
               </a:lnSpc>
@@ -5810,7 +5931,7 @@
                 <a:sym typeface="Lato"/>
               </a:defRPr>
             </a:lvl3pPr>
-            <a:lvl4pPr indent="-317500" lvl="3" marL="1828800">
+            <a:lvl4pPr marL="1828800" lvl="3" indent="-317500">
               <a:lnSpc>
                 <a:spcPct val="115000"/>
               </a:lnSpc>
@@ -5836,7 +5957,7 @@
                 <a:sym typeface="Lato"/>
               </a:defRPr>
             </a:lvl4pPr>
-            <a:lvl5pPr indent="-317500" lvl="4" marL="2286000">
+            <a:lvl5pPr marL="2286000" lvl="4" indent="-317500">
               <a:lnSpc>
                 <a:spcPct val="115000"/>
               </a:lnSpc>
@@ -5862,7 +5983,7 @@
                 <a:sym typeface="Lato"/>
               </a:defRPr>
             </a:lvl5pPr>
-            <a:lvl6pPr indent="-317500" lvl="5" marL="2743200">
+            <a:lvl6pPr marL="2743200" lvl="5" indent="-317500">
               <a:lnSpc>
                 <a:spcPct val="115000"/>
               </a:lnSpc>
@@ -5888,7 +6009,7 @@
                 <a:sym typeface="Lato"/>
               </a:defRPr>
             </a:lvl6pPr>
-            <a:lvl7pPr indent="-317500" lvl="6" marL="3200400">
+            <a:lvl7pPr marL="3200400" lvl="6" indent="-317500">
               <a:lnSpc>
                 <a:spcPct val="115000"/>
               </a:lnSpc>
@@ -5914,7 +6035,7 @@
                 <a:sym typeface="Lato"/>
               </a:defRPr>
             </a:lvl7pPr>
-            <a:lvl8pPr indent="-317500" lvl="7" marL="3657600">
+            <a:lvl8pPr marL="3657600" lvl="7" indent="-317500">
               <a:lnSpc>
                 <a:spcPct val="115000"/>
               </a:lnSpc>
@@ -5940,7 +6061,7 @@
                 <a:sym typeface="Lato"/>
               </a:defRPr>
             </a:lvl8pPr>
-            <a:lvl9pPr indent="-317500" lvl="8" marL="4114800">
+            <a:lvl9pPr marL="4114800" lvl="8" indent="-317500">
               <a:lnSpc>
                 <a:spcPct val="115000"/>
               </a:lnSpc>
@@ -5967,15 +6088,19 @@
               </a:defRPr>
             </a:lvl9pPr>
           </a:lstStyle>
-          <a:p/>
+          <a:p>
+            <a:endParaRPr/>
+          </a:p>
         </p:txBody>
       </p:sp>
       <p:sp>
         <p:nvSpPr>
           <p:cNvPr id="8" name="Shape 8"/>
-          <p:cNvSpPr txBox="1"/>
+          <p:cNvSpPr txBox="1">
+            <a:spLocks noGrp="1"/>
+          </p:cNvSpPr>
           <p:nvPr>
-            <p:ph idx="12" type="sldNum"/>
+            <p:ph type="sldNum" idx="12"/>
           </p:nvPr>
         </p:nvSpPr>
         <p:spPr>
@@ -5992,7 +6117,7 @@
           </a:ln>
         </p:spPr>
         <p:txBody>
-          <a:bodyPr anchorCtr="0" anchor="ctr" bIns="91425" lIns="91425" spcFirstLastPara="1" rIns="91425" wrap="square" tIns="91425">
+          <a:bodyPr spcFirstLastPara="1" wrap="square" lIns="91425" tIns="91425" rIns="91425" bIns="91425" anchor="ctr" anchorCtr="0">
             <a:noAutofit/>
           </a:bodyPr>
           <a:lstStyle>
@@ -6106,7 +6231,7 @@
             </a:lvl9pPr>
           </a:lstStyle>
           <a:p>
-            <a:pPr indent="0" lvl="0" marL="0">
+            <a:pPr marL="0" lvl="0" indent="0">
               <a:spcBef>
                 <a:spcPts val="0"/>
               </a:spcBef>
@@ -6125,7 +6250,7 @@
       </p:sp>
     </p:spTree>
   </p:cSld>
-  <p:clrMap accent1="accent1" accent2="accent2" accent3="accent3" accent4="accent4" accent5="accent5" accent6="accent6" bg1="lt1" bg2="dk2" tx1="dk1" tx2="lt2" folHlink="folHlink" hlink="hlink"/>
+  <p:clrMap bg1="lt1" tx1="dk1" bg2="dk2" tx2="lt2" accent1="accent1" accent2="accent2" accent3="accent3" accent4="accent4" accent5="accent5" accent6="accent6" hlink="hlink" folHlink="folHlink"/>
   <p:sldLayoutIdLst>
     <p:sldLayoutId id="2147483648" r:id="rId1"/>
     <p:sldLayoutId id="2147483649" r:id="rId2"/>
@@ -6139,10 +6264,10 @@
     <p:sldLayoutId id="2147483657" r:id="rId10"/>
     <p:sldLayoutId id="2147483658" r:id="rId11"/>
   </p:sldLayoutIdLst>
-  <p:hf dt="0" ftr="0" hdr="0" sldNum="0"/>
+  <p:hf sldNum="0" hdr="0" ftr="0" dt="0"/>
   <p:txStyles>
     <p:titleStyle>
-      <a:defPPr lvl="0" marR="0" rtl="0" algn="l">
+      <a:defPPr marR="0" lvl="0" algn="l" rtl="0">
         <a:lnSpc>
           <a:spcPct val="100000"/>
         </a:lnSpc>
@@ -6153,7 +6278,7 @@
           <a:spcPts val="0"/>
         </a:spcAft>
       </a:defPPr>
-      <a:lvl1pPr lvl="0" marR="0" rtl="0" algn="l">
+      <a:lvl1pPr marR="0" lvl="0" algn="l" rtl="0">
         <a:lnSpc>
           <a:spcPct val="100000"/>
         </a:lnSpc>
@@ -6167,7 +6292,7 @@
           <a:srgbClr val="000000"/>
         </a:buClr>
         <a:buFont typeface="Arial"/>
-        <a:defRPr b="0" i="0" sz="1400" u="none" cap="none" strike="noStrike">
+        <a:defRPr sz="1400" b="0" i="0" u="none" strike="noStrike" cap="none">
           <a:solidFill>
             <a:srgbClr val="000000"/>
           </a:solidFill>
@@ -6177,7 +6302,7 @@
           <a:sym typeface="Arial"/>
         </a:defRPr>
       </a:lvl1pPr>
-      <a:lvl2pPr lvl="1" marR="0" rtl="0" algn="l">
+      <a:lvl2pPr marR="0" lvl="1" algn="l" rtl="0">
         <a:lnSpc>
           <a:spcPct val="100000"/>
         </a:lnSpc>
@@ -6191,7 +6316,7 @@
           <a:srgbClr val="000000"/>
         </a:buClr>
         <a:buFont typeface="Arial"/>
-        <a:defRPr b="0" i="0" sz="1400" u="none" cap="none" strike="noStrike">
+        <a:defRPr sz="1400" b="0" i="0" u="none" strike="noStrike" cap="none">
           <a:solidFill>
             <a:srgbClr val="000000"/>
           </a:solidFill>
@@ -6201,7 +6326,7 @@
           <a:sym typeface="Arial"/>
         </a:defRPr>
       </a:lvl2pPr>
-      <a:lvl3pPr lvl="2" marR="0" rtl="0" algn="l">
+      <a:lvl3pPr marR="0" lvl="2" algn="l" rtl="0">
         <a:lnSpc>
           <a:spcPct val="100000"/>
         </a:lnSpc>
@@ -6215,7 +6340,7 @@
           <a:srgbClr val="000000"/>
         </a:buClr>
         <a:buFont typeface="Arial"/>
-        <a:defRPr b="0" i="0" sz="1400" u="none" cap="none" strike="noStrike">
+        <a:defRPr sz="1400" b="0" i="0" u="none" strike="noStrike" cap="none">
           <a:solidFill>
             <a:srgbClr val="000000"/>
           </a:solidFill>
@@ -6225,7 +6350,7 @@
           <a:sym typeface="Arial"/>
         </a:defRPr>
       </a:lvl3pPr>
-      <a:lvl4pPr lvl="3" marR="0" rtl="0" algn="l">
+      <a:lvl4pPr marR="0" lvl="3" algn="l" rtl="0">
         <a:lnSpc>
           <a:spcPct val="100000"/>
         </a:lnSpc>
@@ -6239,7 +6364,7 @@
           <a:srgbClr val="000000"/>
         </a:buClr>
         <a:buFont typeface="Arial"/>
-        <a:defRPr b="0" i="0" sz="1400" u="none" cap="none" strike="noStrike">
+        <a:defRPr sz="1400" b="0" i="0" u="none" strike="noStrike" cap="none">
           <a:solidFill>
             <a:srgbClr val="000000"/>
           </a:solidFill>
@@ -6249,7 +6374,7 @@
           <a:sym typeface="Arial"/>
         </a:defRPr>
       </a:lvl4pPr>
-      <a:lvl5pPr lvl="4" marR="0" rtl="0" algn="l">
+      <a:lvl5pPr marR="0" lvl="4" algn="l" rtl="0">
         <a:lnSpc>
           <a:spcPct val="100000"/>
         </a:lnSpc>
@@ -6263,7 +6388,7 @@
           <a:srgbClr val="000000"/>
         </a:buClr>
         <a:buFont typeface="Arial"/>
-        <a:defRPr b="0" i="0" sz="1400" u="none" cap="none" strike="noStrike">
+        <a:defRPr sz="1400" b="0" i="0" u="none" strike="noStrike" cap="none">
           <a:solidFill>
             <a:srgbClr val="000000"/>
           </a:solidFill>
@@ -6273,7 +6398,7 @@
           <a:sym typeface="Arial"/>
         </a:defRPr>
       </a:lvl5pPr>
-      <a:lvl6pPr lvl="5" marR="0" rtl="0" algn="l">
+      <a:lvl6pPr marR="0" lvl="5" algn="l" rtl="0">
         <a:lnSpc>
           <a:spcPct val="100000"/>
         </a:lnSpc>
@@ -6287,7 +6412,7 @@
           <a:srgbClr val="000000"/>
         </a:buClr>
         <a:buFont typeface="Arial"/>
-        <a:defRPr b="0" i="0" sz="1400" u="none" cap="none" strike="noStrike">
+        <a:defRPr sz="1400" b="0" i="0" u="none" strike="noStrike" cap="none">
           <a:solidFill>
             <a:srgbClr val="000000"/>
           </a:solidFill>
@@ -6297,7 +6422,7 @@
           <a:sym typeface="Arial"/>
         </a:defRPr>
       </a:lvl6pPr>
-      <a:lvl7pPr lvl="6" marR="0" rtl="0" algn="l">
+      <a:lvl7pPr marR="0" lvl="6" algn="l" rtl="0">
         <a:lnSpc>
           <a:spcPct val="100000"/>
         </a:lnSpc>
@@ -6311,7 +6436,7 @@
           <a:srgbClr val="000000"/>
         </a:buClr>
         <a:buFont typeface="Arial"/>
-        <a:defRPr b="0" i="0" sz="1400" u="none" cap="none" strike="noStrike">
+        <a:defRPr sz="1400" b="0" i="0" u="none" strike="noStrike" cap="none">
           <a:solidFill>
             <a:srgbClr val="000000"/>
           </a:solidFill>
@@ -6321,7 +6446,7 @@
           <a:sym typeface="Arial"/>
         </a:defRPr>
       </a:lvl7pPr>
-      <a:lvl8pPr lvl="7" marR="0" rtl="0" algn="l">
+      <a:lvl8pPr marR="0" lvl="7" algn="l" rtl="0">
         <a:lnSpc>
           <a:spcPct val="100000"/>
         </a:lnSpc>
@@ -6335,7 +6460,7 @@
           <a:srgbClr val="000000"/>
         </a:buClr>
         <a:buFont typeface="Arial"/>
-        <a:defRPr b="0" i="0" sz="1400" u="none" cap="none" strike="noStrike">
+        <a:defRPr sz="1400" b="0" i="0" u="none" strike="noStrike" cap="none">
           <a:solidFill>
             <a:srgbClr val="000000"/>
           </a:solidFill>
@@ -6345,7 +6470,7 @@
           <a:sym typeface="Arial"/>
         </a:defRPr>
       </a:lvl8pPr>
-      <a:lvl9pPr lvl="8" marR="0" rtl="0" algn="l">
+      <a:lvl9pPr marR="0" lvl="8" algn="l" rtl="0">
         <a:lnSpc>
           <a:spcPct val="100000"/>
         </a:lnSpc>
@@ -6359,7 +6484,7 @@
           <a:srgbClr val="000000"/>
         </a:buClr>
         <a:buFont typeface="Arial"/>
-        <a:defRPr b="0" i="0" sz="1400" u="none" cap="none" strike="noStrike">
+        <a:defRPr sz="1400" b="0" i="0" u="none" strike="noStrike" cap="none">
           <a:solidFill>
             <a:srgbClr val="000000"/>
           </a:solidFill>
@@ -6371,7 +6496,7 @@
       </a:lvl9pPr>
     </p:titleStyle>
     <p:bodyStyle>
-      <a:defPPr lvl="0" marR="0" rtl="0" algn="l">
+      <a:defPPr marR="0" lvl="0" algn="l" rtl="0">
         <a:lnSpc>
           <a:spcPct val="100000"/>
         </a:lnSpc>
@@ -6382,7 +6507,7 @@
           <a:spcPts val="0"/>
         </a:spcAft>
       </a:defPPr>
-      <a:lvl1pPr lvl="0" marR="0" rtl="0" algn="l">
+      <a:lvl1pPr marR="0" lvl="0" algn="l" rtl="0">
         <a:lnSpc>
           <a:spcPct val="100000"/>
         </a:lnSpc>
@@ -6396,7 +6521,7 @@
           <a:srgbClr val="000000"/>
         </a:buClr>
         <a:buFont typeface="Arial"/>
-        <a:defRPr b="0" i="0" sz="1400" u="none" cap="none" strike="noStrike">
+        <a:defRPr sz="1400" b="0" i="0" u="none" strike="noStrike" cap="none">
           <a:solidFill>
             <a:srgbClr val="000000"/>
           </a:solidFill>
@@ -6406,7 +6531,7 @@
           <a:sym typeface="Arial"/>
         </a:defRPr>
       </a:lvl1pPr>
-      <a:lvl2pPr lvl="1" marR="0" rtl="0" algn="l">
+      <a:lvl2pPr marR="0" lvl="1" algn="l" rtl="0">
         <a:lnSpc>
           <a:spcPct val="100000"/>
         </a:lnSpc>
@@ -6420,7 +6545,7 @@
           <a:srgbClr val="000000"/>
         </a:buClr>
         <a:buFont typeface="Arial"/>
-        <a:defRPr b="0" i="0" sz="1400" u="none" cap="none" strike="noStrike">
+        <a:defRPr sz="1400" b="0" i="0" u="none" strike="noStrike" cap="none">
           <a:solidFill>
             <a:srgbClr val="000000"/>
           </a:solidFill>
@@ -6430,7 +6555,7 @@
           <a:sym typeface="Arial"/>
         </a:defRPr>
       </a:lvl2pPr>
-      <a:lvl3pPr lvl="2" marR="0" rtl="0" algn="l">
+      <a:lvl3pPr marR="0" lvl="2" algn="l" rtl="0">
         <a:lnSpc>
           <a:spcPct val="100000"/>
         </a:lnSpc>
@@ -6444,7 +6569,7 @@
           <a:srgbClr val="000000"/>
         </a:buClr>
         <a:buFont typeface="Arial"/>
-        <a:defRPr b="0" i="0" sz="1400" u="none" cap="none" strike="noStrike">
+        <a:defRPr sz="1400" b="0" i="0" u="none" strike="noStrike" cap="none">
           <a:solidFill>
             <a:srgbClr val="000000"/>
           </a:solidFill>
@@ -6454,7 +6579,7 @@
           <a:sym typeface="Arial"/>
         </a:defRPr>
       </a:lvl3pPr>
-      <a:lvl4pPr lvl="3" marR="0" rtl="0" algn="l">
+      <a:lvl4pPr marR="0" lvl="3" algn="l" rtl="0">
         <a:lnSpc>
           <a:spcPct val="100000"/>
         </a:lnSpc>
@@ -6468,7 +6593,7 @@
           <a:srgbClr val="000000"/>
         </a:buClr>
         <a:buFont typeface="Arial"/>
-        <a:defRPr b="0" i="0" sz="1400" u="none" cap="none" strike="noStrike">
+        <a:defRPr sz="1400" b="0" i="0" u="none" strike="noStrike" cap="none">
           <a:solidFill>
             <a:srgbClr val="000000"/>
           </a:solidFill>
@@ -6478,7 +6603,7 @@
           <a:sym typeface="Arial"/>
         </a:defRPr>
       </a:lvl4pPr>
-      <a:lvl5pPr lvl="4" marR="0" rtl="0" algn="l">
+      <a:lvl5pPr marR="0" lvl="4" algn="l" rtl="0">
         <a:lnSpc>
           <a:spcPct val="100000"/>
         </a:lnSpc>
@@ -6492,7 +6617,7 @@
           <a:srgbClr val="000000"/>
         </a:buClr>
         <a:buFont typeface="Arial"/>
-        <a:defRPr b="0" i="0" sz="1400" u="none" cap="none" strike="noStrike">
+        <a:defRPr sz="1400" b="0" i="0" u="none" strike="noStrike" cap="none">
           <a:solidFill>
             <a:srgbClr val="000000"/>
           </a:solidFill>
@@ -6502,7 +6627,7 @@
           <a:sym typeface="Arial"/>
         </a:defRPr>
       </a:lvl5pPr>
-      <a:lvl6pPr lvl="5" marR="0" rtl="0" algn="l">
+      <a:lvl6pPr marR="0" lvl="5" algn="l" rtl="0">
         <a:lnSpc>
           <a:spcPct val="100000"/>
         </a:lnSpc>
@@ -6516,7 +6641,7 @@
           <a:srgbClr val="000000"/>
         </a:buClr>
         <a:buFont typeface="Arial"/>
-        <a:defRPr b="0" i="0" sz="1400" u="none" cap="none" strike="noStrike">
+        <a:defRPr sz="1400" b="0" i="0" u="none" strike="noStrike" cap="none">
           <a:solidFill>
             <a:srgbClr val="000000"/>
           </a:solidFill>
@@ -6526,7 +6651,7 @@
           <a:sym typeface="Arial"/>
         </a:defRPr>
       </a:lvl6pPr>
-      <a:lvl7pPr lvl="6" marR="0" rtl="0" algn="l">
+      <a:lvl7pPr marR="0" lvl="6" algn="l" rtl="0">
         <a:lnSpc>
           <a:spcPct val="100000"/>
         </a:lnSpc>
@@ -6540,7 +6665,7 @@
           <a:srgbClr val="000000"/>
         </a:buClr>
         <a:buFont typeface="Arial"/>
-        <a:defRPr b="0" i="0" sz="1400" u="none" cap="none" strike="noStrike">
+        <a:defRPr sz="1400" b="0" i="0" u="none" strike="noStrike" cap="none">
           <a:solidFill>
             <a:srgbClr val="000000"/>
           </a:solidFill>
@@ -6550,7 +6675,7 @@
           <a:sym typeface="Arial"/>
         </a:defRPr>
       </a:lvl7pPr>
-      <a:lvl8pPr lvl="7" marR="0" rtl="0" algn="l">
+      <a:lvl8pPr marR="0" lvl="7" algn="l" rtl="0">
         <a:lnSpc>
           <a:spcPct val="100000"/>
         </a:lnSpc>
@@ -6564,7 +6689,7 @@
           <a:srgbClr val="000000"/>
         </a:buClr>
         <a:buFont typeface="Arial"/>
-        <a:defRPr b="0" i="0" sz="1400" u="none" cap="none" strike="noStrike">
+        <a:defRPr sz="1400" b="0" i="0" u="none" strike="noStrike" cap="none">
           <a:solidFill>
             <a:srgbClr val="000000"/>
           </a:solidFill>
@@ -6574,7 +6699,7 @@
           <a:sym typeface="Arial"/>
         </a:defRPr>
       </a:lvl8pPr>
-      <a:lvl9pPr lvl="8" marR="0" rtl="0" algn="l">
+      <a:lvl9pPr marR="0" lvl="8" algn="l" rtl="0">
         <a:lnSpc>
           <a:spcPct val="100000"/>
         </a:lnSpc>
@@ -6588,7 +6713,7 @@
           <a:srgbClr val="000000"/>
         </a:buClr>
         <a:buFont typeface="Arial"/>
-        <a:defRPr b="0" i="0" sz="1400" u="none" cap="none" strike="noStrike">
+        <a:defRPr sz="1400" b="0" i="0" u="none" strike="noStrike" cap="none">
           <a:solidFill>
             <a:srgbClr val="000000"/>
           </a:solidFill>
@@ -6600,7 +6725,7 @@
       </a:lvl9pPr>
     </p:bodyStyle>
     <p:otherStyle>
-      <a:defPPr lvl="0" marR="0" rtl="0" algn="l">
+      <a:defPPr marR="0" lvl="0" algn="l" rtl="0">
         <a:lnSpc>
           <a:spcPct val="100000"/>
         </a:lnSpc>
@@ -6611,7 +6736,7 @@
           <a:spcPts val="0"/>
         </a:spcAft>
       </a:defPPr>
-      <a:lvl1pPr lvl="0" marR="0" rtl="0" algn="l">
+      <a:lvl1pPr marR="0" lvl="0" algn="l" rtl="0">
         <a:lnSpc>
           <a:spcPct val="100000"/>
         </a:lnSpc>
@@ -6625,7 +6750,7 @@
           <a:srgbClr val="000000"/>
         </a:buClr>
         <a:buFont typeface="Arial"/>
-        <a:defRPr b="0" i="0" sz="1400" u="none" cap="none" strike="noStrike">
+        <a:defRPr sz="1400" b="0" i="0" u="none" strike="noStrike" cap="none">
           <a:solidFill>
             <a:srgbClr val="000000"/>
           </a:solidFill>
@@ -6635,7 +6760,7 @@
           <a:sym typeface="Arial"/>
         </a:defRPr>
       </a:lvl1pPr>
-      <a:lvl2pPr lvl="1" marR="0" rtl="0" algn="l">
+      <a:lvl2pPr marR="0" lvl="1" algn="l" rtl="0">
         <a:lnSpc>
           <a:spcPct val="100000"/>
         </a:lnSpc>
@@ -6649,7 +6774,7 @@
           <a:srgbClr val="000000"/>
         </a:buClr>
         <a:buFont typeface="Arial"/>
-        <a:defRPr b="0" i="0" sz="1400" u="none" cap="none" strike="noStrike">
+        <a:defRPr sz="1400" b="0" i="0" u="none" strike="noStrike" cap="none">
           <a:solidFill>
             <a:srgbClr val="000000"/>
           </a:solidFill>
@@ -6659,7 +6784,7 @@
           <a:sym typeface="Arial"/>
         </a:defRPr>
       </a:lvl2pPr>
-      <a:lvl3pPr lvl="2" marR="0" rtl="0" algn="l">
+      <a:lvl3pPr marR="0" lvl="2" algn="l" rtl="0">
         <a:lnSpc>
           <a:spcPct val="100000"/>
         </a:lnSpc>
@@ -6673,7 +6798,7 @@
           <a:srgbClr val="000000"/>
         </a:buClr>
         <a:buFont typeface="Arial"/>
-        <a:defRPr b="0" i="0" sz="1400" u="none" cap="none" strike="noStrike">
+        <a:defRPr sz="1400" b="0" i="0" u="none" strike="noStrike" cap="none">
           <a:solidFill>
             <a:srgbClr val="000000"/>
           </a:solidFill>
@@ -6683,7 +6808,7 @@
           <a:sym typeface="Arial"/>
         </a:defRPr>
       </a:lvl3pPr>
-      <a:lvl4pPr lvl="3" marR="0" rtl="0" algn="l">
+      <a:lvl4pPr marR="0" lvl="3" algn="l" rtl="0">
         <a:lnSpc>
           <a:spcPct val="100000"/>
         </a:lnSpc>
@@ -6697,7 +6822,7 @@
           <a:srgbClr val="000000"/>
         </a:buClr>
         <a:buFont typeface="Arial"/>
-        <a:defRPr b="0" i="0" sz="1400" u="none" cap="none" strike="noStrike">
+        <a:defRPr sz="1400" b="0" i="0" u="none" strike="noStrike" cap="none">
           <a:solidFill>
             <a:srgbClr val="000000"/>
           </a:solidFill>
@@ -6707,7 +6832,7 @@
           <a:sym typeface="Arial"/>
         </a:defRPr>
       </a:lvl4pPr>
-      <a:lvl5pPr lvl="4" marR="0" rtl="0" algn="l">
+      <a:lvl5pPr marR="0" lvl="4" algn="l" rtl="0">
         <a:lnSpc>
           <a:spcPct val="100000"/>
         </a:lnSpc>
@@ -6721,7 +6846,7 @@
           <a:srgbClr val="000000"/>
         </a:buClr>
         <a:buFont typeface="Arial"/>
-        <a:defRPr b="0" i="0" sz="1400" u="none" cap="none" strike="noStrike">
+        <a:defRPr sz="1400" b="0" i="0" u="none" strike="noStrike" cap="none">
           <a:solidFill>
             <a:srgbClr val="000000"/>
           </a:solidFill>
@@ -6731,7 +6856,7 @@
           <a:sym typeface="Arial"/>
         </a:defRPr>
       </a:lvl5pPr>
-      <a:lvl6pPr lvl="5" marR="0" rtl="0" algn="l">
+      <a:lvl6pPr marR="0" lvl="5" algn="l" rtl="0">
         <a:lnSpc>
           <a:spcPct val="100000"/>
         </a:lnSpc>
@@ -6745,7 +6870,7 @@
           <a:srgbClr val="000000"/>
         </a:buClr>
         <a:buFont typeface="Arial"/>
-        <a:defRPr b="0" i="0" sz="1400" u="none" cap="none" strike="noStrike">
+        <a:defRPr sz="1400" b="0" i="0" u="none" strike="noStrike" cap="none">
           <a:solidFill>
             <a:srgbClr val="000000"/>
           </a:solidFill>
@@ -6755,7 +6880,7 @@
           <a:sym typeface="Arial"/>
         </a:defRPr>
       </a:lvl6pPr>
-      <a:lvl7pPr lvl="6" marR="0" rtl="0" algn="l">
+      <a:lvl7pPr marR="0" lvl="6" algn="l" rtl="0">
         <a:lnSpc>
           <a:spcPct val="100000"/>
         </a:lnSpc>
@@ -6769,7 +6894,7 @@
           <a:srgbClr val="000000"/>
         </a:buClr>
         <a:buFont typeface="Arial"/>
-        <a:defRPr b="0" i="0" sz="1400" u="none" cap="none" strike="noStrike">
+        <a:defRPr sz="1400" b="0" i="0" u="none" strike="noStrike" cap="none">
           <a:solidFill>
             <a:srgbClr val="000000"/>
           </a:solidFill>
@@ -6779,7 +6904,7 @@
           <a:sym typeface="Arial"/>
         </a:defRPr>
       </a:lvl7pPr>
-      <a:lvl8pPr lvl="7" marR="0" rtl="0" algn="l">
+      <a:lvl8pPr marR="0" lvl="7" algn="l" rtl="0">
         <a:lnSpc>
           <a:spcPct val="100000"/>
         </a:lnSpc>
@@ -6793,7 +6918,7 @@
           <a:srgbClr val="000000"/>
         </a:buClr>
         <a:buFont typeface="Arial"/>
-        <a:defRPr b="0" i="0" sz="1400" u="none" cap="none" strike="noStrike">
+        <a:defRPr sz="1400" b="0" i="0" u="none" strike="noStrike" cap="none">
           <a:solidFill>
             <a:srgbClr val="000000"/>
           </a:solidFill>
@@ -6803,7 +6928,7 @@
           <a:sym typeface="Arial"/>
         </a:defRPr>
       </a:lvl8pPr>
-      <a:lvl9pPr lvl="8" marR="0" rtl="0" algn="l">
+      <a:lvl9pPr marR="0" lvl="8" algn="l" rtl="0">
         <a:lnSpc>
           <a:spcPct val="100000"/>
         </a:lnSpc>
@@ -6817,7 +6942,7 @@
           <a:srgbClr val="000000"/>
         </a:buClr>
         <a:buFont typeface="Arial"/>
-        <a:defRPr b="0" i="0" sz="1400" u="none" cap="none" strike="noStrike">
+        <a:defRPr sz="1400" b="0" i="0" u="none" strike="noStrike" cap="none">
           <a:solidFill>
             <a:srgbClr val="000000"/>
           </a:solidFill>
@@ -6833,11 +6958,11 @@
 </file>
 
 <file path=ppt/slides/slide1.xml><?xml version="1.0" encoding="utf-8"?>
-<p:sld xmlns:a="http://schemas.openxmlformats.org/drawingml/2006/main" xmlns:r="http://schemas.openxmlformats.org/officeDocument/2006/relationships" xmlns:mc="http://schemas.openxmlformats.org/markup-compatibility/2006" xmlns:mv="urn:schemas-microsoft-com:mac:vml" xmlns:p="http://schemas.openxmlformats.org/presentationml/2006/main" xmlns:c="http://schemas.openxmlformats.org/drawingml/2006/chart" xmlns:dgm="http://schemas.openxmlformats.org/drawingml/2006/diagram" xmlns:o="urn:schemas-microsoft-com:office:office" xmlns:v="urn:schemas-microsoft-com:vml" xmlns:pvml="urn:schemas-microsoft-com:office:powerpoint" xmlns:com="http://schemas.openxmlformats.org/drawingml/2006/compatibility" xmlns:p14="http://schemas.microsoft.com/office/powerpoint/2010/main" xmlns:p15="http://schemas.microsoft.com/office/powerpoint/2012/main">
+<p:sld xmlns:a="http://schemas.openxmlformats.org/drawingml/2006/main" xmlns:r="http://schemas.openxmlformats.org/officeDocument/2006/relationships" xmlns:p="http://schemas.openxmlformats.org/presentationml/2006/main">
   <p:cSld>
     <p:spTree>
       <p:nvGrpSpPr>
-        <p:cNvPr id="67" name="Shape 67"/>
+        <p:cNvPr id="1" name="Shape 67"/>
         <p:cNvGrpSpPr/>
         <p:nvPr/>
       </p:nvGrpSpPr>
@@ -6852,7 +6977,9 @@
       <p:sp>
         <p:nvSpPr>
           <p:cNvPr id="68" name="Shape 68"/>
-          <p:cNvSpPr txBox="1"/>
+          <p:cNvSpPr txBox="1">
+            <a:spLocks noGrp="1"/>
+          </p:cNvSpPr>
           <p:nvPr>
             <p:ph type="ctrTitle"/>
           </p:nvPr>
@@ -6867,12 +6994,12 @@
           </a:prstGeom>
         </p:spPr>
         <p:txBody>
-          <a:bodyPr anchorCtr="0" anchor="b" bIns="91425" lIns="91425" spcFirstLastPara="1" rIns="91425" wrap="square" tIns="91425">
+          <a:bodyPr spcFirstLastPara="1" wrap="square" lIns="91425" tIns="91425" rIns="91425" bIns="91425" anchor="b" anchorCtr="0">
             <a:noAutofit/>
           </a:bodyPr>
           <a:lstStyle/>
           <a:p>
-            <a:pPr indent="0" lvl="0" marL="0">
+            <a:pPr marL="0" lvl="0" indent="0">
               <a:spcBef>
                 <a:spcPts val="1000"/>
               </a:spcBef>
@@ -6882,24 +7009,26 @@
               <a:buNone/>
             </a:pPr>
             <a:r>
-              <a:rPr lang="en" sz="6500"/>
-              <a:t>Our Cool App</a:t>
+              <a:rPr lang="en" sz="6500" dirty="0"/>
+              <a:t>Contact Manager</a:t>
             </a:r>
-            <a:endParaRPr sz="6500"/>
+            <a:endParaRPr sz="6500" dirty="0"/>
           </a:p>
         </p:txBody>
       </p:sp>
       <p:sp>
         <p:nvSpPr>
           <p:cNvPr id="69" name="Shape 69"/>
-          <p:cNvSpPr txBox="1"/>
+          <p:cNvSpPr txBox="1">
+            <a:spLocks noGrp="1"/>
+          </p:cNvSpPr>
           <p:nvPr>
-            <p:ph idx="1" type="subTitle"/>
+            <p:ph type="subTitle" idx="1"/>
           </p:nvPr>
         </p:nvSpPr>
         <p:spPr>
           <a:xfrm>
-            <a:off x="2627725" y="3682400"/>
+            <a:off x="2950918" y="3712268"/>
             <a:ext cx="4430400" cy="792600"/>
           </a:xfrm>
           <a:prstGeom prst="rect">
@@ -6907,12 +7036,12 @@
           </a:prstGeom>
         </p:spPr>
         <p:txBody>
-          <a:bodyPr anchorCtr="0" anchor="b" bIns="91425" lIns="91425" spcFirstLastPara="1" rIns="91425" wrap="square" tIns="91425">
+          <a:bodyPr spcFirstLastPara="1" wrap="square" lIns="91425" tIns="91425" rIns="91425" bIns="91425" anchor="b" anchorCtr="0">
             <a:noAutofit/>
           </a:bodyPr>
           <a:lstStyle/>
           <a:p>
-            <a:pPr indent="0" lvl="0" marL="0">
+            <a:pPr marL="0" lvl="0" indent="0" algn="r">
               <a:spcBef>
                 <a:spcPts val="1000"/>
               </a:spcBef>
@@ -6922,10 +7051,10 @@
               <a:buNone/>
             </a:pPr>
             <a:r>
-              <a:rPr lang="en" sz="3000"/>
+              <a:rPr lang="en" sz="3000" dirty="0"/>
               <a:t>A Group 5 Presentation</a:t>
             </a:r>
-            <a:endParaRPr sz="3000"/>
+            <a:endParaRPr sz="3000" dirty="0"/>
           </a:p>
         </p:txBody>
       </p:sp>
@@ -6938,11 +7067,11 @@
 </file>
 
 <file path=ppt/slides/slide2.xml><?xml version="1.0" encoding="utf-8"?>
-<p:sld xmlns:a="http://schemas.openxmlformats.org/drawingml/2006/main" xmlns:r="http://schemas.openxmlformats.org/officeDocument/2006/relationships" xmlns:mc="http://schemas.openxmlformats.org/markup-compatibility/2006" xmlns:mv="urn:schemas-microsoft-com:mac:vml" xmlns:p="http://schemas.openxmlformats.org/presentationml/2006/main" xmlns:c="http://schemas.openxmlformats.org/drawingml/2006/chart" xmlns:dgm="http://schemas.openxmlformats.org/drawingml/2006/diagram" xmlns:o="urn:schemas-microsoft-com:office:office" xmlns:v="urn:schemas-microsoft-com:vml" xmlns:pvml="urn:schemas-microsoft-com:office:powerpoint" xmlns:com="http://schemas.openxmlformats.org/drawingml/2006/compatibility" xmlns:p14="http://schemas.microsoft.com/office/powerpoint/2010/main" xmlns:p15="http://schemas.microsoft.com/office/powerpoint/2012/main">
+<p:sld xmlns:a="http://schemas.openxmlformats.org/drawingml/2006/main" xmlns:r="http://schemas.openxmlformats.org/officeDocument/2006/relationships" xmlns:p="http://schemas.openxmlformats.org/presentationml/2006/main">
   <p:cSld>
     <p:spTree>
       <p:nvGrpSpPr>
-        <p:cNvPr id="73" name="Shape 73"/>
+        <p:cNvPr id="1" name="Shape 73"/>
         <p:cNvGrpSpPr/>
         <p:nvPr/>
       </p:nvGrpSpPr>
@@ -6957,7 +7086,9 @@
       <p:sp>
         <p:nvSpPr>
           <p:cNvPr id="74" name="Shape 74"/>
-          <p:cNvSpPr txBox="1"/>
+          <p:cNvSpPr txBox="1">
+            <a:spLocks noGrp="1"/>
+          </p:cNvSpPr>
           <p:nvPr>
             <p:ph type="title"/>
           </p:nvPr>
@@ -6972,12 +7103,12 @@
           </a:prstGeom>
         </p:spPr>
         <p:txBody>
-          <a:bodyPr anchorCtr="0" anchor="t" bIns="91425" lIns="91425" spcFirstLastPara="1" rIns="91425" wrap="square" tIns="91425">
+          <a:bodyPr spcFirstLastPara="1" wrap="square" lIns="91425" tIns="91425" rIns="91425" bIns="91425" anchor="t" anchorCtr="0">
             <a:noAutofit/>
           </a:bodyPr>
           <a:lstStyle/>
           <a:p>
-            <a:pPr indent="0" lvl="0" marL="0" algn="ctr">
+            <a:pPr marL="0" lvl="0" indent="0" algn="ctr">
               <a:spcBef>
                 <a:spcPts val="0"/>
               </a:spcBef>
@@ -6997,9 +7128,11 @@
       <p:sp>
         <p:nvSpPr>
           <p:cNvPr id="75" name="Shape 75"/>
-          <p:cNvSpPr txBox="1"/>
+          <p:cNvSpPr txBox="1">
+            <a:spLocks noGrp="1"/>
+          </p:cNvSpPr>
           <p:nvPr>
-            <p:ph idx="1" type="body"/>
+            <p:ph type="body" idx="1"/>
           </p:nvPr>
         </p:nvSpPr>
         <p:spPr>
@@ -7012,12 +7145,12 @@
           </a:prstGeom>
         </p:spPr>
         <p:txBody>
-          <a:bodyPr anchorCtr="0" anchor="t" bIns="91425" lIns="91425" spcFirstLastPara="1" rIns="91425" wrap="square" tIns="91425">
+          <a:bodyPr spcFirstLastPara="1" wrap="square" lIns="91425" tIns="91425" rIns="91425" bIns="91425" anchor="t" anchorCtr="0">
             <a:noAutofit/>
           </a:bodyPr>
           <a:lstStyle/>
           <a:p>
-            <a:pPr indent="-381000" lvl="0" marL="457200" rtl="0">
+            <a:pPr marL="457200" lvl="0" indent="-381000" rtl="0">
               <a:spcBef>
                 <a:spcPts val="0"/>
               </a:spcBef>
@@ -7034,7 +7167,7 @@
             <a:endParaRPr sz="2400"/>
           </a:p>
           <a:p>
-            <a:pPr indent="-381000" lvl="0" marL="457200" rtl="0">
+            <a:pPr marL="457200" lvl="0" indent="-381000" rtl="0">
               <a:spcBef>
                 <a:spcPts val="0"/>
               </a:spcBef>
@@ -7051,7 +7184,7 @@
             <a:endParaRPr sz="2400"/>
           </a:p>
           <a:p>
-            <a:pPr indent="-381000" lvl="0" marL="457200" rtl="0">
+            <a:pPr marL="457200" lvl="0" indent="-381000" rtl="0">
               <a:spcBef>
                 <a:spcPts val="0"/>
               </a:spcBef>
@@ -7068,7 +7201,7 @@
             <a:endParaRPr sz="2400"/>
           </a:p>
           <a:p>
-            <a:pPr indent="-381000" lvl="0" marL="457200" rtl="0">
+            <a:pPr marL="457200" lvl="0" indent="-381000" rtl="0">
               <a:spcBef>
                 <a:spcPts val="0"/>
               </a:spcBef>
@@ -7085,7 +7218,7 @@
             <a:endParaRPr sz="2400"/>
           </a:p>
           <a:p>
-            <a:pPr indent="-381000" lvl="0" marL="457200" rtl="0">
+            <a:pPr marL="457200" lvl="0" indent="-381000" rtl="0">
               <a:spcBef>
                 <a:spcPts val="0"/>
               </a:spcBef>
@@ -7102,7 +7235,7 @@
             <a:endParaRPr sz="2400"/>
           </a:p>
           <a:p>
-            <a:pPr indent="-381000" lvl="0" marL="457200">
+            <a:pPr marL="457200" lvl="0" indent="-381000">
               <a:spcBef>
                 <a:spcPts val="0"/>
               </a:spcBef>
@@ -7129,11 +7262,11 @@
 </file>
 
 <file path=ppt/slides/slide3.xml><?xml version="1.0" encoding="utf-8"?>
-<p:sld xmlns:a="http://schemas.openxmlformats.org/drawingml/2006/main" xmlns:r="http://schemas.openxmlformats.org/officeDocument/2006/relationships" xmlns:mc="http://schemas.openxmlformats.org/markup-compatibility/2006" xmlns:mv="urn:schemas-microsoft-com:mac:vml" xmlns:p="http://schemas.openxmlformats.org/presentationml/2006/main" xmlns:c="http://schemas.openxmlformats.org/drawingml/2006/chart" xmlns:dgm="http://schemas.openxmlformats.org/drawingml/2006/diagram" xmlns:o="urn:schemas-microsoft-com:office:office" xmlns:v="urn:schemas-microsoft-com:vml" xmlns:pvml="urn:schemas-microsoft-com:office:powerpoint" xmlns:com="http://schemas.openxmlformats.org/drawingml/2006/compatibility" xmlns:p14="http://schemas.microsoft.com/office/powerpoint/2010/main" xmlns:p15="http://schemas.microsoft.com/office/powerpoint/2012/main">
+<p:sld xmlns:a="http://schemas.openxmlformats.org/drawingml/2006/main" xmlns:r="http://schemas.openxmlformats.org/officeDocument/2006/relationships" xmlns:p="http://schemas.openxmlformats.org/presentationml/2006/main">
   <p:cSld>
     <p:spTree>
       <p:nvGrpSpPr>
-        <p:cNvPr id="79" name="Shape 79"/>
+        <p:cNvPr id="1" name="Shape 79"/>
         <p:cNvGrpSpPr/>
         <p:nvPr/>
       </p:nvGrpSpPr>
@@ -7148,7 +7281,9 @@
       <p:sp>
         <p:nvSpPr>
           <p:cNvPr id="80" name="Shape 80"/>
-          <p:cNvSpPr txBox="1"/>
+          <p:cNvSpPr txBox="1">
+            <a:spLocks noGrp="1"/>
+          </p:cNvSpPr>
           <p:nvPr>
             <p:ph type="title"/>
           </p:nvPr>
@@ -7163,12 +7298,12 @@
           </a:prstGeom>
         </p:spPr>
         <p:txBody>
-          <a:bodyPr anchorCtr="0" anchor="t" bIns="91425" lIns="91425" spcFirstLastPara="1" rIns="91425" wrap="square" tIns="91425">
+          <a:bodyPr spcFirstLastPara="1" wrap="square" lIns="91425" tIns="91425" rIns="91425" bIns="91425" anchor="t" anchorCtr="0">
             <a:noAutofit/>
           </a:bodyPr>
           <a:lstStyle/>
           <a:p>
-            <a:pPr indent="0" lvl="0" marL="0" algn="ctr">
+            <a:pPr marL="0" lvl="0" indent="0" algn="ctr">
               <a:spcBef>
                 <a:spcPts val="0"/>
               </a:spcBef>
@@ -7188,9 +7323,11 @@
       <p:sp>
         <p:nvSpPr>
           <p:cNvPr id="81" name="Shape 81"/>
-          <p:cNvSpPr txBox="1"/>
+          <p:cNvSpPr txBox="1">
+            <a:spLocks noGrp="1"/>
+          </p:cNvSpPr>
           <p:nvPr>
-            <p:ph idx="1" type="body"/>
+            <p:ph type="body" idx="1"/>
           </p:nvPr>
         </p:nvSpPr>
         <p:spPr>
@@ -7203,12 +7340,12 @@
           </a:prstGeom>
         </p:spPr>
         <p:txBody>
-          <a:bodyPr anchorCtr="0" anchor="t" bIns="91425" lIns="91425" spcFirstLastPara="1" rIns="91425" wrap="square" tIns="91425">
+          <a:bodyPr spcFirstLastPara="1" wrap="square" lIns="91425" tIns="91425" rIns="91425" bIns="91425" anchor="t" anchorCtr="0">
             <a:noAutofit/>
           </a:bodyPr>
           <a:lstStyle/>
           <a:p>
-            <a:pPr indent="-381000" lvl="0" marL="457200" rtl="0">
+            <a:pPr marL="457200" lvl="0" indent="-381000" rtl="0">
               <a:spcBef>
                 <a:spcPts val="0"/>
               </a:spcBef>
@@ -7225,7 +7362,7 @@
             <a:endParaRPr sz="2400"/>
           </a:p>
           <a:p>
-            <a:pPr indent="-381000" lvl="0" marL="457200" rtl="0">
+            <a:pPr marL="457200" lvl="0" indent="-381000" rtl="0">
               <a:spcBef>
                 <a:spcPts val="0"/>
               </a:spcBef>
@@ -7242,7 +7379,7 @@
             <a:endParaRPr sz="2400"/>
           </a:p>
           <a:p>
-            <a:pPr indent="-381000" lvl="0" marL="457200" rtl="0">
+            <a:pPr marL="457200" lvl="0" indent="-381000" rtl="0">
               <a:spcBef>
                 <a:spcPts val="0"/>
               </a:spcBef>
@@ -7259,7 +7396,7 @@
             <a:endParaRPr sz="2400"/>
           </a:p>
           <a:p>
-            <a:pPr indent="-381000" lvl="0" marL="457200" rtl="0">
+            <a:pPr marL="457200" lvl="0" indent="-381000" rtl="0">
               <a:spcBef>
                 <a:spcPts val="0"/>
               </a:spcBef>
@@ -7286,11 +7423,11 @@
 </file>
 
 <file path=ppt/slides/slide4.xml><?xml version="1.0" encoding="utf-8"?>
-<p:sld xmlns:a="http://schemas.openxmlformats.org/drawingml/2006/main" xmlns:r="http://schemas.openxmlformats.org/officeDocument/2006/relationships" xmlns:mc="http://schemas.openxmlformats.org/markup-compatibility/2006" xmlns:mv="urn:schemas-microsoft-com:mac:vml" xmlns:p="http://schemas.openxmlformats.org/presentationml/2006/main" xmlns:c="http://schemas.openxmlformats.org/drawingml/2006/chart" xmlns:dgm="http://schemas.openxmlformats.org/drawingml/2006/diagram" xmlns:o="urn:schemas-microsoft-com:office:office" xmlns:v="urn:schemas-microsoft-com:vml" xmlns:pvml="urn:schemas-microsoft-com:office:powerpoint" xmlns:com="http://schemas.openxmlformats.org/drawingml/2006/compatibility" xmlns:p14="http://schemas.microsoft.com/office/powerpoint/2010/main" xmlns:p15="http://schemas.microsoft.com/office/powerpoint/2012/main">
+<p:sld xmlns:a="http://schemas.openxmlformats.org/drawingml/2006/main" xmlns:r="http://schemas.openxmlformats.org/officeDocument/2006/relationships" xmlns:p="http://schemas.openxmlformats.org/presentationml/2006/main">
   <p:cSld>
     <p:spTree>
       <p:nvGrpSpPr>
-        <p:cNvPr id="85" name="Shape 85"/>
+        <p:cNvPr id="1" name="Shape 85"/>
         <p:cNvGrpSpPr/>
         <p:nvPr/>
       </p:nvGrpSpPr>
@@ -7305,7 +7442,9 @@
       <p:sp>
         <p:nvSpPr>
           <p:cNvPr id="86" name="Shape 86"/>
-          <p:cNvSpPr txBox="1"/>
+          <p:cNvSpPr txBox="1">
+            <a:spLocks noGrp="1"/>
+          </p:cNvSpPr>
           <p:nvPr>
             <p:ph type="title"/>
           </p:nvPr>
@@ -7320,12 +7459,12 @@
           </a:prstGeom>
         </p:spPr>
         <p:txBody>
-          <a:bodyPr anchorCtr="0" anchor="t" bIns="91425" lIns="91425" spcFirstLastPara="1" rIns="91425" wrap="square" tIns="91425">
+          <a:bodyPr spcFirstLastPara="1" wrap="square" lIns="91425" tIns="91425" rIns="91425" bIns="91425" anchor="t" anchorCtr="0">
             <a:noAutofit/>
           </a:bodyPr>
           <a:lstStyle/>
           <a:p>
-            <a:pPr indent="0" lvl="0" marL="0" algn="ctr">
+            <a:pPr marL="0" lvl="0" indent="0" algn="ctr">
               <a:spcBef>
                 <a:spcPts val="0"/>
               </a:spcBef>
@@ -7352,13 +7491,13 @@
           <a:blip r:embed="rId3">
             <a:alphaModFix/>
           </a:blip>
-          <a:srcRect b="13077" l="0" r="0" t="13077"/>
+          <a:srcRect t="13077" b="13077"/>
           <a:stretch/>
         </p:blipFill>
         <p:spPr>
           <a:xfrm>
-            <a:off x="1205175" y="1017725"/>
-            <a:ext cx="6733650" cy="3914474"/>
+            <a:off x="1280504" y="1113190"/>
+            <a:ext cx="6582991" cy="3826891"/>
           </a:xfrm>
           <a:prstGeom prst="rect">
             <a:avLst/>
@@ -7378,11 +7517,11 @@
 </file>
 
 <file path=ppt/slides/slide5.xml><?xml version="1.0" encoding="utf-8"?>
-<p:sld xmlns:a="http://schemas.openxmlformats.org/drawingml/2006/main" xmlns:r="http://schemas.openxmlformats.org/officeDocument/2006/relationships" xmlns:mc="http://schemas.openxmlformats.org/markup-compatibility/2006" xmlns:mv="urn:schemas-microsoft-com:mac:vml" xmlns:p="http://schemas.openxmlformats.org/presentationml/2006/main" xmlns:c="http://schemas.openxmlformats.org/drawingml/2006/chart" xmlns:dgm="http://schemas.openxmlformats.org/drawingml/2006/diagram" xmlns:o="urn:schemas-microsoft-com:office:office" xmlns:v="urn:schemas-microsoft-com:vml" xmlns:pvml="urn:schemas-microsoft-com:office:powerpoint" xmlns:com="http://schemas.openxmlformats.org/drawingml/2006/compatibility" xmlns:p14="http://schemas.microsoft.com/office/powerpoint/2010/main" xmlns:p15="http://schemas.microsoft.com/office/powerpoint/2012/main">
+<p:sld xmlns:a="http://schemas.openxmlformats.org/drawingml/2006/main" xmlns:r="http://schemas.openxmlformats.org/officeDocument/2006/relationships" xmlns:p="http://schemas.openxmlformats.org/presentationml/2006/main">
   <p:cSld>
     <p:spTree>
       <p:nvGrpSpPr>
-        <p:cNvPr id="91" name="Shape 91"/>
+        <p:cNvPr id="1" name="Shape 91"/>
         <p:cNvGrpSpPr/>
         <p:nvPr/>
       </p:nvGrpSpPr>
@@ -7397,7 +7536,9 @@
       <p:sp>
         <p:nvSpPr>
           <p:cNvPr id="92" name="Shape 92"/>
-          <p:cNvSpPr txBox="1"/>
+          <p:cNvSpPr txBox="1">
+            <a:spLocks noGrp="1"/>
+          </p:cNvSpPr>
           <p:nvPr>
             <p:ph type="title"/>
           </p:nvPr>
@@ -7412,12 +7553,12 @@
           </a:prstGeom>
         </p:spPr>
         <p:txBody>
-          <a:bodyPr anchorCtr="0" anchor="t" bIns="91425" lIns="91425" spcFirstLastPara="1" rIns="91425" wrap="square" tIns="91425">
+          <a:bodyPr spcFirstLastPara="1" wrap="square" lIns="91425" tIns="91425" rIns="91425" bIns="91425" anchor="t" anchorCtr="0">
             <a:noAutofit/>
           </a:bodyPr>
           <a:lstStyle/>
           <a:p>
-            <a:pPr indent="0" lvl="0" marL="0" algn="ctr">
+            <a:pPr marL="0" lvl="0" indent="0" algn="ctr">
               <a:spcBef>
                 <a:spcPts val="0"/>
               </a:spcBef>
@@ -7450,7 +7591,7 @@
         </p:blipFill>
         <p:spPr>
           <a:xfrm>
-            <a:off x="1117550" y="1295700"/>
+            <a:off x="1117550" y="1335114"/>
             <a:ext cx="6908899" cy="3498225"/>
           </a:xfrm>
           <a:prstGeom prst="rect">
@@ -7471,18 +7612,19 @@
 </file>
 
 <file path=ppt/slides/slide6.xml><?xml version="1.0" encoding="utf-8"?>
-<p:sld xmlns:a="http://schemas.openxmlformats.org/drawingml/2006/main" xmlns:r="http://schemas.openxmlformats.org/officeDocument/2006/relationships" xmlns:mc="http://schemas.openxmlformats.org/markup-compatibility/2006" xmlns:mv="urn:schemas-microsoft-com:mac:vml" xmlns:p="http://schemas.openxmlformats.org/presentationml/2006/main" xmlns:c="http://schemas.openxmlformats.org/drawingml/2006/chart" xmlns:dgm="http://schemas.openxmlformats.org/drawingml/2006/diagram" xmlns:o="urn:schemas-microsoft-com:office:office" xmlns:v="urn:schemas-microsoft-com:vml" xmlns:pvml="urn:schemas-microsoft-com:office:powerpoint" xmlns:com="http://schemas.openxmlformats.org/drawingml/2006/compatibility" xmlns:p14="http://schemas.microsoft.com/office/powerpoint/2010/main" xmlns:p15="http://schemas.microsoft.com/office/powerpoint/2012/main">
+<p:sld xmlns:a="http://schemas.openxmlformats.org/drawingml/2006/main" xmlns:r="http://schemas.openxmlformats.org/officeDocument/2006/relationships" xmlns:p="http://schemas.openxmlformats.org/presentationml/2006/main">
   <p:cSld>
     <p:bg>
       <p:bgPr>
         <a:solidFill>
           <a:schemeClr val="lt1"/>
         </a:solidFill>
+        <a:effectLst/>
       </p:bgPr>
     </p:bg>
     <p:spTree>
       <p:nvGrpSpPr>
-        <p:cNvPr id="97" name="Shape 97"/>
+        <p:cNvPr id="1" name="Shape 97"/>
         <p:cNvGrpSpPr/>
         <p:nvPr/>
       </p:nvGrpSpPr>
@@ -7497,7 +7639,9 @@
       <p:sp>
         <p:nvSpPr>
           <p:cNvPr id="98" name="Shape 98"/>
-          <p:cNvSpPr txBox="1"/>
+          <p:cNvSpPr txBox="1">
+            <a:spLocks noGrp="1"/>
+          </p:cNvSpPr>
           <p:nvPr>
             <p:ph type="title"/>
           </p:nvPr>
@@ -7512,12 +7656,12 @@
           </a:prstGeom>
         </p:spPr>
         <p:txBody>
-          <a:bodyPr anchorCtr="0" anchor="t" bIns="91425" lIns="91425" spcFirstLastPara="1" rIns="91425" wrap="square" tIns="91425">
+          <a:bodyPr spcFirstLastPara="1" wrap="square" lIns="91425" tIns="91425" rIns="91425" bIns="91425" anchor="t" anchorCtr="0">
             <a:noAutofit/>
           </a:bodyPr>
           <a:lstStyle/>
           <a:p>
-            <a:pPr indent="0" lvl="0" marL="0" algn="ctr">
+            <a:pPr marL="0" lvl="0" indent="0" algn="ctr">
               <a:spcBef>
                 <a:spcPts val="0"/>
               </a:spcBef>
@@ -7550,8 +7694,8 @@
         </p:blipFill>
         <p:spPr>
           <a:xfrm>
-            <a:off x="152400" y="1334950"/>
-            <a:ext cx="8991600" cy="3808550"/>
+            <a:off x="2385520" y="1773980"/>
+            <a:ext cx="4372960" cy="2794078"/>
           </a:xfrm>
           <a:prstGeom prst="rect">
             <a:avLst/>
@@ -7571,7 +7715,288 @@
 </file>
 
 <file path=ppt/theme/theme1.xml><?xml version="1.0" encoding="utf-8"?>
-<a:theme xmlns:a="http://schemas.openxmlformats.org/drawingml/2006/main" xmlns:r="http://schemas.openxmlformats.org/officeDocument/2006/relationships">
+<a:theme xmlns:a="http://schemas.openxmlformats.org/drawingml/2006/main" name="Blue &amp; Gold">
+  <a:themeElements>
+    <a:clrScheme name="Blue &amp; Gold">
+      <a:dk1>
+        <a:srgbClr val="FFFFFF"/>
+      </a:dk1>
+      <a:lt1>
+        <a:srgbClr val="01AFD1"/>
+      </a:lt1>
+      <a:dk2>
+        <a:srgbClr val="1E2D31"/>
+      </a:dk2>
+      <a:lt2>
+        <a:srgbClr val="BFC7CA"/>
+      </a:lt2>
+      <a:accent1>
+        <a:srgbClr val="006F85"/>
+      </a:accent1>
+      <a:accent2>
+        <a:srgbClr val="AF4345"/>
+      </a:accent2>
+      <a:accent3>
+        <a:srgbClr val="47D06A"/>
+      </a:accent3>
+      <a:accent4>
+        <a:srgbClr val="F58F8F"/>
+      </a:accent4>
+      <a:accent5>
+        <a:srgbClr val="F6CD4C"/>
+      </a:accent5>
+      <a:accent6>
+        <a:srgbClr val="F8E71C"/>
+      </a:accent6>
+      <a:hlink>
+        <a:srgbClr val="F6CD4C"/>
+      </a:hlink>
+      <a:folHlink>
+        <a:srgbClr val="F6CD4C"/>
+      </a:folHlink>
+    </a:clrScheme>
+    <a:fontScheme name="Office">
+      <a:majorFont>
+        <a:latin typeface="Arial"/>
+        <a:ea typeface=""/>
+        <a:cs typeface=""/>
+        <a:font script="Jpan" typeface="ＭＳ Ｐゴシック"/>
+        <a:font script="Hang" typeface="맑은 고딕"/>
+        <a:font script="Hans" typeface="宋体"/>
+        <a:font script="Hant" typeface="新細明體"/>
+        <a:font script="Arab" typeface="Times New Roman"/>
+        <a:font script="Hebr" typeface="Times New Roman"/>
+        <a:font script="Thai" typeface="Angsana New"/>
+        <a:font script="Ethi" typeface="Nyala"/>
+        <a:font script="Beng" typeface="Vrinda"/>
+        <a:font script="Gujr" typeface="Shruti"/>
+        <a:font script="Khmr" typeface="MoolBoran"/>
+        <a:font script="Knda" typeface="Tunga"/>
+        <a:font script="Guru" typeface="Raavi"/>
+        <a:font script="Cans" typeface="Euphemia"/>
+        <a:font script="Cher" typeface="Plantagenet Cherokee"/>
+        <a:font script="Yiii" typeface="Microsoft Yi Baiti"/>
+        <a:font script="Tibt" typeface="Microsoft Himalaya"/>
+        <a:font script="Thaa" typeface="MV Boli"/>
+        <a:font script="Deva" typeface="Mangal"/>
+        <a:font script="Telu" typeface="Gautami"/>
+        <a:font script="Taml" typeface="Latha"/>
+        <a:font script="Syrc" typeface="Estrangelo Edessa"/>
+        <a:font script="Orya" typeface="Kalinga"/>
+        <a:font script="Mlym" typeface="Kartika"/>
+        <a:font script="Laoo" typeface="DokChampa"/>
+        <a:font script="Sinh" typeface="Iskoola Pota"/>
+        <a:font script="Mong" typeface="Mongolian Baiti"/>
+        <a:font script="Viet" typeface="Times New Roman"/>
+        <a:font script="Uigh" typeface="Microsoft Uighur"/>
+        <a:font script="Geor" typeface="Sylfaen"/>
+      </a:majorFont>
+      <a:minorFont>
+        <a:latin typeface="Arial"/>
+        <a:ea typeface=""/>
+        <a:cs typeface=""/>
+        <a:font script="Jpan" typeface="ＭＳ Ｐゴシック"/>
+        <a:font script="Hang" typeface="맑은 고딕"/>
+        <a:font script="Hans" typeface="宋体"/>
+        <a:font script="Hant" typeface="新細明體"/>
+        <a:font script="Arab" typeface="Arial"/>
+        <a:font script="Hebr" typeface="Arial"/>
+        <a:font script="Thai" typeface="Cordia New"/>
+        <a:font script="Ethi" typeface="Nyala"/>
+        <a:font script="Beng" typeface="Vrinda"/>
+        <a:font script="Gujr" typeface="Shruti"/>
+        <a:font script="Khmr" typeface="DaunPenh"/>
+        <a:font script="Knda" typeface="Tunga"/>
+        <a:font script="Guru" typeface="Raavi"/>
+        <a:font script="Cans" typeface="Euphemia"/>
+        <a:font script="Cher" typeface="Plantagenet Cherokee"/>
+        <a:font script="Yiii" typeface="Microsoft Yi Baiti"/>
+        <a:font script="Tibt" typeface="Microsoft Himalaya"/>
+        <a:font script="Thaa" typeface="MV Boli"/>
+        <a:font script="Deva" typeface="Mangal"/>
+        <a:font script="Telu" typeface="Gautami"/>
+        <a:font script="Taml" typeface="Latha"/>
+        <a:font script="Syrc" typeface="Estrangelo Edessa"/>
+        <a:font script="Orya" typeface="Kalinga"/>
+        <a:font script="Mlym" typeface="Kartika"/>
+        <a:font script="Laoo" typeface="DokChampa"/>
+        <a:font script="Sinh" typeface="Iskoola Pota"/>
+        <a:font script="Mong" typeface="Mongolian Baiti"/>
+        <a:font script="Viet" typeface="Arial"/>
+        <a:font script="Uigh" typeface="Microsoft Uighur"/>
+        <a:font script="Geor" typeface="Sylfaen"/>
+      </a:minorFont>
+    </a:fontScheme>
+    <a:fmtScheme name="Office">
+      <a:fillStyleLst>
+        <a:solidFill>
+          <a:schemeClr val="phClr"/>
+        </a:solidFill>
+        <a:gradFill rotWithShape="1">
+          <a:gsLst>
+            <a:gs pos="0">
+              <a:schemeClr val="phClr">
+                <a:tint val="50000"/>
+                <a:satMod val="300000"/>
+              </a:schemeClr>
+            </a:gs>
+            <a:gs pos="35000">
+              <a:schemeClr val="phClr">
+                <a:tint val="37000"/>
+                <a:satMod val="300000"/>
+              </a:schemeClr>
+            </a:gs>
+            <a:gs pos="100000">
+              <a:schemeClr val="phClr">
+                <a:tint val="15000"/>
+                <a:satMod val="350000"/>
+              </a:schemeClr>
+            </a:gs>
+          </a:gsLst>
+          <a:lin ang="16200000" scaled="1"/>
+        </a:gradFill>
+        <a:gradFill rotWithShape="1">
+          <a:gsLst>
+            <a:gs pos="0">
+              <a:schemeClr val="phClr">
+                <a:tint val="100000"/>
+                <a:shade val="100000"/>
+                <a:satMod val="130000"/>
+              </a:schemeClr>
+            </a:gs>
+            <a:gs pos="100000">
+              <a:schemeClr val="phClr">
+                <a:tint val="50000"/>
+                <a:shade val="100000"/>
+                <a:satMod val="350000"/>
+              </a:schemeClr>
+            </a:gs>
+          </a:gsLst>
+          <a:lin ang="16200000" scaled="0"/>
+        </a:gradFill>
+      </a:fillStyleLst>
+      <a:lnStyleLst>
+        <a:ln w="9525" cap="flat" cmpd="sng" algn="ctr">
+          <a:solidFill>
+            <a:schemeClr val="phClr">
+              <a:shade val="95000"/>
+              <a:satMod val="105000"/>
+            </a:schemeClr>
+          </a:solidFill>
+          <a:prstDash val="solid"/>
+        </a:ln>
+        <a:ln w="25400" cap="flat" cmpd="sng" algn="ctr">
+          <a:solidFill>
+            <a:schemeClr val="phClr"/>
+          </a:solidFill>
+          <a:prstDash val="solid"/>
+        </a:ln>
+        <a:ln w="38100" cap="flat" cmpd="sng" algn="ctr">
+          <a:solidFill>
+            <a:schemeClr val="phClr"/>
+          </a:solidFill>
+          <a:prstDash val="solid"/>
+        </a:ln>
+      </a:lnStyleLst>
+      <a:effectStyleLst>
+        <a:effectStyle>
+          <a:effectLst>
+            <a:outerShdw blurRad="40000" dist="20000" dir="5400000" rotWithShape="0">
+              <a:srgbClr val="000000">
+                <a:alpha val="38000"/>
+              </a:srgbClr>
+            </a:outerShdw>
+          </a:effectLst>
+        </a:effectStyle>
+        <a:effectStyle>
+          <a:effectLst>
+            <a:outerShdw blurRad="40000" dist="23000" dir="5400000" rotWithShape="0">
+              <a:srgbClr val="000000">
+                <a:alpha val="35000"/>
+              </a:srgbClr>
+            </a:outerShdw>
+          </a:effectLst>
+        </a:effectStyle>
+        <a:effectStyle>
+          <a:effectLst>
+            <a:outerShdw blurRad="40000" dist="23000" dir="5400000" rotWithShape="0">
+              <a:srgbClr val="000000">
+                <a:alpha val="35000"/>
+              </a:srgbClr>
+            </a:outerShdw>
+          </a:effectLst>
+          <a:scene3d>
+            <a:camera prst="orthographicFront">
+              <a:rot lat="0" lon="0" rev="0"/>
+            </a:camera>
+            <a:lightRig rig="threePt" dir="t">
+              <a:rot lat="0" lon="0" rev="1200000"/>
+            </a:lightRig>
+          </a:scene3d>
+          <a:sp3d>
+            <a:bevelT w="63500" h="25400"/>
+          </a:sp3d>
+        </a:effectStyle>
+      </a:effectStyleLst>
+      <a:bgFillStyleLst>
+        <a:solidFill>
+          <a:schemeClr val="phClr"/>
+        </a:solidFill>
+        <a:gradFill rotWithShape="1">
+          <a:gsLst>
+            <a:gs pos="0">
+              <a:schemeClr val="phClr">
+                <a:tint val="40000"/>
+                <a:satMod val="350000"/>
+              </a:schemeClr>
+            </a:gs>
+            <a:gs pos="40000">
+              <a:schemeClr val="phClr">
+                <a:tint val="45000"/>
+                <a:shade val="99000"/>
+                <a:satMod val="350000"/>
+              </a:schemeClr>
+            </a:gs>
+            <a:gs pos="100000">
+              <a:schemeClr val="phClr">
+                <a:shade val="20000"/>
+                <a:satMod val="255000"/>
+              </a:schemeClr>
+            </a:gs>
+          </a:gsLst>
+          <a:path path="circle">
+            <a:fillToRect l="50000" t="-80000" r="50000" b="180000"/>
+          </a:path>
+        </a:gradFill>
+        <a:gradFill rotWithShape="1">
+          <a:gsLst>
+            <a:gs pos="0">
+              <a:schemeClr val="phClr">
+                <a:tint val="80000"/>
+                <a:satMod val="300000"/>
+              </a:schemeClr>
+            </a:gs>
+            <a:gs pos="100000">
+              <a:schemeClr val="phClr">
+                <a:shade val="30000"/>
+                <a:satMod val="200000"/>
+              </a:schemeClr>
+            </a:gs>
+          </a:gsLst>
+          <a:path path="circle">
+            <a:fillToRect l="50000" t="50000" r="50000" b="50000"/>
+          </a:path>
+        </a:gradFill>
+      </a:bgFillStyleLst>
+    </a:fmtScheme>
+  </a:themeElements>
+  <a:objectDefaults/>
+  <a:extraClrSchemeLst/>
+</a:theme>
+</file>
+
+<file path=ppt/theme/theme2.xml><?xml version="1.0" encoding="utf-8"?>
+<a:theme xmlns:a="http://schemas.openxmlformats.org/drawingml/2006/main">
   <a:themeElements>
     <a:clrScheme name="Default">
       <a:dk1>
@@ -7846,284 +8271,7 @@
       </a:bgFillStyleLst>
     </a:fmtScheme>
   </a:themeElements>
-</a:theme>
-</file>
-
-<file path=ppt/theme/theme2.xml><?xml version="1.0" encoding="utf-8"?>
-<a:theme xmlns:a="http://schemas.openxmlformats.org/drawingml/2006/main" xmlns:r="http://schemas.openxmlformats.org/officeDocument/2006/relationships" name="Blue &amp; Gold">
-  <a:themeElements>
-    <a:clrScheme name="Blue &amp; Gold">
-      <a:dk1>
-        <a:srgbClr val="FFFFFF"/>
-      </a:dk1>
-      <a:lt1>
-        <a:srgbClr val="01AFD1"/>
-      </a:lt1>
-      <a:dk2>
-        <a:srgbClr val="1E2D31"/>
-      </a:dk2>
-      <a:lt2>
-        <a:srgbClr val="BFC7CA"/>
-      </a:lt2>
-      <a:accent1>
-        <a:srgbClr val="006F85"/>
-      </a:accent1>
-      <a:accent2>
-        <a:srgbClr val="AF4345"/>
-      </a:accent2>
-      <a:accent3>
-        <a:srgbClr val="47D06A"/>
-      </a:accent3>
-      <a:accent4>
-        <a:srgbClr val="F58F8F"/>
-      </a:accent4>
-      <a:accent5>
-        <a:srgbClr val="F6CD4C"/>
-      </a:accent5>
-      <a:accent6>
-        <a:srgbClr val="F8E71C"/>
-      </a:accent6>
-      <a:hlink>
-        <a:srgbClr val="F6CD4C"/>
-      </a:hlink>
-      <a:folHlink>
-        <a:srgbClr val="F6CD4C"/>
-      </a:folHlink>
-    </a:clrScheme>
-    <a:fontScheme name="Office">
-      <a:majorFont>
-        <a:latin typeface="Arial"/>
-        <a:ea typeface=""/>
-        <a:cs typeface=""/>
-        <a:font script="Jpan" typeface="ＭＳ Ｐゴシック"/>
-        <a:font script="Hang" typeface="맑은 고딕"/>
-        <a:font script="Hans" typeface="宋体"/>
-        <a:font script="Hant" typeface="新細明體"/>
-        <a:font script="Arab" typeface="Times New Roman"/>
-        <a:font script="Hebr" typeface="Times New Roman"/>
-        <a:font script="Thai" typeface="Angsana New"/>
-        <a:font script="Ethi" typeface="Nyala"/>
-        <a:font script="Beng" typeface="Vrinda"/>
-        <a:font script="Gujr" typeface="Shruti"/>
-        <a:font script="Khmr" typeface="MoolBoran"/>
-        <a:font script="Knda" typeface="Tunga"/>
-        <a:font script="Guru" typeface="Raavi"/>
-        <a:font script="Cans" typeface="Euphemia"/>
-        <a:font script="Cher" typeface="Plantagenet Cherokee"/>
-        <a:font script="Yiii" typeface="Microsoft Yi Baiti"/>
-        <a:font script="Tibt" typeface="Microsoft Himalaya"/>
-        <a:font script="Thaa" typeface="MV Boli"/>
-        <a:font script="Deva" typeface="Mangal"/>
-        <a:font script="Telu" typeface="Gautami"/>
-        <a:font script="Taml" typeface="Latha"/>
-        <a:font script="Syrc" typeface="Estrangelo Edessa"/>
-        <a:font script="Orya" typeface="Kalinga"/>
-        <a:font script="Mlym" typeface="Kartika"/>
-        <a:font script="Laoo" typeface="DokChampa"/>
-        <a:font script="Sinh" typeface="Iskoola Pota"/>
-        <a:font script="Mong" typeface="Mongolian Baiti"/>
-        <a:font script="Viet" typeface="Times New Roman"/>
-        <a:font script="Uigh" typeface="Microsoft Uighur"/>
-        <a:font script="Geor" typeface="Sylfaen"/>
-      </a:majorFont>
-      <a:minorFont>
-        <a:latin typeface="Arial"/>
-        <a:ea typeface=""/>
-        <a:cs typeface=""/>
-        <a:font script="Jpan" typeface="ＭＳ Ｐゴシック"/>
-        <a:font script="Hang" typeface="맑은 고딕"/>
-        <a:font script="Hans" typeface="宋体"/>
-        <a:font script="Hant" typeface="新細明體"/>
-        <a:font script="Arab" typeface="Arial"/>
-        <a:font script="Hebr" typeface="Arial"/>
-        <a:font script="Thai" typeface="Cordia New"/>
-        <a:font script="Ethi" typeface="Nyala"/>
-        <a:font script="Beng" typeface="Vrinda"/>
-        <a:font script="Gujr" typeface="Shruti"/>
-        <a:font script="Khmr" typeface="DaunPenh"/>
-        <a:font script="Knda" typeface="Tunga"/>
-        <a:font script="Guru" typeface="Raavi"/>
-        <a:font script="Cans" typeface="Euphemia"/>
-        <a:font script="Cher" typeface="Plantagenet Cherokee"/>
-        <a:font script="Yiii" typeface="Microsoft Yi Baiti"/>
-        <a:font script="Tibt" typeface="Microsoft Himalaya"/>
-        <a:font script="Thaa" typeface="MV Boli"/>
-        <a:font script="Deva" typeface="Mangal"/>
-        <a:font script="Telu" typeface="Gautami"/>
-        <a:font script="Taml" typeface="Latha"/>
-        <a:font script="Syrc" typeface="Estrangelo Edessa"/>
-        <a:font script="Orya" typeface="Kalinga"/>
-        <a:font script="Mlym" typeface="Kartika"/>
-        <a:font script="Laoo" typeface="DokChampa"/>
-        <a:font script="Sinh" typeface="Iskoola Pota"/>
-        <a:font script="Mong" typeface="Mongolian Baiti"/>
-        <a:font script="Viet" typeface="Arial"/>
-        <a:font script="Uigh" typeface="Microsoft Uighur"/>
-        <a:font script="Geor" typeface="Sylfaen"/>
-      </a:minorFont>
-    </a:fontScheme>
-    <a:fmtScheme name="Office">
-      <a:fillStyleLst>
-        <a:solidFill>
-          <a:schemeClr val="phClr"/>
-        </a:solidFill>
-        <a:gradFill rotWithShape="1">
-          <a:gsLst>
-            <a:gs pos="0">
-              <a:schemeClr val="phClr">
-                <a:tint val="50000"/>
-                <a:satMod val="300000"/>
-              </a:schemeClr>
-            </a:gs>
-            <a:gs pos="35000">
-              <a:schemeClr val="phClr">
-                <a:tint val="37000"/>
-                <a:satMod val="300000"/>
-              </a:schemeClr>
-            </a:gs>
-            <a:gs pos="100000">
-              <a:schemeClr val="phClr">
-                <a:tint val="15000"/>
-                <a:satMod val="350000"/>
-              </a:schemeClr>
-            </a:gs>
-          </a:gsLst>
-          <a:lin ang="16200000" scaled="1"/>
-        </a:gradFill>
-        <a:gradFill rotWithShape="1">
-          <a:gsLst>
-            <a:gs pos="0">
-              <a:schemeClr val="phClr">
-                <a:tint val="100000"/>
-                <a:shade val="100000"/>
-                <a:satMod val="130000"/>
-              </a:schemeClr>
-            </a:gs>
-            <a:gs pos="100000">
-              <a:schemeClr val="phClr">
-                <a:tint val="50000"/>
-                <a:shade val="100000"/>
-                <a:satMod val="350000"/>
-              </a:schemeClr>
-            </a:gs>
-          </a:gsLst>
-          <a:lin ang="16200000" scaled="0"/>
-        </a:gradFill>
-      </a:fillStyleLst>
-      <a:lnStyleLst>
-        <a:ln w="9525" cap="flat" cmpd="sng" algn="ctr">
-          <a:solidFill>
-            <a:schemeClr val="phClr">
-              <a:shade val="95000"/>
-              <a:satMod val="105000"/>
-            </a:schemeClr>
-          </a:solidFill>
-          <a:prstDash val="solid"/>
-        </a:ln>
-        <a:ln w="25400" cap="flat" cmpd="sng" algn="ctr">
-          <a:solidFill>
-            <a:schemeClr val="phClr"/>
-          </a:solidFill>
-          <a:prstDash val="solid"/>
-        </a:ln>
-        <a:ln w="38100" cap="flat" cmpd="sng" algn="ctr">
-          <a:solidFill>
-            <a:schemeClr val="phClr"/>
-          </a:solidFill>
-          <a:prstDash val="solid"/>
-        </a:ln>
-      </a:lnStyleLst>
-      <a:effectStyleLst>
-        <a:effectStyle>
-          <a:effectLst>
-            <a:outerShdw blurRad="40000" dist="20000" dir="5400000" rotWithShape="0">
-              <a:srgbClr val="000000">
-                <a:alpha val="38000"/>
-              </a:srgbClr>
-            </a:outerShdw>
-          </a:effectLst>
-        </a:effectStyle>
-        <a:effectStyle>
-          <a:effectLst>
-            <a:outerShdw blurRad="40000" dist="23000" dir="5400000" rotWithShape="0">
-              <a:srgbClr val="000000">
-                <a:alpha val="35000"/>
-              </a:srgbClr>
-            </a:outerShdw>
-          </a:effectLst>
-        </a:effectStyle>
-        <a:effectStyle>
-          <a:effectLst>
-            <a:outerShdw blurRad="40000" dist="23000" dir="5400000" rotWithShape="0">
-              <a:srgbClr val="000000">
-                <a:alpha val="35000"/>
-              </a:srgbClr>
-            </a:outerShdw>
-          </a:effectLst>
-          <a:scene3d>
-            <a:camera prst="orthographicFront">
-              <a:rot lat="0" lon="0" rev="0"/>
-            </a:camera>
-            <a:lightRig rig="threePt" dir="t">
-              <a:rot lat="0" lon="0" rev="1200000"/>
-            </a:lightRig>
-          </a:scene3d>
-          <a:sp3d>
-            <a:bevelT w="63500" h="25400"/>
-          </a:sp3d>
-        </a:effectStyle>
-      </a:effectStyleLst>
-      <a:bgFillStyleLst>
-        <a:solidFill>
-          <a:schemeClr val="phClr"/>
-        </a:solidFill>
-        <a:gradFill rotWithShape="1">
-          <a:gsLst>
-            <a:gs pos="0">
-              <a:schemeClr val="phClr">
-                <a:tint val="40000"/>
-                <a:satMod val="350000"/>
-              </a:schemeClr>
-            </a:gs>
-            <a:gs pos="40000">
-              <a:schemeClr val="phClr">
-                <a:tint val="45000"/>
-                <a:shade val="99000"/>
-                <a:satMod val="350000"/>
-              </a:schemeClr>
-            </a:gs>
-            <a:gs pos="100000">
-              <a:schemeClr val="phClr">
-                <a:shade val="20000"/>
-                <a:satMod val="255000"/>
-              </a:schemeClr>
-            </a:gs>
-          </a:gsLst>
-          <a:path path="circle">
-            <a:fillToRect l="50000" t="-80000" r="50000" b="180000"/>
-          </a:path>
-        </a:gradFill>
-        <a:gradFill rotWithShape="1">
-          <a:gsLst>
-            <a:gs pos="0">
-              <a:schemeClr val="phClr">
-                <a:tint val="80000"/>
-                <a:satMod val="300000"/>
-              </a:schemeClr>
-            </a:gs>
-            <a:gs pos="100000">
-              <a:schemeClr val="phClr">
-                <a:shade val="30000"/>
-                <a:satMod val="200000"/>
-              </a:schemeClr>
-            </a:gs>
-          </a:gsLst>
-          <a:path path="circle">
-            <a:fillToRect l="50000" t="50000" r="50000" b="50000"/>
-          </a:path>
-        </a:gradFill>
-      </a:bgFillStyleLst>
-    </a:fmtScheme>
-  </a:themeElements>
+  <a:objectDefaults/>
+  <a:extraClrSchemeLst/>
 </a:theme>
 </file>